--- a/2025/2025-07-25-AI-Updates.pptx
+++ b/2025/2025-07-25-AI-Updates.pptx
@@ -968,7 +968,7 @@
   <p:cSld>
     <p:spTree>
       <p:nvGrpSpPr>
-        <p:cNvPr id="1" name="Shape 185"/>
+        <p:cNvPr id="1" name="Shape 186"/>
         <p:cNvGrpSpPr/>
         <p:nvPr/>
       </p:nvGrpSpPr>
@@ -982,7 +982,7 @@
       </p:grpSpPr>
       <p:sp>
         <p:nvSpPr>
-          <p:cNvPr id="186" name="Google Shape;186;g3634acce6c9_0_0:notes"/>
+          <p:cNvPr id="187" name="Google Shape;187;g3634acce6c9_0_0:notes"/>
           <p:cNvSpPr>
             <a:spLocks noGrp="1" noRot="1" noChangeAspect="1"/>
           </p:cNvSpPr>
@@ -1033,7 +1033,7 @@
       </p:sp>
       <p:sp>
         <p:nvSpPr>
-          <p:cNvPr id="187" name="Google Shape;187;g3634acce6c9_0_0:notes"/>
+          <p:cNvPr id="188" name="Google Shape;188;g3634acce6c9_0_0:notes"/>
           <p:cNvSpPr txBox="1">
             <a:spLocks noGrp="1"/>
           </p:cNvSpPr>
@@ -1090,7 +1090,7 @@
   <p:cSld>
     <p:spTree>
       <p:nvGrpSpPr>
-        <p:cNvPr id="1" name="Shape 193"/>
+        <p:cNvPr id="1" name="Shape 194"/>
         <p:cNvGrpSpPr/>
         <p:nvPr/>
       </p:nvGrpSpPr>
@@ -1104,7 +1104,7 @@
       </p:grpSpPr>
       <p:sp>
         <p:nvSpPr>
-          <p:cNvPr id="194" name="Google Shape;194;g3634f71ea92_1_7:notes"/>
+          <p:cNvPr id="195" name="Google Shape;195;g3634f71ea92_1_7:notes"/>
           <p:cNvSpPr>
             <a:spLocks noGrp="1" noRot="1" noChangeAspect="1"/>
           </p:cNvSpPr>
@@ -1155,7 +1155,7 @@
       </p:sp>
       <p:sp>
         <p:nvSpPr>
-          <p:cNvPr id="195" name="Google Shape;195;g3634f71ea92_1_7:notes"/>
+          <p:cNvPr id="196" name="Google Shape;196;g3634f71ea92_1_7:notes"/>
           <p:cNvSpPr txBox="1">
             <a:spLocks noGrp="1"/>
           </p:cNvSpPr>
@@ -1212,7 +1212,7 @@
   <p:cSld>
     <p:spTree>
       <p:nvGrpSpPr>
-        <p:cNvPr id="1" name="Shape 200"/>
+        <p:cNvPr id="1" name="Shape 201"/>
         <p:cNvGrpSpPr/>
         <p:nvPr/>
       </p:nvGrpSpPr>
@@ -1226,7 +1226,7 @@
       </p:grpSpPr>
       <p:sp>
         <p:nvSpPr>
-          <p:cNvPr id="201" name="Google Shape;201;g370e6b1aaa3_2_0:notes"/>
+          <p:cNvPr id="202" name="Google Shape;202;g370e6b1aaa3_2_0:notes"/>
           <p:cNvSpPr>
             <a:spLocks noGrp="1" noRot="1" noChangeAspect="1"/>
           </p:cNvSpPr>
@@ -1277,7 +1277,7 @@
       </p:sp>
       <p:sp>
         <p:nvSpPr>
-          <p:cNvPr id="202" name="Google Shape;202;g370e6b1aaa3_2_0:notes"/>
+          <p:cNvPr id="203" name="Google Shape;203;g370e6b1aaa3_2_0:notes"/>
           <p:cNvSpPr txBox="1">
             <a:spLocks noGrp="1"/>
           </p:cNvSpPr>
@@ -1334,7 +1334,7 @@
   <p:cSld>
     <p:spTree>
       <p:nvGrpSpPr>
-        <p:cNvPr id="1" name="Shape 209"/>
+        <p:cNvPr id="1" name="Shape 210"/>
         <p:cNvGrpSpPr/>
         <p:nvPr/>
       </p:nvGrpSpPr>
@@ -1348,7 +1348,7 @@
       </p:grpSpPr>
       <p:sp>
         <p:nvSpPr>
-          <p:cNvPr id="210" name="Google Shape;210;g37106f4ad71_1_0:notes"/>
+          <p:cNvPr id="211" name="Google Shape;211;g37106f4ad71_1_0:notes"/>
           <p:cNvSpPr>
             <a:spLocks noGrp="1" noRot="1" noChangeAspect="1"/>
           </p:cNvSpPr>
@@ -1399,7 +1399,7 @@
       </p:sp>
       <p:sp>
         <p:nvSpPr>
-          <p:cNvPr id="211" name="Google Shape;211;g37106f4ad71_1_0:notes"/>
+          <p:cNvPr id="212" name="Google Shape;212;g37106f4ad71_1_0:notes"/>
           <p:cNvSpPr txBox="1">
             <a:spLocks noGrp="1"/>
           </p:cNvSpPr>
@@ -1456,7 +1456,7 @@
   <p:cSld>
     <p:spTree>
       <p:nvGrpSpPr>
-        <p:cNvPr id="1" name="Shape 217"/>
+        <p:cNvPr id="1" name="Shape 218"/>
         <p:cNvGrpSpPr/>
         <p:nvPr/>
       </p:nvGrpSpPr>
@@ -1470,7 +1470,7 @@
       </p:grpSpPr>
       <p:sp>
         <p:nvSpPr>
-          <p:cNvPr id="218" name="Google Shape;218;g37117326cae_0_5:notes"/>
+          <p:cNvPr id="219" name="Google Shape;219;g37117326cae_0_5:notes"/>
           <p:cNvSpPr>
             <a:spLocks noGrp="1" noRot="1" noChangeAspect="1"/>
           </p:cNvSpPr>
@@ -1521,7 +1521,7 @@
       </p:sp>
       <p:sp>
         <p:nvSpPr>
-          <p:cNvPr id="219" name="Google Shape;219;g37117326cae_0_5:notes"/>
+          <p:cNvPr id="220" name="Google Shape;220;g37117326cae_0_5:notes"/>
           <p:cNvSpPr txBox="1">
             <a:spLocks noGrp="1"/>
           </p:cNvSpPr>
@@ -1578,7 +1578,7 @@
   <p:cSld>
     <p:spTree>
       <p:nvGrpSpPr>
-        <p:cNvPr id="1" name="Shape 227"/>
+        <p:cNvPr id="1" name="Shape 228"/>
         <p:cNvGrpSpPr/>
         <p:nvPr/>
       </p:nvGrpSpPr>
@@ -1592,7 +1592,7 @@
       </p:grpSpPr>
       <p:sp>
         <p:nvSpPr>
-          <p:cNvPr id="228" name="Google Shape;228;g3634dc31f1c_0_0:notes"/>
+          <p:cNvPr id="229" name="Google Shape;229;g3634dc31f1c_0_0:notes"/>
           <p:cNvSpPr>
             <a:spLocks noGrp="1" noRot="1" noChangeAspect="1"/>
           </p:cNvSpPr>
@@ -1643,7 +1643,7 @@
       </p:sp>
       <p:sp>
         <p:nvSpPr>
-          <p:cNvPr id="229" name="Google Shape;229;g3634dc31f1c_0_0:notes"/>
+          <p:cNvPr id="230" name="Google Shape;230;g3634dc31f1c_0_0:notes"/>
           <p:cNvSpPr txBox="1">
             <a:spLocks noGrp="1"/>
           </p:cNvSpPr>
@@ -1700,7 +1700,7 @@
   <p:cSld>
     <p:spTree>
       <p:nvGrpSpPr>
-        <p:cNvPr id="1" name="Shape 233"/>
+        <p:cNvPr id="1" name="Shape 234"/>
         <p:cNvGrpSpPr/>
         <p:nvPr/>
       </p:nvGrpSpPr>
@@ -1714,7 +1714,7 @@
       </p:grpSpPr>
       <p:sp>
         <p:nvSpPr>
-          <p:cNvPr id="234" name="Google Shape;234;g37114baf48b_0_0:notes"/>
+          <p:cNvPr id="235" name="Google Shape;235;g37114baf48b_0_0:notes"/>
           <p:cNvSpPr>
             <a:spLocks noGrp="1" noRot="1" noChangeAspect="1"/>
           </p:cNvSpPr>
@@ -1765,7 +1765,7 @@
       </p:sp>
       <p:sp>
         <p:nvSpPr>
-          <p:cNvPr id="235" name="Google Shape;235;g37114baf48b_0_0:notes"/>
+          <p:cNvPr id="236" name="Google Shape;236;g37114baf48b_0_0:notes"/>
           <p:cNvSpPr txBox="1">
             <a:spLocks noGrp="1"/>
           </p:cNvSpPr>
@@ -1822,7 +1822,7 @@
   <p:cSld>
     <p:spTree>
       <p:nvGrpSpPr>
-        <p:cNvPr id="1" name="Shape 239"/>
+        <p:cNvPr id="1" name="Shape 240"/>
         <p:cNvGrpSpPr/>
         <p:nvPr/>
       </p:nvGrpSpPr>
@@ -1836,7 +1836,7 @@
       </p:grpSpPr>
       <p:sp>
         <p:nvSpPr>
-          <p:cNvPr id="240" name="Google Shape;240;p23:notes"/>
+          <p:cNvPr id="241" name="Google Shape;241;p23:notes"/>
           <p:cNvSpPr>
             <a:spLocks noGrp="1" noRot="1" noChangeAspect="1"/>
           </p:cNvSpPr>
@@ -1887,7 +1887,7 @@
       </p:sp>
       <p:sp>
         <p:nvSpPr>
-          <p:cNvPr id="241" name="Google Shape;241;p23:notes"/>
+          <p:cNvPr id="242" name="Google Shape;242;p23:notes"/>
           <p:cNvSpPr txBox="1">
             <a:spLocks noGrp="1"/>
           </p:cNvSpPr>
@@ -1944,7 +1944,7 @@
   <p:cSld>
     <p:spTree>
       <p:nvGrpSpPr>
-        <p:cNvPr id="1" name="Shape 249"/>
+        <p:cNvPr id="1" name="Shape 250"/>
         <p:cNvGrpSpPr/>
         <p:nvPr/>
       </p:nvGrpSpPr>
@@ -1958,7 +1958,7 @@
       </p:grpSpPr>
       <p:sp>
         <p:nvSpPr>
-          <p:cNvPr id="250" name="Google Shape;250;p24:notes"/>
+          <p:cNvPr id="251" name="Google Shape;251;p24:notes"/>
           <p:cNvSpPr>
             <a:spLocks noGrp="1" noRot="1" noChangeAspect="1"/>
           </p:cNvSpPr>
@@ -2009,7 +2009,7 @@
       </p:sp>
       <p:sp>
         <p:nvSpPr>
-          <p:cNvPr id="251" name="Google Shape;251;p24:notes"/>
+          <p:cNvPr id="252" name="Google Shape;252;p24:notes"/>
           <p:cNvSpPr txBox="1">
             <a:spLocks noGrp="1"/>
           </p:cNvSpPr>
@@ -2066,7 +2066,7 @@
   <p:cSld>
     <p:spTree>
       <p:nvGrpSpPr>
-        <p:cNvPr id="1" name="Shape 259"/>
+        <p:cNvPr id="1" name="Shape 260"/>
         <p:cNvGrpSpPr/>
         <p:nvPr/>
       </p:nvGrpSpPr>
@@ -2080,7 +2080,7 @@
       </p:grpSpPr>
       <p:sp>
         <p:nvSpPr>
-          <p:cNvPr id="260" name="Google Shape;260;p25:notes"/>
+          <p:cNvPr id="261" name="Google Shape;261;p25:notes"/>
           <p:cNvSpPr>
             <a:spLocks noGrp="1" noRot="1" noChangeAspect="1"/>
           </p:cNvSpPr>
@@ -2131,7 +2131,7 @@
       </p:sp>
       <p:sp>
         <p:nvSpPr>
-          <p:cNvPr id="261" name="Google Shape;261;p25:notes"/>
+          <p:cNvPr id="262" name="Google Shape;262;p25:notes"/>
           <p:cNvSpPr txBox="1">
             <a:spLocks noGrp="1"/>
           </p:cNvSpPr>
@@ -2310,7 +2310,7 @@
   <p:cSld>
     <p:spTree>
       <p:nvGrpSpPr>
-        <p:cNvPr id="1" name="Shape 80"/>
+        <p:cNvPr id="1" name="Shape 81"/>
         <p:cNvGrpSpPr/>
         <p:nvPr/>
       </p:nvGrpSpPr>
@@ -2324,7 +2324,7 @@
       </p:grpSpPr>
       <p:sp>
         <p:nvSpPr>
-          <p:cNvPr id="81" name="Google Shape;81;g3711579303b_1_0:notes"/>
+          <p:cNvPr id="82" name="Google Shape;82;g3711579303b_1_0:notes"/>
           <p:cNvSpPr>
             <a:spLocks noGrp="1" noRot="1" noChangeAspect="1"/>
           </p:cNvSpPr>
@@ -2375,7 +2375,7 @@
       </p:sp>
       <p:sp>
         <p:nvSpPr>
-          <p:cNvPr id="82" name="Google Shape;82;g3711579303b_1_0:notes"/>
+          <p:cNvPr id="83" name="Google Shape;83;g3711579303b_1_0:notes"/>
           <p:cNvSpPr txBox="1">
             <a:spLocks noGrp="1"/>
           </p:cNvSpPr>
@@ -2432,7 +2432,7 @@
   <p:cSld>
     <p:spTree>
       <p:nvGrpSpPr>
-        <p:cNvPr id="1" name="Shape 86"/>
+        <p:cNvPr id="1" name="Shape 87"/>
         <p:cNvGrpSpPr/>
         <p:nvPr/>
       </p:nvGrpSpPr>
@@ -2446,7 +2446,7 @@
       </p:grpSpPr>
       <p:sp>
         <p:nvSpPr>
-          <p:cNvPr id="87" name="Google Shape;87;p22:notes"/>
+          <p:cNvPr id="88" name="Google Shape;88;p22:notes"/>
           <p:cNvSpPr>
             <a:spLocks noGrp="1" noRot="1" noChangeAspect="1"/>
           </p:cNvSpPr>
@@ -2497,7 +2497,7 @@
       </p:sp>
       <p:sp>
         <p:nvSpPr>
-          <p:cNvPr id="88" name="Google Shape;88;p22:notes"/>
+          <p:cNvPr id="89" name="Google Shape;89;p22:notes"/>
           <p:cNvSpPr txBox="1">
             <a:spLocks noGrp="1"/>
           </p:cNvSpPr>
@@ -2554,7 +2554,7 @@
   <p:cSld>
     <p:spTree>
       <p:nvGrpSpPr>
-        <p:cNvPr id="1" name="Shape 150"/>
+        <p:cNvPr id="1" name="Shape 151"/>
         <p:cNvGrpSpPr/>
         <p:nvPr/>
       </p:nvGrpSpPr>
@@ -2568,7 +2568,7 @@
       </p:grpSpPr>
       <p:sp>
         <p:nvSpPr>
-          <p:cNvPr id="151" name="Google Shape;151;g344e87b260e_1_0:notes"/>
+          <p:cNvPr id="152" name="Google Shape;152;g344e87b260e_1_0:notes"/>
           <p:cNvSpPr>
             <a:spLocks noGrp="1" noRot="1" noChangeAspect="1"/>
           </p:cNvSpPr>
@@ -2619,7 +2619,7 @@
       </p:sp>
       <p:sp>
         <p:nvSpPr>
-          <p:cNvPr id="152" name="Google Shape;152;g344e87b260e_1_0:notes"/>
+          <p:cNvPr id="153" name="Google Shape;153;g344e87b260e_1_0:notes"/>
           <p:cNvSpPr txBox="1">
             <a:spLocks noGrp="1"/>
           </p:cNvSpPr>
@@ -2676,7 +2676,7 @@
   <p:cSld>
     <p:spTree>
       <p:nvGrpSpPr>
-        <p:cNvPr id="1" name="Shape 159"/>
+        <p:cNvPr id="1" name="Shape 160"/>
         <p:cNvGrpSpPr/>
         <p:nvPr/>
       </p:nvGrpSpPr>
@@ -2690,7 +2690,7 @@
       </p:grpSpPr>
       <p:sp>
         <p:nvSpPr>
-          <p:cNvPr id="160" name="Google Shape;160;g35f406ef591_0_5:notes"/>
+          <p:cNvPr id="161" name="Google Shape;161;g35f406ef591_0_5:notes"/>
           <p:cNvSpPr>
             <a:spLocks noGrp="1" noRot="1" noChangeAspect="1"/>
           </p:cNvSpPr>
@@ -2741,7 +2741,7 @@
       </p:sp>
       <p:sp>
         <p:nvSpPr>
-          <p:cNvPr id="161" name="Google Shape;161;g35f406ef591_0_5:notes"/>
+          <p:cNvPr id="162" name="Google Shape;162;g35f406ef591_0_5:notes"/>
           <p:cNvSpPr txBox="1">
             <a:spLocks noGrp="1"/>
           </p:cNvSpPr>
@@ -2798,7 +2798,7 @@
   <p:cSld>
     <p:spTree>
       <p:nvGrpSpPr>
-        <p:cNvPr id="1" name="Shape 165"/>
+        <p:cNvPr id="1" name="Shape 166"/>
         <p:cNvGrpSpPr/>
         <p:nvPr/>
       </p:nvGrpSpPr>
@@ -2812,7 +2812,7 @@
       </p:grpSpPr>
       <p:sp>
         <p:nvSpPr>
-          <p:cNvPr id="166" name="Google Shape;166;g370a525cc86_1_0:notes"/>
+          <p:cNvPr id="167" name="Google Shape;167;g370a525cc86_1_0:notes"/>
           <p:cNvSpPr>
             <a:spLocks noGrp="1" noRot="1" noChangeAspect="1"/>
           </p:cNvSpPr>
@@ -2863,7 +2863,7 @@
       </p:sp>
       <p:sp>
         <p:nvSpPr>
-          <p:cNvPr id="167" name="Google Shape;167;g370a525cc86_1_0:notes"/>
+          <p:cNvPr id="168" name="Google Shape;168;g370a525cc86_1_0:notes"/>
           <p:cNvSpPr txBox="1">
             <a:spLocks noGrp="1"/>
           </p:cNvSpPr>
@@ -2920,7 +2920,7 @@
   <p:cSld>
     <p:spTree>
       <p:nvGrpSpPr>
-        <p:cNvPr id="1" name="Shape 173"/>
+        <p:cNvPr id="1" name="Shape 174"/>
         <p:cNvGrpSpPr/>
         <p:nvPr/>
       </p:nvGrpSpPr>
@@ -2934,7 +2934,7 @@
       </p:grpSpPr>
       <p:sp>
         <p:nvSpPr>
-          <p:cNvPr id="174" name="Google Shape;174;g370ec2e605c_1_2:notes"/>
+          <p:cNvPr id="175" name="Google Shape;175;g370ec2e605c_1_2:notes"/>
           <p:cNvSpPr>
             <a:spLocks noGrp="1" noRot="1" noChangeAspect="1"/>
           </p:cNvSpPr>
@@ -2985,7 +2985,7 @@
       </p:sp>
       <p:sp>
         <p:nvSpPr>
-          <p:cNvPr id="175" name="Google Shape;175;g370ec2e605c_1_2:notes"/>
+          <p:cNvPr id="176" name="Google Shape;176;g370ec2e605c_1_2:notes"/>
           <p:cNvSpPr txBox="1">
             <a:spLocks noGrp="1"/>
           </p:cNvSpPr>
@@ -3042,7 +3042,7 @@
   <p:cSld>
     <p:spTree>
       <p:nvGrpSpPr>
-        <p:cNvPr id="1" name="Shape 178"/>
+        <p:cNvPr id="1" name="Shape 179"/>
         <p:cNvGrpSpPr/>
         <p:nvPr/>
       </p:nvGrpSpPr>
@@ -3056,7 +3056,7 @@
       </p:grpSpPr>
       <p:sp>
         <p:nvSpPr>
-          <p:cNvPr id="179" name="Google Shape;179;g370ad654312_0_0:notes"/>
+          <p:cNvPr id="180" name="Google Shape;180;g370ad654312_0_0:notes"/>
           <p:cNvSpPr>
             <a:spLocks noGrp="1" noRot="1" noChangeAspect="1"/>
           </p:cNvSpPr>
@@ -3107,7 +3107,7 @@
       </p:sp>
       <p:sp>
         <p:nvSpPr>
-          <p:cNvPr id="180" name="Google Shape;180;g370ad654312_0_0:notes"/>
+          <p:cNvPr id="181" name="Google Shape;181;g370ad654312_0_0:notes"/>
           <p:cNvSpPr txBox="1">
             <a:spLocks noGrp="1"/>
           </p:cNvSpPr>
@@ -13796,7 +13796,7 @@
   <p:cSld>
     <p:spTree>
       <p:nvGrpSpPr>
-        <p:cNvPr id="1" name="Shape 188"/>
+        <p:cNvPr id="1" name="Shape 189"/>
         <p:cNvGrpSpPr/>
         <p:nvPr/>
       </p:nvGrpSpPr>
@@ -13810,7 +13810,7 @@
       </p:grpSpPr>
       <p:sp>
         <p:nvSpPr>
-          <p:cNvPr id="189" name="Google Shape;189;p24"/>
+          <p:cNvPr id="190" name="Google Shape;190;p24"/>
           <p:cNvSpPr txBox="1"/>
           <p:nvPr/>
         </p:nvSpPr>
@@ -13876,7 +13876,7 @@
       </p:sp>
       <p:sp>
         <p:nvSpPr>
-          <p:cNvPr id="190" name="Google Shape;190;p24"/>
+          <p:cNvPr id="191" name="Google Shape;191;p24"/>
           <p:cNvSpPr txBox="1"/>
           <p:nvPr/>
         </p:nvSpPr>
@@ -14071,7 +14071,7 @@
       </p:sp>
       <p:sp>
         <p:nvSpPr>
-          <p:cNvPr id="191" name="Google Shape;191;p24"/>
+          <p:cNvPr id="192" name="Google Shape;192;p24"/>
           <p:cNvSpPr txBox="1"/>
           <p:nvPr/>
         </p:nvSpPr>
@@ -14893,7 +14893,7 @@
       </p:sp>
       <p:pic>
         <p:nvPicPr>
-          <p:cNvPr id="192" name="Google Shape;192;p24"/>
+          <p:cNvPr id="193" name="Google Shape;193;p24"/>
           <p:cNvPicPr preferRelativeResize="0"/>
           <p:nvPr/>
         </p:nvPicPr>
@@ -14937,7 +14937,7 @@
   <p:cSld>
     <p:spTree>
       <p:nvGrpSpPr>
-        <p:cNvPr id="1" name="Shape 196"/>
+        <p:cNvPr id="1" name="Shape 197"/>
         <p:cNvGrpSpPr/>
         <p:nvPr/>
       </p:nvGrpSpPr>
@@ -14951,7 +14951,7 @@
       </p:grpSpPr>
       <p:sp>
         <p:nvSpPr>
-          <p:cNvPr id="197" name="Google Shape;197;p25"/>
+          <p:cNvPr id="198" name="Google Shape;198;p25"/>
           <p:cNvSpPr txBox="1"/>
           <p:nvPr/>
         </p:nvSpPr>
@@ -15017,7 +15017,7 @@
       </p:sp>
       <p:sp>
         <p:nvSpPr>
-          <p:cNvPr id="198" name="Google Shape;198;p25"/>
+          <p:cNvPr id="199" name="Google Shape;199;p25"/>
           <p:cNvSpPr txBox="1"/>
           <p:nvPr/>
         </p:nvSpPr>
@@ -15642,7 +15642,7 @@
       </p:sp>
       <p:sp>
         <p:nvSpPr>
-          <p:cNvPr id="199" name="Google Shape;199;p25"/>
+          <p:cNvPr id="200" name="Google Shape;200;p25"/>
           <p:cNvSpPr txBox="1"/>
           <p:nvPr/>
         </p:nvSpPr>
@@ -15935,7 +15935,7 @@
   <p:cSld>
     <p:spTree>
       <p:nvGrpSpPr>
-        <p:cNvPr id="1" name="Shape 203"/>
+        <p:cNvPr id="1" name="Shape 204"/>
         <p:cNvGrpSpPr/>
         <p:nvPr/>
       </p:nvGrpSpPr>
@@ -15949,7 +15949,7 @@
       </p:grpSpPr>
       <p:sp>
         <p:nvSpPr>
-          <p:cNvPr id="204" name="Google Shape;204;p26"/>
+          <p:cNvPr id="205" name="Google Shape;205;p26"/>
           <p:cNvSpPr txBox="1"/>
           <p:nvPr/>
         </p:nvSpPr>
@@ -16015,7 +16015,7 @@
       </p:sp>
       <p:sp>
         <p:nvSpPr>
-          <p:cNvPr id="205" name="Google Shape;205;p26"/>
+          <p:cNvPr id="206" name="Google Shape;206;p26"/>
           <p:cNvSpPr txBox="1"/>
           <p:nvPr/>
         </p:nvSpPr>
@@ -16394,7 +16394,7 @@
       </p:sp>
       <p:pic>
         <p:nvPicPr>
-          <p:cNvPr id="206" name="Google Shape;206;p26"/>
+          <p:cNvPr id="207" name="Google Shape;207;p26"/>
           <p:cNvPicPr preferRelativeResize="0"/>
           <p:nvPr/>
         </p:nvPicPr>
@@ -16427,7 +16427,7 @@
       </p:pic>
       <p:sp>
         <p:nvSpPr>
-          <p:cNvPr id="207" name="Google Shape;207;p26"/>
+          <p:cNvPr id="208" name="Google Shape;208;p26"/>
           <p:cNvSpPr txBox="1"/>
           <p:nvPr/>
         </p:nvSpPr>
@@ -16607,7 +16607,7 @@
       </p:sp>
       <p:sp>
         <p:nvSpPr>
-          <p:cNvPr id="208" name="Google Shape;208;p26"/>
+          <p:cNvPr id="209" name="Google Shape;209;p26"/>
           <p:cNvSpPr txBox="1"/>
           <p:nvPr/>
         </p:nvSpPr>
@@ -16810,7 +16810,7 @@
   <p:cSld>
     <p:spTree>
       <p:nvGrpSpPr>
-        <p:cNvPr id="1" name="Shape 212"/>
+        <p:cNvPr id="1" name="Shape 213"/>
         <p:cNvGrpSpPr/>
         <p:nvPr/>
       </p:nvGrpSpPr>
@@ -16824,7 +16824,7 @@
       </p:grpSpPr>
       <p:sp>
         <p:nvSpPr>
-          <p:cNvPr id="213" name="Google Shape;213;p27"/>
+          <p:cNvPr id="214" name="Google Shape;214;p27"/>
           <p:cNvSpPr txBox="1"/>
           <p:nvPr/>
         </p:nvSpPr>
@@ -16890,7 +16890,7 @@
       </p:sp>
       <p:sp>
         <p:nvSpPr>
-          <p:cNvPr id="214" name="Google Shape;214;p27"/>
+          <p:cNvPr id="215" name="Google Shape;215;p27"/>
           <p:cNvSpPr txBox="1"/>
           <p:nvPr/>
         </p:nvSpPr>
@@ -17057,7 +17057,7 @@
       </p:sp>
       <p:sp>
         <p:nvSpPr>
-          <p:cNvPr id="215" name="Google Shape;215;p27"/>
+          <p:cNvPr id="216" name="Google Shape;216;p27"/>
           <p:cNvSpPr txBox="1"/>
           <p:nvPr/>
         </p:nvSpPr>
@@ -17194,7 +17194,7 @@
       </p:sp>
       <p:sp>
         <p:nvSpPr>
-          <p:cNvPr id="216" name="Google Shape;216;p27"/>
+          <p:cNvPr id="217" name="Google Shape;217;p27"/>
           <p:cNvSpPr txBox="1"/>
           <p:nvPr/>
         </p:nvSpPr>
@@ -17399,7 +17399,7 @@
   <p:cSld>
     <p:spTree>
       <p:nvGrpSpPr>
-        <p:cNvPr id="1" name="Shape 220"/>
+        <p:cNvPr id="1" name="Shape 221"/>
         <p:cNvGrpSpPr/>
         <p:nvPr/>
       </p:nvGrpSpPr>
@@ -17413,7 +17413,7 @@
       </p:grpSpPr>
       <p:sp>
         <p:nvSpPr>
-          <p:cNvPr id="221" name="Google Shape;221;p28"/>
+          <p:cNvPr id="222" name="Google Shape;222;p28"/>
           <p:cNvSpPr txBox="1"/>
           <p:nvPr/>
         </p:nvSpPr>
@@ -17479,7 +17479,7 @@
       </p:sp>
       <p:sp>
         <p:nvSpPr>
-          <p:cNvPr id="222" name="Google Shape;222;p28"/>
+          <p:cNvPr id="223" name="Google Shape;223;p28"/>
           <p:cNvSpPr txBox="1"/>
           <p:nvPr/>
         </p:nvSpPr>
@@ -17722,7 +17722,7 @@
       </p:sp>
       <p:graphicFrame>
         <p:nvGraphicFramePr>
-          <p:cNvPr id="223" name="Google Shape;223;p28"/>
+          <p:cNvPr id="224" name="Google Shape;224;p28"/>
           <p:cNvGraphicFramePr/>
           <p:nvPr/>
         </p:nvGraphicFramePr>
@@ -17735,7 +17735,7 @@
             <a:tbl>
               <a:tblPr>
                 <a:noFill/>
-                <a:tableStyleId>{0DCF4945-E6BA-4670-A24E-0A6C5D8518E8}</a:tableStyleId>
+                <a:tableStyleId>{89F6DF50-41A2-4E5E-B0EF-A77B621CC6F2}</a:tableStyleId>
               </a:tblPr>
               <a:tblGrid>
                 <a:gridCol w="1325850">
@@ -19936,7 +19936,7 @@
       </p:graphicFrame>
       <p:pic>
         <p:nvPicPr>
-          <p:cNvPr id="224" name="Google Shape;224;p28"/>
+          <p:cNvPr id="225" name="Google Shape;225;p28"/>
           <p:cNvPicPr preferRelativeResize="0"/>
           <p:nvPr/>
         </p:nvPicPr>
@@ -19969,7 +19969,7 @@
       </p:pic>
       <p:pic>
         <p:nvPicPr>
-          <p:cNvPr id="225" name="Google Shape;225;p28"/>
+          <p:cNvPr id="226" name="Google Shape;226;p28"/>
           <p:cNvPicPr preferRelativeResize="0"/>
           <p:nvPr/>
         </p:nvPicPr>
@@ -20002,7 +20002,7 @@
       </p:pic>
       <p:pic>
         <p:nvPicPr>
-          <p:cNvPr id="226" name="Google Shape;226;p28"/>
+          <p:cNvPr id="227" name="Google Shape;227;p28"/>
           <p:cNvPicPr preferRelativeResize="0"/>
           <p:nvPr/>
         </p:nvPicPr>
@@ -20045,7 +20045,7 @@
   <p:cSld>
     <p:spTree>
       <p:nvGrpSpPr>
-        <p:cNvPr id="1" name="Shape 230"/>
+        <p:cNvPr id="1" name="Shape 231"/>
         <p:cNvGrpSpPr/>
         <p:nvPr/>
       </p:nvGrpSpPr>
@@ -20059,7 +20059,7 @@
       </p:grpSpPr>
       <p:sp>
         <p:nvSpPr>
-          <p:cNvPr id="231" name="Google Shape;231;p29"/>
+          <p:cNvPr id="232" name="Google Shape;232;p29"/>
           <p:cNvSpPr txBox="1"/>
           <p:nvPr/>
         </p:nvSpPr>
@@ -20125,7 +20125,7 @@
       </p:sp>
       <p:sp>
         <p:nvSpPr>
-          <p:cNvPr id="232" name="Google Shape;232;p29"/>
+          <p:cNvPr id="233" name="Google Shape;233;p29"/>
           <p:cNvSpPr txBox="1"/>
           <p:nvPr/>
         </p:nvSpPr>
@@ -20692,7 +20692,7 @@
   <p:cSld>
     <p:spTree>
       <p:nvGrpSpPr>
-        <p:cNvPr id="1" name="Shape 236"/>
+        <p:cNvPr id="1" name="Shape 237"/>
         <p:cNvGrpSpPr/>
         <p:nvPr/>
       </p:nvGrpSpPr>
@@ -20706,7 +20706,7 @@
       </p:grpSpPr>
       <p:sp>
         <p:nvSpPr>
-          <p:cNvPr id="237" name="Google Shape;237;p30"/>
+          <p:cNvPr id="238" name="Google Shape;238;p30"/>
           <p:cNvSpPr txBox="1"/>
           <p:nvPr/>
         </p:nvSpPr>
@@ -20772,7 +20772,7 @@
       </p:sp>
       <p:sp>
         <p:nvSpPr>
-          <p:cNvPr id="238" name="Google Shape;238;p30"/>
+          <p:cNvPr id="239" name="Google Shape;239;p30"/>
           <p:cNvSpPr txBox="1"/>
           <p:nvPr/>
         </p:nvSpPr>
@@ -21343,7 +21343,7 @@
   <p:cSld>
     <p:spTree>
       <p:nvGrpSpPr>
-        <p:cNvPr id="1" name="Shape 242"/>
+        <p:cNvPr id="1" name="Shape 243"/>
         <p:cNvGrpSpPr/>
         <p:nvPr/>
       </p:nvGrpSpPr>
@@ -21357,7 +21357,7 @@
       </p:grpSpPr>
       <p:sp>
         <p:nvSpPr>
-          <p:cNvPr id="243" name="Google Shape;243;p31"/>
+          <p:cNvPr id="244" name="Google Shape;244;p31"/>
           <p:cNvSpPr txBox="1"/>
           <p:nvPr/>
         </p:nvSpPr>
@@ -21423,7 +21423,7 @@
       </p:sp>
       <p:sp>
         <p:nvSpPr>
-          <p:cNvPr id="244" name="Google Shape;244;p31"/>
+          <p:cNvPr id="245" name="Google Shape;245;p31"/>
           <p:cNvSpPr txBox="1"/>
           <p:nvPr/>
         </p:nvSpPr>
@@ -21551,7 +21551,7 @@
       </p:sp>
       <p:sp>
         <p:nvSpPr>
-          <p:cNvPr id="245" name="Google Shape;245;p31"/>
+          <p:cNvPr id="246" name="Google Shape;246;p31"/>
           <p:cNvSpPr txBox="1"/>
           <p:nvPr/>
         </p:nvSpPr>
@@ -21714,7 +21714,7 @@
       </p:sp>
       <p:pic>
         <p:nvPicPr>
-          <p:cNvPr id="246" name="Google Shape;246;p31"/>
+          <p:cNvPr id="247" name="Google Shape;247;p31"/>
           <p:cNvPicPr preferRelativeResize="0"/>
           <p:nvPr/>
         </p:nvPicPr>
@@ -21753,7 +21753,7 @@
       </p:pic>
       <p:pic>
         <p:nvPicPr>
-          <p:cNvPr id="247" name="Google Shape;247;p31"/>
+          <p:cNvPr id="248" name="Google Shape;248;p31"/>
           <p:cNvPicPr preferRelativeResize="0"/>
           <p:nvPr/>
         </p:nvPicPr>
@@ -21792,7 +21792,7 @@
       </p:pic>
       <p:sp>
         <p:nvSpPr>
-          <p:cNvPr id="248" name="Google Shape;248;p31"/>
+          <p:cNvPr id="249" name="Google Shape;249;p31"/>
           <p:cNvSpPr txBox="1"/>
           <p:nvPr/>
         </p:nvSpPr>
@@ -22143,7 +22143,7 @@
   <p:cSld>
     <p:spTree>
       <p:nvGrpSpPr>
-        <p:cNvPr id="1" name="Shape 252"/>
+        <p:cNvPr id="1" name="Shape 253"/>
         <p:cNvGrpSpPr/>
         <p:nvPr/>
       </p:nvGrpSpPr>
@@ -22157,7 +22157,7 @@
       </p:grpSpPr>
       <p:pic>
         <p:nvPicPr>
-          <p:cNvPr id="253" name="Google Shape;253;p32"/>
+          <p:cNvPr id="254" name="Google Shape;254;p32"/>
           <p:cNvPicPr preferRelativeResize="0"/>
           <p:nvPr/>
         </p:nvPicPr>
@@ -22189,7 +22189,7 @@
       </p:pic>
       <p:sp>
         <p:nvSpPr>
-          <p:cNvPr id="254" name="Google Shape;254;p32"/>
+          <p:cNvPr id="255" name="Google Shape;255;p32"/>
           <p:cNvSpPr txBox="1"/>
           <p:nvPr/>
         </p:nvSpPr>
@@ -22255,7 +22255,7 @@
       </p:sp>
       <p:sp>
         <p:nvSpPr>
-          <p:cNvPr id="255" name="Google Shape;255;p32"/>
+          <p:cNvPr id="256" name="Google Shape;256;p32"/>
           <p:cNvSpPr txBox="1"/>
           <p:nvPr/>
         </p:nvSpPr>
@@ -22685,7 +22685,7 @@
       </p:sp>
       <p:pic>
         <p:nvPicPr>
-          <p:cNvPr id="256" name="Google Shape;256;p32"/>
+          <p:cNvPr id="257" name="Google Shape;257;p32"/>
           <p:cNvPicPr preferRelativeResize="0"/>
           <p:nvPr/>
         </p:nvPicPr>
@@ -22717,7 +22717,7 @@
       </p:pic>
       <p:sp>
         <p:nvSpPr>
-          <p:cNvPr id="257" name="Google Shape;257;p32"/>
+          <p:cNvPr id="258" name="Google Shape;258;p32"/>
           <p:cNvSpPr txBox="1"/>
           <p:nvPr/>
         </p:nvSpPr>
@@ -22796,7 +22796,7 @@
       </p:sp>
       <p:sp>
         <p:nvSpPr>
-          <p:cNvPr id="258" name="Google Shape;258;p32"/>
+          <p:cNvPr id="259" name="Google Shape;259;p32"/>
           <p:cNvSpPr txBox="1"/>
           <p:nvPr/>
         </p:nvSpPr>
@@ -22873,7 +22873,7 @@
   <p:cSld>
     <p:spTree>
       <p:nvGrpSpPr>
-        <p:cNvPr id="1" name="Shape 262"/>
+        <p:cNvPr id="1" name="Shape 263"/>
         <p:cNvGrpSpPr/>
         <p:nvPr/>
       </p:nvGrpSpPr>
@@ -22887,7 +22887,7 @@
       </p:grpSpPr>
       <p:sp>
         <p:nvSpPr>
-          <p:cNvPr id="263" name="Google Shape;263;p33"/>
+          <p:cNvPr id="264" name="Google Shape;264;p33"/>
           <p:cNvSpPr txBox="1"/>
           <p:nvPr/>
         </p:nvSpPr>
@@ -23051,7 +23051,7 @@
         <p:spPr>
           <a:xfrm>
             <a:off x="55075" y="395850"/>
-            <a:ext cx="4451400" cy="1218900"/>
+            <a:ext cx="3725100" cy="1218900"/>
           </a:xfrm>
           <a:prstGeom prst="rect">
             <a:avLst/>
@@ -23442,7 +23442,7 @@
         </p:blipFill>
         <p:spPr>
           <a:xfrm>
-            <a:off x="609150" y="3527625"/>
+            <a:off x="55075" y="3601326"/>
             <a:ext cx="2716824" cy="1467075"/>
           </a:xfrm>
           <a:prstGeom prst="rect">
@@ -23468,8 +23468,8 @@
         </p:nvSpPr>
         <p:spPr>
           <a:xfrm>
-            <a:off x="4645925" y="395850"/>
-            <a:ext cx="4451400" cy="1634700"/>
+            <a:off x="4645925" y="349126"/>
+            <a:ext cx="4451400" cy="1773300"/>
           </a:xfrm>
           <a:prstGeom prst="rect">
             <a:avLst/>
@@ -23735,7 +23735,60 @@
               </a:rPr>
               <a:t> </a:t>
             </a:r>
-            <a:endParaRPr sz="600">
+            <a:endParaRPr sz="900">
+              <a:solidFill>
+                <a:schemeClr val="dk1"/>
+              </a:solidFill>
+              <a:latin typeface="Calibri"/>
+              <a:ea typeface="Calibri"/>
+              <a:cs typeface="Calibri"/>
+              <a:sym typeface="Calibri"/>
+            </a:endParaRPr>
+          </a:p>
+          <a:p>
+            <a:pPr marL="171450" marR="0" lvl="0" indent="-114300" algn="l" rtl="0">
+              <a:lnSpc>
+                <a:spcPct val="100000"/>
+              </a:lnSpc>
+              <a:spcBef>
+                <a:spcPts val="0"/>
+              </a:spcBef>
+              <a:spcAft>
+                <a:spcPts val="0"/>
+              </a:spcAft>
+              <a:buClr>
+                <a:schemeClr val="dk1"/>
+              </a:buClr>
+              <a:buSzPts val="900"/>
+              <a:buFont typeface="Calibri"/>
+              <a:buChar char="●"/>
+            </a:pPr>
+            <a:r>
+              <a:rPr lang="en" sz="900" u="sng">
+                <a:solidFill>
+                  <a:schemeClr val="hlink"/>
+                </a:solidFill>
+                <a:latin typeface="Calibri"/>
+                <a:ea typeface="Calibri"/>
+                <a:cs typeface="Calibri"/>
+                <a:sym typeface="Calibri"/>
+                <a:hlinkClick r:id="rId9"/>
+              </a:rPr>
+              <a:t>https://www.youtube.com/watch?v=feAc83Qlx4Q</a:t>
+            </a:r>
+            <a:r>
+              <a:rPr lang="en" sz="900">
+                <a:solidFill>
+                  <a:schemeClr val="dk1"/>
+                </a:solidFill>
+                <a:latin typeface="Calibri"/>
+                <a:ea typeface="Calibri"/>
+                <a:cs typeface="Calibri"/>
+                <a:sym typeface="Calibri"/>
+              </a:rPr>
+              <a:t> </a:t>
+            </a:r>
+            <a:endParaRPr sz="900">
               <a:solidFill>
                 <a:schemeClr val="dk1"/>
               </a:solidFill>
@@ -23747,48 +23800,9 @@
           </a:p>
         </p:txBody>
       </p:sp>
-      <p:pic>
-        <p:nvPicPr>
-          <p:cNvPr id="78" name="Google Shape;78;p16"/>
-          <p:cNvPicPr preferRelativeResize="0"/>
-          <p:nvPr/>
-        </p:nvPicPr>
-        <p:blipFill>
-          <a:blip r:embed="rId9" cstate="email">
-            <a:alphaModFix/>
-            <a:extLst>
-              <a:ext uri="{28A0092B-C50C-407E-A947-70E740481C1C}">
-                <a14:useLocalDpi xmlns:a14="http://schemas.microsoft.com/office/drawing/2010/main"/>
-              </a:ext>
-            </a:extLst>
-          </a:blip>
-          <a:stretch>
-            <a:fillRect/>
-          </a:stretch>
-        </p:blipFill>
-        <p:spPr>
-          <a:xfrm>
-            <a:off x="4645925" y="2151475"/>
-            <a:ext cx="2929336" cy="1680649"/>
-          </a:xfrm>
-          <a:prstGeom prst="rect">
-            <a:avLst/>
-          </a:prstGeom>
-          <a:noFill/>
-          <a:ln w="9525" cap="flat" cmpd="sng">
-            <a:solidFill>
-              <a:srgbClr val="FF0000"/>
-            </a:solidFill>
-            <a:prstDash val="solid"/>
-            <a:round/>
-            <a:headEnd type="none" w="sm" len="sm"/>
-            <a:tailEnd type="none" w="sm" len="sm"/>
-          </a:ln>
-        </p:spPr>
-      </p:pic>
       <p:sp>
         <p:nvSpPr>
-          <p:cNvPr id="79" name="Google Shape;79;p16"/>
+          <p:cNvPr id="78" name="Google Shape;78;p16"/>
           <p:cNvSpPr txBox="1"/>
           <p:nvPr/>
         </p:nvSpPr>
@@ -23852,6 +23866,77 @@
           </a:p>
         </p:txBody>
       </p:sp>
+      <p:pic>
+        <p:nvPicPr>
+          <p:cNvPr id="79" name="Google Shape;79;p16"/>
+          <p:cNvPicPr preferRelativeResize="0"/>
+          <p:nvPr/>
+        </p:nvPicPr>
+        <p:blipFill>
+          <a:blip r:embed="rId10" cstate="email">
+            <a:alphaModFix/>
+            <a:extLst>
+              <a:ext uri="{28A0092B-C50C-407E-A947-70E740481C1C}">
+                <a14:useLocalDpi xmlns:a14="http://schemas.microsoft.com/office/drawing/2010/main"/>
+              </a:ext>
+            </a:extLst>
+          </a:blip>
+          <a:stretch>
+            <a:fillRect/>
+          </a:stretch>
+        </p:blipFill>
+        <p:spPr>
+          <a:xfrm>
+            <a:off x="3532827" y="2185423"/>
+            <a:ext cx="5564498" cy="2885475"/>
+          </a:xfrm>
+          <a:prstGeom prst="rect">
+            <a:avLst/>
+          </a:prstGeom>
+          <a:noFill/>
+          <a:ln w="9525" cap="flat" cmpd="sng">
+            <a:solidFill>
+              <a:srgbClr val="FF0000"/>
+            </a:solidFill>
+            <a:prstDash val="solid"/>
+            <a:round/>
+            <a:headEnd type="none" w="sm" len="sm"/>
+            <a:tailEnd type="none" w="sm" len="sm"/>
+          </a:ln>
+        </p:spPr>
+      </p:pic>
+      <p:pic>
+        <p:nvPicPr>
+          <p:cNvPr id="80" name="Google Shape;80;p16"/>
+          <p:cNvPicPr preferRelativeResize="0"/>
+          <p:nvPr/>
+        </p:nvPicPr>
+        <p:blipFill rotWithShape="1">
+          <a:blip r:embed="rId11" cstate="email">
+            <a:alphaModFix/>
+            <a:extLst>
+              <a:ext uri="{28A0092B-C50C-407E-A947-70E740481C1C}">
+                <a14:useLocalDpi xmlns:a14="http://schemas.microsoft.com/office/drawing/2010/main"/>
+              </a:ext>
+            </a:extLst>
+          </a:blip>
+          <a:srcRect/>
+          <a:stretch/>
+        </p:blipFill>
+        <p:spPr>
+          <a:xfrm>
+            <a:off x="3060446" y="1677375"/>
+            <a:ext cx="1407455" cy="445425"/>
+          </a:xfrm>
+          <a:prstGeom prst="rect">
+            <a:avLst/>
+          </a:prstGeom>
+          <a:noFill/>
+          <a:ln>
+            <a:noFill/>
+          </a:ln>
+        </p:spPr>
+      </p:pic>
     </p:spTree>
   </p:cSld>
   <p:clrMapOvr>
@@ -23865,7 +23950,7 @@
   <p:cSld>
     <p:spTree>
       <p:nvGrpSpPr>
-        <p:cNvPr id="1" name="Shape 83"/>
+        <p:cNvPr id="1" name="Shape 84"/>
         <p:cNvGrpSpPr/>
         <p:nvPr/>
       </p:nvGrpSpPr>
@@ -23879,7 +23964,7 @@
       </p:grpSpPr>
       <p:sp>
         <p:nvSpPr>
-          <p:cNvPr id="84" name="Google Shape;84;p17"/>
+          <p:cNvPr id="85" name="Google Shape;85;p17"/>
           <p:cNvSpPr txBox="1"/>
           <p:nvPr/>
         </p:nvSpPr>
@@ -23945,7 +24030,7 @@
       </p:sp>
       <p:sp>
         <p:nvSpPr>
-          <p:cNvPr id="85" name="Google Shape;85;p17"/>
+          <p:cNvPr id="86" name="Google Shape;86;p17"/>
           <p:cNvSpPr txBox="1"/>
           <p:nvPr/>
         </p:nvSpPr>
@@ -24030,7 +24115,7 @@
   <p:cSld>
     <p:spTree>
       <p:nvGrpSpPr>
-        <p:cNvPr id="1" name="Shape 89"/>
+        <p:cNvPr id="1" name="Shape 90"/>
         <p:cNvGrpSpPr/>
         <p:nvPr/>
       </p:nvGrpSpPr>
@@ -24044,7 +24129,7 @@
       </p:grpSpPr>
       <p:sp>
         <p:nvSpPr>
-          <p:cNvPr id="90" name="Google Shape;90;p18"/>
+          <p:cNvPr id="91" name="Google Shape;91;p18"/>
           <p:cNvSpPr txBox="1"/>
           <p:nvPr/>
         </p:nvSpPr>
@@ -24171,7 +24256,7 @@
       </p:sp>
       <p:sp>
         <p:nvSpPr>
-          <p:cNvPr id="91" name="Google Shape;91;p18"/>
+          <p:cNvPr id="92" name="Google Shape;92;p18"/>
           <p:cNvSpPr txBox="1"/>
           <p:nvPr/>
         </p:nvSpPr>
@@ -24237,7 +24322,7 @@
       </p:sp>
       <p:sp>
         <p:nvSpPr>
-          <p:cNvPr id="92" name="Google Shape;92;p18"/>
+          <p:cNvPr id="93" name="Google Shape;93;p18"/>
           <p:cNvSpPr txBox="1"/>
           <p:nvPr/>
         </p:nvSpPr>
@@ -24323,7 +24408,7 @@
       </p:sp>
       <p:sp>
         <p:nvSpPr>
-          <p:cNvPr id="93" name="Google Shape;93;p18"/>
+          <p:cNvPr id="94" name="Google Shape;94;p18"/>
           <p:cNvSpPr txBox="1"/>
           <p:nvPr/>
         </p:nvSpPr>
@@ -24450,7 +24535,7 @@
       </p:sp>
       <p:sp>
         <p:nvSpPr>
-          <p:cNvPr id="94" name="Google Shape;94;p18"/>
+          <p:cNvPr id="95" name="Google Shape;95;p18"/>
           <p:cNvSpPr txBox="1"/>
           <p:nvPr/>
         </p:nvSpPr>
@@ -24560,7 +24645,7 @@
       </p:sp>
       <p:sp>
         <p:nvSpPr>
-          <p:cNvPr id="95" name="Google Shape;95;p18"/>
+          <p:cNvPr id="96" name="Google Shape;96;p18"/>
           <p:cNvSpPr/>
           <p:nvPr/>
         </p:nvSpPr>
@@ -24622,7 +24707,7 @@
       </p:sp>
       <p:sp>
         <p:nvSpPr>
-          <p:cNvPr id="96" name="Google Shape;96;p18"/>
+          <p:cNvPr id="97" name="Google Shape;97;p18"/>
           <p:cNvSpPr txBox="1"/>
           <p:nvPr/>
         </p:nvSpPr>
@@ -24700,7 +24785,7 @@
       </p:sp>
       <p:sp>
         <p:nvSpPr>
-          <p:cNvPr id="97" name="Google Shape;97;p18"/>
+          <p:cNvPr id="98" name="Google Shape;98;p18"/>
           <p:cNvSpPr/>
           <p:nvPr/>
         </p:nvSpPr>
@@ -24762,7 +24847,7 @@
       </p:sp>
       <p:sp>
         <p:nvSpPr>
-          <p:cNvPr id="98" name="Google Shape;98;p18"/>
+          <p:cNvPr id="99" name="Google Shape;99;p18"/>
           <p:cNvSpPr/>
           <p:nvPr/>
         </p:nvSpPr>
@@ -24824,7 +24909,7 @@
       </p:sp>
       <p:sp>
         <p:nvSpPr>
-          <p:cNvPr id="99" name="Google Shape;99;p18"/>
+          <p:cNvPr id="100" name="Google Shape;100;p18"/>
           <p:cNvSpPr/>
           <p:nvPr/>
         </p:nvSpPr>
@@ -24886,7 +24971,7 @@
       </p:sp>
       <p:sp>
         <p:nvSpPr>
-          <p:cNvPr id="100" name="Google Shape;100;p18"/>
+          <p:cNvPr id="101" name="Google Shape;101;p18"/>
           <p:cNvSpPr/>
           <p:nvPr/>
         </p:nvSpPr>
@@ -24948,7 +25033,7 @@
       </p:sp>
       <p:sp>
         <p:nvSpPr>
-          <p:cNvPr id="101" name="Google Shape;101;p18"/>
+          <p:cNvPr id="102" name="Google Shape;102;p18"/>
           <p:cNvSpPr/>
           <p:nvPr/>
         </p:nvSpPr>
@@ -25010,7 +25095,7 @@
       </p:sp>
       <p:sp>
         <p:nvSpPr>
-          <p:cNvPr id="102" name="Google Shape;102;p18"/>
+          <p:cNvPr id="103" name="Google Shape;103;p18"/>
           <p:cNvSpPr/>
           <p:nvPr/>
         </p:nvSpPr>
@@ -25072,7 +25157,7 @@
       </p:sp>
       <p:sp>
         <p:nvSpPr>
-          <p:cNvPr id="103" name="Google Shape;103;p18"/>
+          <p:cNvPr id="104" name="Google Shape;104;p18"/>
           <p:cNvSpPr txBox="1"/>
           <p:nvPr/>
         </p:nvSpPr>
@@ -25886,7 +25971,7 @@
       </p:sp>
       <p:sp>
         <p:nvSpPr>
-          <p:cNvPr id="104" name="Google Shape;104;p18"/>
+          <p:cNvPr id="105" name="Google Shape;105;p18"/>
           <p:cNvSpPr txBox="1"/>
           <p:nvPr/>
         </p:nvSpPr>
@@ -25964,7 +26049,7 @@
       </p:sp>
       <p:sp>
         <p:nvSpPr>
-          <p:cNvPr id="105" name="Google Shape;105;p18"/>
+          <p:cNvPr id="106" name="Google Shape;106;p18"/>
           <p:cNvSpPr/>
           <p:nvPr/>
         </p:nvSpPr>
@@ -26026,7 +26111,7 @@
       </p:sp>
       <p:sp>
         <p:nvSpPr>
-          <p:cNvPr id="106" name="Google Shape;106;p18"/>
+          <p:cNvPr id="107" name="Google Shape;107;p18"/>
           <p:cNvSpPr/>
           <p:nvPr/>
         </p:nvSpPr>
@@ -26088,7 +26173,7 @@
       </p:sp>
       <p:sp>
         <p:nvSpPr>
-          <p:cNvPr id="107" name="Google Shape;107;p18"/>
+          <p:cNvPr id="108" name="Google Shape;108;p18"/>
           <p:cNvSpPr/>
           <p:nvPr/>
         </p:nvSpPr>
@@ -26150,7 +26235,7 @@
       </p:sp>
       <p:sp>
         <p:nvSpPr>
-          <p:cNvPr id="108" name="Google Shape;108;p18"/>
+          <p:cNvPr id="109" name="Google Shape;109;p18"/>
           <p:cNvSpPr txBox="1"/>
           <p:nvPr/>
         </p:nvSpPr>
@@ -26224,7 +26309,7 @@
       </p:sp>
       <p:sp>
         <p:nvSpPr>
-          <p:cNvPr id="109" name="Google Shape;109;p18"/>
+          <p:cNvPr id="110" name="Google Shape;110;p18"/>
           <p:cNvSpPr txBox="1"/>
           <p:nvPr/>
         </p:nvSpPr>
@@ -26293,7 +26378,7 @@
       </p:sp>
       <p:sp>
         <p:nvSpPr>
-          <p:cNvPr id="110" name="Google Shape;110;p18"/>
+          <p:cNvPr id="111" name="Google Shape;111;p18"/>
           <p:cNvSpPr/>
           <p:nvPr/>
         </p:nvSpPr>
@@ -26355,7 +26440,7 @@
       </p:sp>
       <p:sp>
         <p:nvSpPr>
-          <p:cNvPr id="111" name="Google Shape;111;p18"/>
+          <p:cNvPr id="112" name="Google Shape;112;p18"/>
           <p:cNvSpPr/>
           <p:nvPr/>
         </p:nvSpPr>
@@ -26417,7 +26502,7 @@
       </p:sp>
       <p:sp>
         <p:nvSpPr>
-          <p:cNvPr id="112" name="Google Shape;112;p18"/>
+          <p:cNvPr id="113" name="Google Shape;113;p18"/>
           <p:cNvSpPr/>
           <p:nvPr/>
         </p:nvSpPr>
@@ -26479,7 +26564,7 @@
       </p:sp>
       <p:sp>
         <p:nvSpPr>
-          <p:cNvPr id="113" name="Google Shape;113;p18"/>
+          <p:cNvPr id="114" name="Google Shape;114;p18"/>
           <p:cNvSpPr/>
           <p:nvPr/>
         </p:nvSpPr>
@@ -26541,7 +26626,7 @@
       </p:sp>
       <p:sp>
         <p:nvSpPr>
-          <p:cNvPr id="114" name="Google Shape;114;p18"/>
+          <p:cNvPr id="115" name="Google Shape;115;p18"/>
           <p:cNvSpPr txBox="1"/>
           <p:nvPr/>
         </p:nvSpPr>
@@ -26619,7 +26704,7 @@
       </p:sp>
       <p:sp>
         <p:nvSpPr>
-          <p:cNvPr id="115" name="Google Shape;115;p18"/>
+          <p:cNvPr id="116" name="Google Shape;116;p18"/>
           <p:cNvSpPr/>
           <p:nvPr/>
         </p:nvSpPr>
@@ -26681,7 +26766,7 @@
       </p:sp>
       <p:sp>
         <p:nvSpPr>
-          <p:cNvPr id="116" name="Google Shape;116;p18"/>
+          <p:cNvPr id="117" name="Google Shape;117;p18"/>
           <p:cNvSpPr txBox="1"/>
           <p:nvPr/>
         </p:nvSpPr>
@@ -26759,7 +26844,7 @@
       </p:sp>
       <p:sp>
         <p:nvSpPr>
-          <p:cNvPr id="117" name="Google Shape;117;p18"/>
+          <p:cNvPr id="118" name="Google Shape;118;p18"/>
           <p:cNvSpPr/>
           <p:nvPr/>
         </p:nvSpPr>
@@ -26821,7 +26906,7 @@
       </p:sp>
       <p:sp>
         <p:nvSpPr>
-          <p:cNvPr id="118" name="Google Shape;118;p18"/>
+          <p:cNvPr id="119" name="Google Shape;119;p18"/>
           <p:cNvSpPr txBox="1"/>
           <p:nvPr/>
         </p:nvSpPr>
@@ -26899,7 +26984,7 @@
       </p:sp>
       <p:sp>
         <p:nvSpPr>
-          <p:cNvPr id="119" name="Google Shape;119;p18"/>
+          <p:cNvPr id="120" name="Google Shape;120;p18"/>
           <p:cNvSpPr/>
           <p:nvPr/>
         </p:nvSpPr>
@@ -26961,7 +27046,7 @@
       </p:sp>
       <p:sp>
         <p:nvSpPr>
-          <p:cNvPr id="120" name="Google Shape;120;p18"/>
+          <p:cNvPr id="121" name="Google Shape;121;p18"/>
           <p:cNvSpPr/>
           <p:nvPr/>
         </p:nvSpPr>
@@ -27023,7 +27108,7 @@
       </p:sp>
       <p:sp>
         <p:nvSpPr>
-          <p:cNvPr id="121" name="Google Shape;121;p18"/>
+          <p:cNvPr id="122" name="Google Shape;122;p18"/>
           <p:cNvSpPr/>
           <p:nvPr/>
         </p:nvSpPr>
@@ -27085,7 +27170,7 @@
       </p:sp>
       <p:sp>
         <p:nvSpPr>
-          <p:cNvPr id="122" name="Google Shape;122;p18"/>
+          <p:cNvPr id="123" name="Google Shape;123;p18"/>
           <p:cNvSpPr/>
           <p:nvPr/>
         </p:nvSpPr>
@@ -27147,7 +27232,7 @@
       </p:sp>
       <p:sp>
         <p:nvSpPr>
-          <p:cNvPr id="123" name="Google Shape;123;p18"/>
+          <p:cNvPr id="124" name="Google Shape;124;p18"/>
           <p:cNvSpPr/>
           <p:nvPr/>
         </p:nvSpPr>
@@ -27209,7 +27294,7 @@
       </p:sp>
       <p:sp>
         <p:nvSpPr>
-          <p:cNvPr id="124" name="Google Shape;124;p18"/>
+          <p:cNvPr id="125" name="Google Shape;125;p18"/>
           <p:cNvSpPr/>
           <p:nvPr/>
         </p:nvSpPr>
@@ -27271,7 +27356,7 @@
       </p:sp>
       <p:sp>
         <p:nvSpPr>
-          <p:cNvPr id="125" name="Google Shape;125;p18"/>
+          <p:cNvPr id="126" name="Google Shape;126;p18"/>
           <p:cNvSpPr txBox="1"/>
           <p:nvPr/>
         </p:nvSpPr>
@@ -27345,7 +27430,7 @@
       </p:sp>
       <p:sp>
         <p:nvSpPr>
-          <p:cNvPr id="126" name="Google Shape;126;p18"/>
+          <p:cNvPr id="127" name="Google Shape;127;p18"/>
           <p:cNvSpPr/>
           <p:nvPr/>
         </p:nvSpPr>
@@ -27407,7 +27492,7 @@
       </p:sp>
       <p:sp>
         <p:nvSpPr>
-          <p:cNvPr id="127" name="Google Shape;127;p18"/>
+          <p:cNvPr id="128" name="Google Shape;128;p18"/>
           <p:cNvSpPr/>
           <p:nvPr/>
         </p:nvSpPr>
@@ -27469,7 +27554,7 @@
       </p:sp>
       <p:sp>
         <p:nvSpPr>
-          <p:cNvPr id="128" name="Google Shape;128;p18"/>
+          <p:cNvPr id="129" name="Google Shape;129;p18"/>
           <p:cNvSpPr txBox="1"/>
           <p:nvPr/>
         </p:nvSpPr>
@@ -27547,7 +27632,7 @@
       </p:sp>
       <p:sp>
         <p:nvSpPr>
-          <p:cNvPr id="129" name="Google Shape;129;p18"/>
+          <p:cNvPr id="130" name="Google Shape;130;p18"/>
           <p:cNvSpPr/>
           <p:nvPr/>
         </p:nvSpPr>
@@ -27609,7 +27694,7 @@
       </p:sp>
       <p:sp>
         <p:nvSpPr>
-          <p:cNvPr id="130" name="Google Shape;130;p18"/>
+          <p:cNvPr id="131" name="Google Shape;131;p18"/>
           <p:cNvSpPr/>
           <p:nvPr/>
         </p:nvSpPr>
@@ -27671,7 +27756,7 @@
       </p:sp>
       <p:sp>
         <p:nvSpPr>
-          <p:cNvPr id="131" name="Google Shape;131;p18"/>
+          <p:cNvPr id="132" name="Google Shape;132;p18"/>
           <p:cNvSpPr/>
           <p:nvPr/>
         </p:nvSpPr>
@@ -27733,7 +27818,7 @@
       </p:sp>
       <p:sp>
         <p:nvSpPr>
-          <p:cNvPr id="132" name="Google Shape;132;p18"/>
+          <p:cNvPr id="133" name="Google Shape;133;p18"/>
           <p:cNvSpPr txBox="1"/>
           <p:nvPr/>
         </p:nvSpPr>
@@ -27811,7 +27896,7 @@
       </p:sp>
       <p:sp>
         <p:nvSpPr>
-          <p:cNvPr id="133" name="Google Shape;133;p18"/>
+          <p:cNvPr id="134" name="Google Shape;134;p18"/>
           <p:cNvSpPr/>
           <p:nvPr/>
         </p:nvSpPr>
@@ -27873,7 +27958,7 @@
       </p:sp>
       <p:sp>
         <p:nvSpPr>
-          <p:cNvPr id="134" name="Google Shape;134;p18"/>
+          <p:cNvPr id="135" name="Google Shape;135;p18"/>
           <p:cNvSpPr txBox="1"/>
           <p:nvPr/>
         </p:nvSpPr>
@@ -27994,7 +28079,7 @@
       </p:sp>
       <p:sp>
         <p:nvSpPr>
-          <p:cNvPr id="135" name="Google Shape;135;p18"/>
+          <p:cNvPr id="136" name="Google Shape;136;p18"/>
           <p:cNvSpPr txBox="1"/>
           <p:nvPr/>
         </p:nvSpPr>
@@ -28068,7 +28153,7 @@
       </p:sp>
       <p:sp>
         <p:nvSpPr>
-          <p:cNvPr id="136" name="Google Shape;136;p18"/>
+          <p:cNvPr id="137" name="Google Shape;137;p18"/>
           <p:cNvSpPr/>
           <p:nvPr/>
         </p:nvSpPr>
@@ -28130,7 +28215,7 @@
       </p:sp>
       <p:graphicFrame>
         <p:nvGraphicFramePr>
-          <p:cNvPr id="137" name="Google Shape;137;p18"/>
+          <p:cNvPr id="138" name="Google Shape;138;p18"/>
           <p:cNvGraphicFramePr/>
           <p:nvPr/>
         </p:nvGraphicFramePr>
@@ -28143,7 +28228,7 @@
             <a:tbl>
               <a:tblPr>
                 <a:noFill/>
-                <a:tableStyleId>{0DCF4945-E6BA-4670-A24E-0A6C5D8518E8}</a:tableStyleId>
+                <a:tableStyleId>{89F6DF50-41A2-4E5E-B0EF-A77B621CC6F2}</a:tableStyleId>
               </a:tblPr>
               <a:tblGrid>
                 <a:gridCol w="1933575">
@@ -31886,7 +31971,7 @@
       </p:graphicFrame>
       <p:graphicFrame>
         <p:nvGraphicFramePr>
-          <p:cNvPr id="138" name="Google Shape;138;p18"/>
+          <p:cNvPr id="139" name="Google Shape;139;p18"/>
           <p:cNvGraphicFramePr/>
           <p:nvPr/>
         </p:nvGraphicFramePr>
@@ -31899,7 +31984,7 @@
             <a:tbl>
               <a:tblPr>
                 <a:noFill/>
-                <a:tableStyleId>{0DCF4945-E6BA-4670-A24E-0A6C5D8518E8}</a:tableStyleId>
+                <a:tableStyleId>{89F6DF50-41A2-4E5E-B0EF-A77B621CC6F2}</a:tableStyleId>
               </a:tblPr>
               <a:tblGrid>
                 <a:gridCol w="2149075">
@@ -35642,7 +35727,7 @@
       </p:graphicFrame>
       <p:sp>
         <p:nvSpPr>
-          <p:cNvPr id="139" name="Google Shape;139;p18"/>
+          <p:cNvPr id="140" name="Google Shape;140;p18"/>
           <p:cNvSpPr/>
           <p:nvPr/>
         </p:nvSpPr>
@@ -35704,7 +35789,7 @@
       </p:sp>
       <p:sp>
         <p:nvSpPr>
-          <p:cNvPr id="140" name="Google Shape;140;p18"/>
+          <p:cNvPr id="141" name="Google Shape;141;p18"/>
           <p:cNvSpPr txBox="1"/>
           <p:nvPr/>
         </p:nvSpPr>
@@ -35778,7 +35863,7 @@
       </p:sp>
       <p:sp>
         <p:nvSpPr>
-          <p:cNvPr id="141" name="Google Shape;141;p18"/>
+          <p:cNvPr id="142" name="Google Shape;142;p18"/>
           <p:cNvSpPr/>
           <p:nvPr/>
         </p:nvSpPr>
@@ -35840,7 +35925,7 @@
       </p:sp>
       <p:sp>
         <p:nvSpPr>
-          <p:cNvPr id="142" name="Google Shape;142;p18"/>
+          <p:cNvPr id="143" name="Google Shape;143;p18"/>
           <p:cNvSpPr txBox="1"/>
           <p:nvPr/>
         </p:nvSpPr>
@@ -35918,7 +36003,7 @@
       </p:sp>
       <p:sp>
         <p:nvSpPr>
-          <p:cNvPr id="143" name="Google Shape;143;p18"/>
+          <p:cNvPr id="144" name="Google Shape;144;p18"/>
           <p:cNvSpPr/>
           <p:nvPr/>
         </p:nvSpPr>
@@ -35980,7 +36065,7 @@
       </p:sp>
       <p:sp>
         <p:nvSpPr>
-          <p:cNvPr id="144" name="Google Shape;144;p18"/>
+          <p:cNvPr id="145" name="Google Shape;145;p18"/>
           <p:cNvSpPr/>
           <p:nvPr/>
         </p:nvSpPr>
@@ -36042,7 +36127,7 @@
       </p:sp>
       <p:sp>
         <p:nvSpPr>
-          <p:cNvPr id="145" name="Google Shape;145;p18"/>
+          <p:cNvPr id="146" name="Google Shape;146;p18"/>
           <p:cNvSpPr txBox="1"/>
           <p:nvPr/>
         </p:nvSpPr>
@@ -36120,7 +36205,7 @@
       </p:sp>
       <p:sp>
         <p:nvSpPr>
-          <p:cNvPr id="146" name="Google Shape;146;p18"/>
+          <p:cNvPr id="147" name="Google Shape;147;p18"/>
           <p:cNvSpPr/>
           <p:nvPr/>
         </p:nvSpPr>
@@ -36182,7 +36267,7 @@
       </p:sp>
       <p:sp>
         <p:nvSpPr>
-          <p:cNvPr id="147" name="Google Shape;147;p18"/>
+          <p:cNvPr id="148" name="Google Shape;148;p18"/>
           <p:cNvSpPr txBox="1"/>
           <p:nvPr/>
         </p:nvSpPr>
@@ -36256,7 +36341,7 @@
       </p:sp>
       <p:sp>
         <p:nvSpPr>
-          <p:cNvPr id="148" name="Google Shape;148;p18"/>
+          <p:cNvPr id="149" name="Google Shape;149;p18"/>
           <p:cNvSpPr txBox="1"/>
           <p:nvPr/>
         </p:nvSpPr>
@@ -36334,7 +36419,7 @@
       </p:sp>
       <p:sp>
         <p:nvSpPr>
-          <p:cNvPr id="149" name="Google Shape;149;p18"/>
+          <p:cNvPr id="150" name="Google Shape;150;p18"/>
           <p:cNvSpPr/>
           <p:nvPr/>
         </p:nvSpPr>
@@ -36407,7 +36492,7 @@
   <p:cSld>
     <p:spTree>
       <p:nvGrpSpPr>
-        <p:cNvPr id="1" name="Shape 153"/>
+        <p:cNvPr id="1" name="Shape 154"/>
         <p:cNvGrpSpPr/>
         <p:nvPr/>
       </p:nvGrpSpPr>
@@ -36421,7 +36506,7 @@
       </p:grpSpPr>
       <p:sp>
         <p:nvSpPr>
-          <p:cNvPr id="154" name="Google Shape;154;p19"/>
+          <p:cNvPr id="155" name="Google Shape;155;p19"/>
           <p:cNvSpPr txBox="1"/>
           <p:nvPr/>
         </p:nvSpPr>
@@ -36487,7 +36572,7 @@
       </p:sp>
       <p:sp>
         <p:nvSpPr>
-          <p:cNvPr id="155" name="Google Shape;155;p19"/>
+          <p:cNvPr id="156" name="Google Shape;156;p19"/>
           <p:cNvSpPr txBox="1"/>
           <p:nvPr/>
         </p:nvSpPr>
@@ -36782,7 +36867,7 @@
       </p:sp>
       <p:pic>
         <p:nvPicPr>
-          <p:cNvPr id="156" name="Google Shape;156;p19"/>
+          <p:cNvPr id="157" name="Google Shape;157;p19"/>
           <p:cNvPicPr preferRelativeResize="0"/>
           <p:nvPr/>
         </p:nvPicPr>
@@ -36821,7 +36906,7 @@
       </p:pic>
       <p:sp>
         <p:nvSpPr>
-          <p:cNvPr id="157" name="Google Shape;157;p19"/>
+          <p:cNvPr id="158" name="Google Shape;158;p19"/>
           <p:cNvSpPr txBox="1"/>
           <p:nvPr/>
         </p:nvSpPr>
@@ -37028,7 +37113,7 @@
       </p:sp>
       <p:sp>
         <p:nvSpPr>
-          <p:cNvPr id="158" name="Google Shape;158;p19"/>
+          <p:cNvPr id="159" name="Google Shape;159;p19"/>
           <p:cNvSpPr txBox="1"/>
           <p:nvPr/>
         </p:nvSpPr>
@@ -37153,7 +37238,7 @@
   <p:cSld>
     <p:spTree>
       <p:nvGrpSpPr>
-        <p:cNvPr id="1" name="Shape 162"/>
+        <p:cNvPr id="1" name="Shape 163"/>
         <p:cNvGrpSpPr/>
         <p:nvPr/>
       </p:nvGrpSpPr>
@@ -37167,7 +37252,7 @@
       </p:grpSpPr>
       <p:sp>
         <p:nvSpPr>
-          <p:cNvPr id="163" name="Google Shape;163;p20"/>
+          <p:cNvPr id="164" name="Google Shape;164;p20"/>
           <p:cNvSpPr txBox="1"/>
           <p:nvPr/>
         </p:nvSpPr>
@@ -37469,7 +37554,7 @@
       </p:sp>
       <p:pic>
         <p:nvPicPr>
-          <p:cNvPr id="164" name="Google Shape;164;p20"/>
+          <p:cNvPr id="165" name="Google Shape;165;p20"/>
           <p:cNvPicPr preferRelativeResize="0"/>
           <p:nvPr/>
         </p:nvPicPr>
@@ -37519,7 +37604,7 @@
   <p:cSld>
     <p:spTree>
       <p:nvGrpSpPr>
-        <p:cNvPr id="1" name="Shape 168"/>
+        <p:cNvPr id="1" name="Shape 169"/>
         <p:cNvGrpSpPr/>
         <p:nvPr/>
       </p:nvGrpSpPr>
@@ -37533,7 +37618,7 @@
       </p:grpSpPr>
       <p:sp>
         <p:nvSpPr>
-          <p:cNvPr id="169" name="Google Shape;169;p21"/>
+          <p:cNvPr id="170" name="Google Shape;170;p21"/>
           <p:cNvSpPr txBox="1"/>
           <p:nvPr/>
         </p:nvSpPr>
@@ -37729,7 +37814,7 @@
       </p:sp>
       <p:sp>
         <p:nvSpPr>
-          <p:cNvPr id="170" name="Google Shape;170;p21"/>
+          <p:cNvPr id="171" name="Google Shape;171;p21"/>
           <p:cNvSpPr txBox="1"/>
           <p:nvPr/>
         </p:nvSpPr>
@@ -37795,7 +37880,7 @@
       </p:sp>
       <p:sp>
         <p:nvSpPr>
-          <p:cNvPr id="171" name="Google Shape;171;p21"/>
+          <p:cNvPr id="172" name="Google Shape;172;p21"/>
           <p:cNvSpPr txBox="1"/>
           <p:nvPr/>
         </p:nvSpPr>
@@ -38257,7 +38342,7 @@
       </p:sp>
       <p:sp>
         <p:nvSpPr>
-          <p:cNvPr id="172" name="Google Shape;172;p21"/>
+          <p:cNvPr id="173" name="Google Shape;173;p21"/>
           <p:cNvSpPr txBox="1"/>
           <p:nvPr/>
         </p:nvSpPr>
@@ -38394,7 +38479,7 @@
   <p:cSld>
     <p:spTree>
       <p:nvGrpSpPr>
-        <p:cNvPr id="1" name="Shape 176"/>
+        <p:cNvPr id="1" name="Shape 177"/>
         <p:cNvGrpSpPr/>
         <p:nvPr/>
       </p:nvGrpSpPr>
@@ -38408,7 +38493,7 @@
       </p:grpSpPr>
       <p:sp>
         <p:nvSpPr>
-          <p:cNvPr id="177" name="Google Shape;177;p22"/>
+          <p:cNvPr id="178" name="Google Shape;178;p22"/>
           <p:cNvSpPr txBox="1"/>
           <p:nvPr/>
         </p:nvSpPr>
@@ -39099,7 +39184,7 @@
   <p:cSld>
     <p:spTree>
       <p:nvGrpSpPr>
-        <p:cNvPr id="1" name="Shape 181"/>
+        <p:cNvPr id="1" name="Shape 182"/>
         <p:cNvGrpSpPr/>
         <p:nvPr/>
       </p:nvGrpSpPr>
@@ -39113,7 +39198,7 @@
       </p:grpSpPr>
       <p:sp>
         <p:nvSpPr>
-          <p:cNvPr id="182" name="Google Shape;182;p23"/>
+          <p:cNvPr id="183" name="Google Shape;183;p23"/>
           <p:cNvSpPr txBox="1"/>
           <p:nvPr/>
         </p:nvSpPr>
@@ -39179,7 +39264,7 @@
       </p:sp>
       <p:sp>
         <p:nvSpPr>
-          <p:cNvPr id="183" name="Google Shape;183;p23"/>
+          <p:cNvPr id="184" name="Google Shape;184;p23"/>
           <p:cNvSpPr txBox="1"/>
           <p:nvPr/>
         </p:nvSpPr>
@@ -39593,7 +39678,7 @@
       </p:sp>
       <p:sp>
         <p:nvSpPr>
-          <p:cNvPr id="184" name="Google Shape;184;p23"/>
+          <p:cNvPr id="185" name="Google Shape;185;p23"/>
           <p:cNvSpPr txBox="1"/>
           <p:nvPr/>
         </p:nvSpPr>

--- a/2025/2025-07-25-AI-Updates.pptx
+++ b/2025/2025-07-25-AI-Updates.pptx
@@ -5,7 +5,7 @@
     <p:sldMasterId id="2147483661" r:id="rId1"/>
   </p:sldMasterIdLst>
   <p:notesMasterIdLst>
-    <p:notesMasterId r:id="rId21"/>
+    <p:notesMasterId r:id="rId22"/>
   </p:notesMasterIdLst>
   <p:sldIdLst>
     <p:sldId id="256" r:id="rId2"/>
@@ -27,6 +27,7 @@
     <p:sldId id="272" r:id="rId18"/>
     <p:sldId id="273" r:id="rId19"/>
     <p:sldId id="274" r:id="rId20"/>
+    <p:sldId id="275" r:id="rId21"/>
   </p:sldIdLst>
   <p:sldSz cx="9144000" cy="5143500" type="screen16x9"/>
   <p:notesSz cx="6858000" cy="9144000"/>
@@ -1456,7 +1457,7 @@
   <p:cSld>
     <p:spTree>
       <p:nvGrpSpPr>
-        <p:cNvPr id="1" name="Shape 218"/>
+        <p:cNvPr id="1" name="Shape 220"/>
         <p:cNvGrpSpPr/>
         <p:nvPr/>
       </p:nvGrpSpPr>
@@ -1470,7 +1471,7 @@
       </p:grpSpPr>
       <p:sp>
         <p:nvSpPr>
-          <p:cNvPr id="219" name="Google Shape;219;g37117326cae_0_5:notes"/>
+          <p:cNvPr id="221" name="Google Shape;221;g3635e77ff9a_1_3:notes"/>
           <p:cNvSpPr>
             <a:spLocks noGrp="1" noRot="1" noChangeAspect="1"/>
           </p:cNvSpPr>
@@ -1521,7 +1522,7 @@
       </p:sp>
       <p:sp>
         <p:nvSpPr>
-          <p:cNvPr id="220" name="Google Shape;220;g37117326cae_0_5:notes"/>
+          <p:cNvPr id="222" name="Google Shape;222;g3635e77ff9a_1_3:notes"/>
           <p:cNvSpPr txBox="1">
             <a:spLocks noGrp="1"/>
           </p:cNvSpPr>
@@ -1592,7 +1593,7 @@
       </p:grpSpPr>
       <p:sp>
         <p:nvSpPr>
-          <p:cNvPr id="229" name="Google Shape;229;g3634dc31f1c_0_0:notes"/>
+          <p:cNvPr id="229" name="Google Shape;229;g37117326cae_0_5:notes"/>
           <p:cNvSpPr>
             <a:spLocks noGrp="1" noRot="1" noChangeAspect="1"/>
           </p:cNvSpPr>
@@ -1643,7 +1644,7 @@
       </p:sp>
       <p:sp>
         <p:nvSpPr>
-          <p:cNvPr id="230" name="Google Shape;230;g3634dc31f1c_0_0:notes"/>
+          <p:cNvPr id="230" name="Google Shape;230;g37117326cae_0_5:notes"/>
           <p:cNvSpPr txBox="1">
             <a:spLocks noGrp="1"/>
           </p:cNvSpPr>
@@ -1700,7 +1701,7 @@
   <p:cSld>
     <p:spTree>
       <p:nvGrpSpPr>
-        <p:cNvPr id="1" name="Shape 234"/>
+        <p:cNvPr id="1" name="Shape 238"/>
         <p:cNvGrpSpPr/>
         <p:nvPr/>
       </p:nvGrpSpPr>
@@ -1714,7 +1715,7 @@
       </p:grpSpPr>
       <p:sp>
         <p:nvSpPr>
-          <p:cNvPr id="235" name="Google Shape;235;g37114baf48b_0_0:notes"/>
+          <p:cNvPr id="239" name="Google Shape;239;g3634dc31f1c_0_0:notes"/>
           <p:cNvSpPr>
             <a:spLocks noGrp="1" noRot="1" noChangeAspect="1"/>
           </p:cNvSpPr>
@@ -1765,7 +1766,7 @@
       </p:sp>
       <p:sp>
         <p:nvSpPr>
-          <p:cNvPr id="236" name="Google Shape;236;g37114baf48b_0_0:notes"/>
+          <p:cNvPr id="240" name="Google Shape;240;g3634dc31f1c_0_0:notes"/>
           <p:cNvSpPr txBox="1">
             <a:spLocks noGrp="1"/>
           </p:cNvSpPr>
@@ -1822,7 +1823,7 @@
   <p:cSld>
     <p:spTree>
       <p:nvGrpSpPr>
-        <p:cNvPr id="1" name="Shape 240"/>
+        <p:cNvPr id="1" name="Shape 244"/>
         <p:cNvGrpSpPr/>
         <p:nvPr/>
       </p:nvGrpSpPr>
@@ -1836,7 +1837,7 @@
       </p:grpSpPr>
       <p:sp>
         <p:nvSpPr>
-          <p:cNvPr id="241" name="Google Shape;241;p23:notes"/>
+          <p:cNvPr id="245" name="Google Shape;245;g37114baf48b_0_0:notes"/>
           <p:cNvSpPr>
             <a:spLocks noGrp="1" noRot="1" noChangeAspect="1"/>
           </p:cNvSpPr>
@@ -1887,7 +1888,7 @@
       </p:sp>
       <p:sp>
         <p:nvSpPr>
-          <p:cNvPr id="242" name="Google Shape;242;p23:notes"/>
+          <p:cNvPr id="246" name="Google Shape;246;g37114baf48b_0_0:notes"/>
           <p:cNvSpPr txBox="1">
             <a:spLocks noGrp="1"/>
           </p:cNvSpPr>
@@ -1958,7 +1959,7 @@
       </p:grpSpPr>
       <p:sp>
         <p:nvSpPr>
-          <p:cNvPr id="251" name="Google Shape;251;p24:notes"/>
+          <p:cNvPr id="251" name="Google Shape;251;p23:notes"/>
           <p:cNvSpPr>
             <a:spLocks noGrp="1" noRot="1" noChangeAspect="1"/>
           </p:cNvSpPr>
@@ -2009,7 +2010,7 @@
       </p:sp>
       <p:sp>
         <p:nvSpPr>
-          <p:cNvPr id="252" name="Google Shape;252;p24:notes"/>
+          <p:cNvPr id="252" name="Google Shape;252;p23:notes"/>
           <p:cNvSpPr txBox="1">
             <a:spLocks noGrp="1"/>
           </p:cNvSpPr>
@@ -2080,7 +2081,7 @@
       </p:grpSpPr>
       <p:sp>
         <p:nvSpPr>
-          <p:cNvPr id="261" name="Google Shape;261;p25:notes"/>
+          <p:cNvPr id="261" name="Google Shape;261;p24:notes"/>
           <p:cNvSpPr>
             <a:spLocks noGrp="1" noRot="1" noChangeAspect="1"/>
           </p:cNvSpPr>
@@ -2090,7 +2091,7 @@
         </p:nvSpPr>
         <p:spPr>
           <a:xfrm>
-            <a:off x="381300" y="685800"/>
+            <a:off x="381000" y="685800"/>
             <a:ext cx="6096000" cy="3429000"/>
           </a:xfrm>
           <a:custGeom>
@@ -2131,7 +2132,7 @@
       </p:sp>
       <p:sp>
         <p:nvSpPr>
-          <p:cNvPr id="262" name="Google Shape;262;p25:notes"/>
+          <p:cNvPr id="262" name="Google Shape;262;p24:notes"/>
           <p:cNvSpPr txBox="1">
             <a:spLocks noGrp="1"/>
           </p:cNvSpPr>
@@ -2254,6 +2255,128 @@
       <p:sp>
         <p:nvSpPr>
           <p:cNvPr id="71" name="Google Shape;71;g344bfc2824b_0_7:notes"/>
+          <p:cNvSpPr txBox="1">
+            <a:spLocks noGrp="1"/>
+          </p:cNvSpPr>
+          <p:nvPr>
+            <p:ph type="body" idx="1"/>
+          </p:nvPr>
+        </p:nvSpPr>
+        <p:spPr>
+          <a:xfrm>
+            <a:off x="685800" y="4343400"/>
+            <a:ext cx="5486400" cy="4114800"/>
+          </a:xfrm>
+          <a:prstGeom prst="rect">
+            <a:avLst/>
+          </a:prstGeom>
+          <a:noFill/>
+          <a:ln>
+            <a:noFill/>
+          </a:ln>
+        </p:spPr>
+        <p:txBody>
+          <a:bodyPr spcFirstLastPara="1" wrap="square" lIns="91425" tIns="91425" rIns="91425" bIns="91425" anchor="t" anchorCtr="0">
+            <a:noAutofit/>
+          </a:bodyPr>
+          <a:lstStyle/>
+          <a:p>
+            <a:pPr marL="0" lvl="0" indent="0" algn="l" rtl="0">
+              <a:lnSpc>
+                <a:spcPct val="100000"/>
+              </a:lnSpc>
+              <a:spcBef>
+                <a:spcPts val="0"/>
+              </a:spcBef>
+              <a:spcAft>
+                <a:spcPts val="0"/>
+              </a:spcAft>
+              <a:buSzPts val="1100"/>
+              <a:buNone/>
+            </a:pPr>
+            <a:endParaRPr/>
+          </a:p>
+        </p:txBody>
+      </p:sp>
+    </p:spTree>
+  </p:cSld>
+  <p:clrMapOvr>
+    <a:masterClrMapping/>
+  </p:clrMapOvr>
+</p:notes>
+</file>
+
+<file path=ppt/notesSlides/notesSlide20.xml><?xml version="1.0" encoding="utf-8"?>
+<p:notes xmlns:a="http://schemas.openxmlformats.org/drawingml/2006/main" xmlns:r="http://schemas.openxmlformats.org/officeDocument/2006/relationships" xmlns:p="http://schemas.openxmlformats.org/presentationml/2006/main" showMasterSp="0" showMasterPhAnim="0">
+  <p:cSld>
+    <p:spTree>
+      <p:nvGrpSpPr>
+        <p:cNvPr id="1" name="Shape 270"/>
+        <p:cNvGrpSpPr/>
+        <p:nvPr/>
+      </p:nvGrpSpPr>
+      <p:grpSpPr>
+        <a:xfrm>
+          <a:off x="0" y="0"/>
+          <a:ext cx="0" cy="0"/>
+          <a:chOff x="0" y="0"/>
+          <a:chExt cx="0" cy="0"/>
+        </a:xfrm>
+      </p:grpSpPr>
+      <p:sp>
+        <p:nvSpPr>
+          <p:cNvPr id="271" name="Google Shape;271;p25:notes"/>
+          <p:cNvSpPr>
+            <a:spLocks noGrp="1" noRot="1" noChangeAspect="1"/>
+          </p:cNvSpPr>
+          <p:nvPr>
+            <p:ph type="sldImg" idx="2"/>
+          </p:nvPr>
+        </p:nvSpPr>
+        <p:spPr>
+          <a:xfrm>
+            <a:off x="381300" y="685800"/>
+            <a:ext cx="6096000" cy="3429000"/>
+          </a:xfrm>
+          <a:custGeom>
+            <a:avLst/>
+            <a:gdLst/>
+            <a:ahLst/>
+            <a:cxnLst/>
+            <a:rect l="l" t="t" r="r" b="b"/>
+            <a:pathLst>
+              <a:path w="120000" h="120000" extrusionOk="0">
+                <a:moveTo>
+                  <a:pt x="0" y="0"/>
+                </a:moveTo>
+                <a:lnTo>
+                  <a:pt x="120000" y="0"/>
+                </a:lnTo>
+                <a:lnTo>
+                  <a:pt x="120000" y="120000"/>
+                </a:lnTo>
+                <a:lnTo>
+                  <a:pt x="0" y="120000"/>
+                </a:lnTo>
+                <a:close/>
+              </a:path>
+            </a:pathLst>
+          </a:custGeom>
+          <a:noFill/>
+          <a:ln w="9525" cap="flat" cmpd="sng">
+            <a:solidFill>
+              <a:srgbClr val="000000"/>
+            </a:solidFill>
+            <a:prstDash val="solid"/>
+            <a:round/>
+            <a:headEnd type="none" w="sm" len="sm"/>
+            <a:tailEnd type="none" w="sm" len="sm"/>
+          </a:ln>
+        </p:spPr>
+      </p:sp>
+      <p:sp>
+        <p:nvSpPr>
+          <p:cNvPr id="272" name="Google Shape;272;p25:notes"/>
           <p:cNvSpPr txBox="1">
             <a:spLocks noGrp="1"/>
           </p:cNvSpPr>
@@ -12557,7 +12680,7 @@
         <p:spPr>
           <a:xfrm>
             <a:off x="78651" y="704795"/>
-            <a:ext cx="4420200" cy="1403700"/>
+            <a:ext cx="4420200" cy="1634700"/>
           </a:xfrm>
           <a:prstGeom prst="rect">
             <a:avLst/>
@@ -12729,6 +12852,46 @@
                 <a:sym typeface="Calibri"/>
               </a:rPr>
               <a:t>Qwen3-Coder-480B-A35B-Instruct</a:t>
+            </a:r>
+            <a:endParaRPr sz="1500" b="1">
+              <a:solidFill>
+                <a:srgbClr val="3C78D8"/>
+              </a:solidFill>
+              <a:latin typeface="Calibri"/>
+              <a:ea typeface="Calibri"/>
+              <a:cs typeface="Calibri"/>
+              <a:sym typeface="Calibri"/>
+            </a:endParaRPr>
+          </a:p>
+          <a:p>
+            <a:pPr marL="228600" marR="0" lvl="0" indent="-209550" algn="l" rtl="0">
+              <a:lnSpc>
+                <a:spcPct val="100000"/>
+              </a:lnSpc>
+              <a:spcBef>
+                <a:spcPts val="0"/>
+              </a:spcBef>
+              <a:spcAft>
+                <a:spcPts val="0"/>
+              </a:spcAft>
+              <a:buClr>
+                <a:srgbClr val="3C78D8"/>
+              </a:buClr>
+              <a:buSzPts val="1500"/>
+              <a:buFont typeface="Calibri"/>
+              <a:buChar char="●"/>
+            </a:pPr>
+            <a:r>
+              <a:rPr lang="en" sz="1500" b="1">
+                <a:solidFill>
+                  <a:srgbClr val="3C78D8"/>
+                </a:solidFill>
+                <a:latin typeface="Calibri"/>
+                <a:ea typeface="Calibri"/>
+                <a:cs typeface="Calibri"/>
+                <a:sym typeface="Calibri"/>
+              </a:rPr>
+              <a:t>Qwen Code CLI</a:t>
             </a:r>
             <a:endParaRPr sz="1500" b="1">
               <a:solidFill>
@@ -12948,7 +13111,7 @@
         </p:nvSpPr>
         <p:spPr>
           <a:xfrm>
-            <a:off x="4576975" y="3453988"/>
+            <a:off x="4576975" y="4215988"/>
             <a:ext cx="4502400" cy="480300"/>
           </a:xfrm>
           <a:prstGeom prst="rect">
@@ -13497,7 +13660,7 @@
         <p:spPr>
           <a:xfrm>
             <a:off x="4576975" y="701647"/>
-            <a:ext cx="4502400" cy="1173000"/>
+            <a:ext cx="4502400" cy="2327400"/>
           </a:xfrm>
           <a:prstGeom prst="rect">
             <a:avLst/>
@@ -13629,6 +13792,206 @@
                 <a:sym typeface="Calibri"/>
               </a:rPr>
               <a:t>OpenAI ChatGPT Handles 2.5 Billion Prompts Daily</a:t>
+            </a:r>
+            <a:endParaRPr sz="1500" b="1">
+              <a:solidFill>
+                <a:srgbClr val="3C78D8"/>
+              </a:solidFill>
+              <a:latin typeface="Calibri"/>
+              <a:ea typeface="Calibri"/>
+              <a:cs typeface="Calibri"/>
+              <a:sym typeface="Calibri"/>
+            </a:endParaRPr>
+          </a:p>
+          <a:p>
+            <a:pPr marL="228600" marR="0" lvl="0" indent="-209550" algn="l" rtl="0">
+              <a:lnSpc>
+                <a:spcPct val="100000"/>
+              </a:lnSpc>
+              <a:spcBef>
+                <a:spcPts val="0"/>
+              </a:spcBef>
+              <a:spcAft>
+                <a:spcPts val="0"/>
+              </a:spcAft>
+              <a:buClr>
+                <a:srgbClr val="3C78D8"/>
+              </a:buClr>
+              <a:buSzPts val="1500"/>
+              <a:buFont typeface="Calibri"/>
+              <a:buChar char="●"/>
+            </a:pPr>
+            <a:r>
+              <a:rPr lang="en" sz="1500" b="1">
+                <a:solidFill>
+                  <a:srgbClr val="3C78D8"/>
+                </a:solidFill>
+                <a:latin typeface="Calibri"/>
+                <a:ea typeface="Calibri"/>
+                <a:cs typeface="Calibri"/>
+                <a:sym typeface="Calibri"/>
+              </a:rPr>
+              <a:t>OpenAI to pay Oracle $30B/year for data center</a:t>
+            </a:r>
+            <a:endParaRPr sz="1500" b="1">
+              <a:solidFill>
+                <a:srgbClr val="3C78D8"/>
+              </a:solidFill>
+              <a:latin typeface="Calibri"/>
+              <a:ea typeface="Calibri"/>
+              <a:cs typeface="Calibri"/>
+              <a:sym typeface="Calibri"/>
+            </a:endParaRPr>
+          </a:p>
+          <a:p>
+            <a:pPr marL="228600" marR="0" lvl="0" indent="-209550" algn="l" rtl="0">
+              <a:lnSpc>
+                <a:spcPct val="100000"/>
+              </a:lnSpc>
+              <a:spcBef>
+                <a:spcPts val="0"/>
+              </a:spcBef>
+              <a:spcAft>
+                <a:spcPts val="0"/>
+              </a:spcAft>
+              <a:buClr>
+                <a:srgbClr val="3C78D8"/>
+              </a:buClr>
+              <a:buSzPts val="1500"/>
+              <a:buFont typeface="Calibri"/>
+              <a:buChar char="●"/>
+            </a:pPr>
+            <a:r>
+              <a:rPr lang="en" sz="1500" b="1">
+                <a:solidFill>
+                  <a:srgbClr val="3C78D8"/>
+                </a:solidFill>
+                <a:latin typeface="Calibri"/>
+                <a:ea typeface="Calibri"/>
+                <a:cs typeface="Calibri"/>
+                <a:sym typeface="Calibri"/>
+              </a:rPr>
+              <a:t>Google Gemini 2.5 Flash-Lite</a:t>
+            </a:r>
+            <a:endParaRPr sz="1500" b="1">
+              <a:solidFill>
+                <a:srgbClr val="3C78D8"/>
+              </a:solidFill>
+              <a:latin typeface="Calibri"/>
+              <a:ea typeface="Calibri"/>
+              <a:cs typeface="Calibri"/>
+              <a:sym typeface="Calibri"/>
+            </a:endParaRPr>
+          </a:p>
+          <a:p>
+            <a:pPr marL="228600" marR="0" lvl="0" indent="-209550" algn="l" rtl="0">
+              <a:lnSpc>
+                <a:spcPct val="100000"/>
+              </a:lnSpc>
+              <a:spcBef>
+                <a:spcPts val="0"/>
+              </a:spcBef>
+              <a:spcAft>
+                <a:spcPts val="0"/>
+              </a:spcAft>
+              <a:buClr>
+                <a:srgbClr val="3C78D8"/>
+              </a:buClr>
+              <a:buSzPts val="1500"/>
+              <a:buFont typeface="Calibri"/>
+              <a:buChar char="●"/>
+            </a:pPr>
+            <a:r>
+              <a:rPr lang="en" sz="1500" b="1">
+                <a:solidFill>
+                  <a:srgbClr val="3C78D8"/>
+                </a:solidFill>
+                <a:latin typeface="Calibri"/>
+                <a:ea typeface="Calibri"/>
+                <a:cs typeface="Calibri"/>
+                <a:sym typeface="Calibri"/>
+              </a:rPr>
+              <a:t>AI Agents vs Agentic AI</a:t>
+            </a:r>
+            <a:endParaRPr sz="1500" b="1">
+              <a:solidFill>
+                <a:srgbClr val="3C78D8"/>
+              </a:solidFill>
+              <a:latin typeface="Calibri"/>
+              <a:ea typeface="Calibri"/>
+              <a:cs typeface="Calibri"/>
+              <a:sym typeface="Calibri"/>
+            </a:endParaRPr>
+          </a:p>
+          <a:p>
+            <a:pPr marL="228600" marR="0" lvl="0" indent="-209550" algn="l" rtl="0">
+              <a:lnSpc>
+                <a:spcPct val="100000"/>
+              </a:lnSpc>
+              <a:spcBef>
+                <a:spcPts val="0"/>
+              </a:spcBef>
+              <a:spcAft>
+                <a:spcPts val="0"/>
+              </a:spcAft>
+              <a:buClr>
+                <a:srgbClr val="3C78D8"/>
+              </a:buClr>
+              <a:buSzPts val="1500"/>
+              <a:buFont typeface="Calibri"/>
+              <a:buChar char="●"/>
+            </a:pPr>
+            <a:r>
+              <a:rPr lang="en" sz="1500" b="1">
+                <a:solidFill>
+                  <a:srgbClr val="3C78D8"/>
+                </a:solidFill>
+                <a:latin typeface="Calibri"/>
+                <a:ea typeface="Calibri"/>
+                <a:cs typeface="Calibri"/>
+                <a:sym typeface="Calibri"/>
+              </a:rPr>
+              <a:t>Kimi vs Claude Coding</a:t>
+            </a:r>
+            <a:endParaRPr sz="1500" b="1">
+              <a:solidFill>
+                <a:srgbClr val="3C78D8"/>
+              </a:solidFill>
+              <a:latin typeface="Calibri"/>
+              <a:ea typeface="Calibri"/>
+              <a:cs typeface="Calibri"/>
+              <a:sym typeface="Calibri"/>
+            </a:endParaRPr>
+          </a:p>
+          <a:p>
+            <a:pPr marL="228600" marR="0" lvl="0" indent="-209550" algn="l" rtl="0">
+              <a:lnSpc>
+                <a:spcPct val="100000"/>
+              </a:lnSpc>
+              <a:spcBef>
+                <a:spcPts val="0"/>
+              </a:spcBef>
+              <a:spcAft>
+                <a:spcPts val="0"/>
+              </a:spcAft>
+              <a:buClr>
+                <a:srgbClr val="3C78D8"/>
+              </a:buClr>
+              <a:buSzPts val="1500"/>
+              <a:buFont typeface="Calibri"/>
+              <a:buChar char="●"/>
+            </a:pPr>
+            <a:r>
+              <a:rPr lang="en" sz="1500" b="1">
+                <a:solidFill>
+                  <a:srgbClr val="3C78D8"/>
+                </a:solidFill>
+                <a:latin typeface="Calibri"/>
+                <a:ea typeface="Calibri"/>
+                <a:cs typeface="Calibri"/>
+                <a:sym typeface="Calibri"/>
+              </a:rPr>
+              <a:t>Google Mixture-of-Recursions Architecture</a:t>
             </a:r>
             <a:endParaRPr sz="1500" b="1">
               <a:solidFill>
@@ -17063,7 +17426,7 @@
         </p:nvSpPr>
         <p:spPr>
           <a:xfrm>
-            <a:off x="91225" y="1383750"/>
+            <a:off x="91225" y="1155150"/>
             <a:ext cx="4451400" cy="942000"/>
           </a:xfrm>
           <a:prstGeom prst="rect">
@@ -17200,8 +17563,8 @@
         </p:nvSpPr>
         <p:spPr>
           <a:xfrm>
-            <a:off x="55075" y="2540825"/>
-            <a:ext cx="3801000" cy="757200"/>
+            <a:off x="91225" y="2159825"/>
+            <a:ext cx="4451400" cy="757200"/>
           </a:xfrm>
           <a:prstGeom prst="rect">
             <a:avLst/>
@@ -17373,6 +17736,354 @@
                 <a:sym typeface="Calibri"/>
               </a:rPr>
               <a:t>Compare with Google Search: ~13 Bln searches/day</a:t>
+            </a:r>
+            <a:endParaRPr sz="1200">
+              <a:solidFill>
+                <a:schemeClr val="dk1"/>
+              </a:solidFill>
+              <a:latin typeface="Calibri"/>
+              <a:ea typeface="Calibri"/>
+              <a:cs typeface="Calibri"/>
+              <a:sym typeface="Calibri"/>
+            </a:endParaRPr>
+          </a:p>
+        </p:txBody>
+      </p:sp>
+      <p:sp>
+        <p:nvSpPr>
+          <p:cNvPr id="218" name="Google Shape;218;p27"/>
+          <p:cNvSpPr txBox="1"/>
+          <p:nvPr/>
+        </p:nvSpPr>
+        <p:spPr>
+          <a:xfrm>
+            <a:off x="91225" y="3006075"/>
+            <a:ext cx="4451400" cy="572700"/>
+          </a:xfrm>
+          <a:prstGeom prst="rect">
+            <a:avLst/>
+          </a:prstGeom>
+          <a:solidFill>
+            <a:srgbClr val="FFF2CC"/>
+          </a:solidFill>
+          <a:ln w="9525" cap="flat" cmpd="sng">
+            <a:solidFill>
+              <a:srgbClr val="FF0000"/>
+            </a:solidFill>
+            <a:prstDash val="solid"/>
+            <a:round/>
+            <a:headEnd type="none" w="sm" len="sm"/>
+            <a:tailEnd type="none" w="sm" len="sm"/>
+          </a:ln>
+        </p:spPr>
+        <p:txBody>
+          <a:bodyPr spcFirstLastPara="1" wrap="square" lIns="9125" tIns="9125" rIns="9125" bIns="9125" anchor="t" anchorCtr="0">
+            <a:spAutoFit/>
+          </a:bodyPr>
+          <a:lstStyle/>
+          <a:p>
+            <a:pPr marL="171450" marR="0" lvl="0" indent="-133350" algn="l" rtl="0">
+              <a:lnSpc>
+                <a:spcPct val="100000"/>
+              </a:lnSpc>
+              <a:spcBef>
+                <a:spcPts val="0"/>
+              </a:spcBef>
+              <a:spcAft>
+                <a:spcPts val="0"/>
+              </a:spcAft>
+              <a:buClr>
+                <a:srgbClr val="FF0000"/>
+              </a:buClr>
+              <a:buSzPts val="1200"/>
+              <a:buFont typeface="Calibri"/>
+              <a:buChar char="●"/>
+            </a:pPr>
+            <a:r>
+              <a:rPr lang="en" sz="1200" b="1">
+                <a:solidFill>
+                  <a:srgbClr val="FF0000"/>
+                </a:solidFill>
+                <a:latin typeface="Calibri"/>
+                <a:ea typeface="Calibri"/>
+                <a:cs typeface="Calibri"/>
+                <a:sym typeface="Calibri"/>
+              </a:rPr>
+              <a:t>OpenAI to pay Oracle $30B/year for data center</a:t>
+            </a:r>
+            <a:endParaRPr sz="1200" b="1">
+              <a:solidFill>
+                <a:srgbClr val="FF0000"/>
+              </a:solidFill>
+              <a:latin typeface="Calibri"/>
+              <a:ea typeface="Calibri"/>
+              <a:cs typeface="Calibri"/>
+              <a:sym typeface="Calibri"/>
+            </a:endParaRPr>
+          </a:p>
+          <a:p>
+            <a:pPr marL="171450" marR="0" lvl="0" indent="-133350" algn="l" rtl="0">
+              <a:lnSpc>
+                <a:spcPct val="100000"/>
+              </a:lnSpc>
+              <a:spcBef>
+                <a:spcPts val="0"/>
+              </a:spcBef>
+              <a:spcAft>
+                <a:spcPts val="0"/>
+              </a:spcAft>
+              <a:buClr>
+                <a:schemeClr val="dk1"/>
+              </a:buClr>
+              <a:buSzPts val="1200"/>
+              <a:buFont typeface="Calibri"/>
+              <a:buChar char="●"/>
+            </a:pPr>
+            <a:r>
+              <a:rPr lang="en" sz="1200">
+                <a:solidFill>
+                  <a:schemeClr val="dk1"/>
+                </a:solidFill>
+                <a:latin typeface="Calibri"/>
+                <a:ea typeface="Calibri"/>
+                <a:cs typeface="Calibri"/>
+                <a:sym typeface="Calibri"/>
+              </a:rPr>
+              <a:t>Focusing on the 4.5 gigawatts Stargate project</a:t>
+            </a:r>
+            <a:endParaRPr sz="1200">
+              <a:solidFill>
+                <a:schemeClr val="dk1"/>
+              </a:solidFill>
+              <a:latin typeface="Calibri"/>
+              <a:ea typeface="Calibri"/>
+              <a:cs typeface="Calibri"/>
+              <a:sym typeface="Calibri"/>
+            </a:endParaRPr>
+          </a:p>
+          <a:p>
+            <a:pPr marL="171450" marR="0" lvl="0" indent="-133350" algn="l" rtl="0">
+              <a:lnSpc>
+                <a:spcPct val="100000"/>
+              </a:lnSpc>
+              <a:spcBef>
+                <a:spcPts val="0"/>
+              </a:spcBef>
+              <a:spcAft>
+                <a:spcPts val="0"/>
+              </a:spcAft>
+              <a:buClr>
+                <a:schemeClr val="dk1"/>
+              </a:buClr>
+              <a:buSzPts val="1200"/>
+              <a:buFont typeface="Calibri"/>
+              <a:buChar char="●"/>
+            </a:pPr>
+            <a:r>
+              <a:rPr lang="en" sz="1200">
+                <a:solidFill>
+                  <a:schemeClr val="dk1"/>
+                </a:solidFill>
+                <a:latin typeface="Calibri"/>
+                <a:ea typeface="Calibri"/>
+                <a:cs typeface="Calibri"/>
+                <a:sym typeface="Calibri"/>
+              </a:rPr>
+              <a:t>This deal triples OpenAI's current annual revenue of $10B</a:t>
+            </a:r>
+            <a:endParaRPr sz="1200">
+              <a:solidFill>
+                <a:schemeClr val="dk1"/>
+              </a:solidFill>
+              <a:latin typeface="Calibri"/>
+              <a:ea typeface="Calibri"/>
+              <a:cs typeface="Calibri"/>
+              <a:sym typeface="Calibri"/>
+            </a:endParaRPr>
+          </a:p>
+        </p:txBody>
+      </p:sp>
+      <p:sp>
+        <p:nvSpPr>
+          <p:cNvPr id="219" name="Google Shape;219;p27"/>
+          <p:cNvSpPr txBox="1"/>
+          <p:nvPr/>
+        </p:nvSpPr>
+        <p:spPr>
+          <a:xfrm>
+            <a:off x="91225" y="3667825"/>
+            <a:ext cx="4451400" cy="942000"/>
+          </a:xfrm>
+          <a:prstGeom prst="rect">
+            <a:avLst/>
+          </a:prstGeom>
+          <a:solidFill>
+            <a:srgbClr val="FFF2CC"/>
+          </a:solidFill>
+          <a:ln w="9525" cap="flat" cmpd="sng">
+            <a:solidFill>
+              <a:srgbClr val="FF0000"/>
+            </a:solidFill>
+            <a:prstDash val="solid"/>
+            <a:round/>
+            <a:headEnd type="none" w="sm" len="sm"/>
+            <a:tailEnd type="none" w="sm" len="sm"/>
+          </a:ln>
+        </p:spPr>
+        <p:txBody>
+          <a:bodyPr spcFirstLastPara="1" wrap="square" lIns="9125" tIns="9125" rIns="9125" bIns="9125" anchor="t" anchorCtr="0">
+            <a:spAutoFit/>
+          </a:bodyPr>
+          <a:lstStyle/>
+          <a:p>
+            <a:pPr marL="171450" marR="0" lvl="0" indent="-133350" algn="l" rtl="0">
+              <a:lnSpc>
+                <a:spcPct val="100000"/>
+              </a:lnSpc>
+              <a:spcBef>
+                <a:spcPts val="0"/>
+              </a:spcBef>
+              <a:spcAft>
+                <a:spcPts val="0"/>
+              </a:spcAft>
+              <a:buClr>
+                <a:schemeClr val="dk1"/>
+              </a:buClr>
+              <a:buSzPts val="1200"/>
+              <a:buFont typeface="Calibri"/>
+              <a:buChar char="●"/>
+            </a:pPr>
+            <a:r>
+              <a:rPr lang="en" sz="1200">
+                <a:solidFill>
+                  <a:schemeClr val="dk1"/>
+                </a:solidFill>
+                <a:latin typeface="Calibri"/>
+                <a:ea typeface="Calibri"/>
+                <a:cs typeface="Calibri"/>
+                <a:sym typeface="Calibri"/>
+              </a:rPr>
+              <a:t>Google Gemini 2.5 Flash-Lite</a:t>
+            </a:r>
+            <a:endParaRPr sz="1200">
+              <a:solidFill>
+                <a:schemeClr val="dk1"/>
+              </a:solidFill>
+              <a:latin typeface="Calibri"/>
+              <a:ea typeface="Calibri"/>
+              <a:cs typeface="Calibri"/>
+              <a:sym typeface="Calibri"/>
+            </a:endParaRPr>
+          </a:p>
+          <a:p>
+            <a:pPr marL="171450" marR="0" lvl="0" indent="-133350" algn="l" rtl="0">
+              <a:lnSpc>
+                <a:spcPct val="100000"/>
+              </a:lnSpc>
+              <a:spcBef>
+                <a:spcPts val="0"/>
+              </a:spcBef>
+              <a:spcAft>
+                <a:spcPts val="0"/>
+              </a:spcAft>
+              <a:buClr>
+                <a:schemeClr val="dk1"/>
+              </a:buClr>
+              <a:buSzPts val="1200"/>
+              <a:buFont typeface="Calibri"/>
+              <a:buChar char="●"/>
+            </a:pPr>
+            <a:r>
+              <a:rPr lang="en" sz="1200">
+                <a:solidFill>
+                  <a:schemeClr val="dk1"/>
+                </a:solidFill>
+                <a:latin typeface="Calibri"/>
+                <a:ea typeface="Calibri"/>
+                <a:cs typeface="Calibri"/>
+                <a:sym typeface="Calibri"/>
+              </a:rPr>
+              <a:t>most cost-efficient and fastest 2.5 family model</a:t>
+            </a:r>
+            <a:endParaRPr sz="1200">
+              <a:solidFill>
+                <a:schemeClr val="dk1"/>
+              </a:solidFill>
+              <a:latin typeface="Calibri"/>
+              <a:ea typeface="Calibri"/>
+              <a:cs typeface="Calibri"/>
+              <a:sym typeface="Calibri"/>
+            </a:endParaRPr>
+          </a:p>
+          <a:p>
+            <a:pPr marL="171450" marR="0" lvl="0" indent="-133350" algn="l" rtl="0">
+              <a:lnSpc>
+                <a:spcPct val="100000"/>
+              </a:lnSpc>
+              <a:spcBef>
+                <a:spcPts val="0"/>
+              </a:spcBef>
+              <a:spcAft>
+                <a:spcPts val="0"/>
+              </a:spcAft>
+              <a:buClr>
+                <a:schemeClr val="dk1"/>
+              </a:buClr>
+              <a:buSzPts val="1200"/>
+              <a:buFont typeface="Calibri"/>
+              <a:buChar char="●"/>
+            </a:pPr>
+            <a:r>
+              <a:rPr lang="en" sz="1200">
+                <a:solidFill>
+                  <a:schemeClr val="dk1"/>
+                </a:solidFill>
+                <a:latin typeface="Calibri"/>
+                <a:ea typeface="Calibri"/>
+                <a:cs typeface="Calibri"/>
+                <a:sym typeface="Calibri"/>
+              </a:rPr>
+              <a:t>faster and more cost-efficient than the 2.0 Flash models</a:t>
+            </a:r>
+            <a:endParaRPr sz="1200">
+              <a:solidFill>
+                <a:schemeClr val="dk1"/>
+              </a:solidFill>
+              <a:latin typeface="Calibri"/>
+              <a:ea typeface="Calibri"/>
+              <a:cs typeface="Calibri"/>
+              <a:sym typeface="Calibri"/>
+            </a:endParaRPr>
+          </a:p>
+          <a:p>
+            <a:pPr marL="171450" marR="0" lvl="0" indent="-133350" algn="l" rtl="0">
+              <a:lnSpc>
+                <a:spcPct val="100000"/>
+              </a:lnSpc>
+              <a:spcBef>
+                <a:spcPts val="0"/>
+              </a:spcBef>
+              <a:spcAft>
+                <a:spcPts val="0"/>
+              </a:spcAft>
+              <a:buClr>
+                <a:schemeClr val="dk1"/>
+              </a:buClr>
+              <a:buSzPts val="1200"/>
+              <a:buFont typeface="Calibri"/>
+              <a:buChar char="●"/>
+            </a:pPr>
+            <a:r>
+              <a:rPr lang="en" sz="1200">
+                <a:solidFill>
+                  <a:schemeClr val="dk1"/>
+                </a:solidFill>
+                <a:latin typeface="Calibri"/>
+                <a:ea typeface="Calibri"/>
+                <a:cs typeface="Calibri"/>
+                <a:sym typeface="Calibri"/>
+              </a:rPr>
+              <a:t>while outperforming them across coding, math, and multimodal understanding</a:t>
             </a:r>
             <a:endParaRPr sz="1200">
               <a:solidFill>
@@ -17399,7 +18110,7 @@
   <p:cSld>
     <p:spTree>
       <p:nvGrpSpPr>
-        <p:cNvPr id="1" name="Shape 221"/>
+        <p:cNvPr id="1" name="Shape 223"/>
         <p:cNvGrpSpPr/>
         <p:nvPr/>
       </p:nvGrpSpPr>
@@ -17413,7 +18124,7 @@
       </p:grpSpPr>
       <p:sp>
         <p:nvSpPr>
-          <p:cNvPr id="222" name="Google Shape;222;p28"/>
+          <p:cNvPr id="224" name="Google Shape;224;p28"/>
           <p:cNvSpPr txBox="1"/>
           <p:nvPr/>
         </p:nvSpPr>
@@ -17463,6 +18174,593 @@
                 <a:cs typeface="Calibri"/>
                 <a:sym typeface="Calibri"/>
               </a:rPr>
+              <a:t>AI Agents vs Agentic AI</a:t>
+            </a:r>
+            <a:endParaRPr sz="2000" b="1" i="0" u="none" strike="noStrike" cap="none">
+              <a:solidFill>
+                <a:schemeClr val="dk1"/>
+              </a:solidFill>
+              <a:latin typeface="Calibri"/>
+              <a:ea typeface="Calibri"/>
+              <a:cs typeface="Calibri"/>
+              <a:sym typeface="Calibri"/>
+            </a:endParaRPr>
+          </a:p>
+        </p:txBody>
+      </p:sp>
+      <p:sp>
+        <p:nvSpPr>
+          <p:cNvPr id="225" name="Google Shape;225;p28"/>
+          <p:cNvSpPr txBox="1"/>
+          <p:nvPr/>
+        </p:nvSpPr>
+        <p:spPr>
+          <a:xfrm>
+            <a:off x="91225" y="376550"/>
+            <a:ext cx="4451400" cy="1311300"/>
+          </a:xfrm>
+          <a:prstGeom prst="rect">
+            <a:avLst/>
+          </a:prstGeom>
+          <a:solidFill>
+            <a:srgbClr val="FFF2CC"/>
+          </a:solidFill>
+          <a:ln w="9525" cap="flat" cmpd="sng">
+            <a:solidFill>
+              <a:srgbClr val="FF0000"/>
+            </a:solidFill>
+            <a:prstDash val="solid"/>
+            <a:round/>
+            <a:headEnd type="none" w="sm" len="sm"/>
+            <a:tailEnd type="none" w="sm" len="sm"/>
+          </a:ln>
+        </p:spPr>
+        <p:txBody>
+          <a:bodyPr spcFirstLastPara="1" wrap="square" lIns="9125" tIns="9125" rIns="9125" bIns="9125" anchor="t" anchorCtr="0">
+            <a:spAutoFit/>
+          </a:bodyPr>
+          <a:lstStyle/>
+          <a:p>
+            <a:pPr marL="171450" marR="0" lvl="0" indent="-114300" algn="l" rtl="0">
+              <a:lnSpc>
+                <a:spcPct val="100000"/>
+              </a:lnSpc>
+              <a:spcBef>
+                <a:spcPts val="0"/>
+              </a:spcBef>
+              <a:spcAft>
+                <a:spcPts val="0"/>
+              </a:spcAft>
+              <a:buClr>
+                <a:schemeClr val="dk1"/>
+              </a:buClr>
+              <a:buSzPts val="900"/>
+              <a:buFont typeface="Calibri"/>
+              <a:buChar char="●"/>
+            </a:pPr>
+            <a:r>
+              <a:rPr lang="en" sz="1200" b="1">
+                <a:solidFill>
+                  <a:srgbClr val="FF0000"/>
+                </a:solidFill>
+                <a:latin typeface="Calibri"/>
+                <a:ea typeface="Calibri"/>
+                <a:cs typeface="Calibri"/>
+                <a:sym typeface="Calibri"/>
+              </a:rPr>
+              <a:t>AI Agents</a:t>
+            </a:r>
+            <a:r>
+              <a:rPr lang="en" sz="1200">
+                <a:solidFill>
+                  <a:schemeClr val="dk1"/>
+                </a:solidFill>
+                <a:latin typeface="Calibri"/>
+                <a:ea typeface="Calibri"/>
+                <a:cs typeface="Calibri"/>
+                <a:sym typeface="Calibri"/>
+              </a:rPr>
+              <a:t> - designed to </a:t>
+            </a:r>
+            <a:r>
+              <a:rPr lang="en" sz="1200" b="1">
+                <a:solidFill>
+                  <a:srgbClr val="FF0000"/>
+                </a:solidFill>
+                <a:latin typeface="Calibri"/>
+                <a:ea typeface="Calibri"/>
+                <a:cs typeface="Calibri"/>
+                <a:sym typeface="Calibri"/>
+              </a:rPr>
+              <a:t>perform specific, well-defined tasks</a:t>
+            </a:r>
+            <a:r>
+              <a:rPr lang="en" sz="1200">
+                <a:solidFill>
+                  <a:schemeClr val="dk1"/>
+                </a:solidFill>
+                <a:latin typeface="Calibri"/>
+                <a:ea typeface="Calibri"/>
+                <a:cs typeface="Calibri"/>
+                <a:sym typeface="Calibri"/>
+              </a:rPr>
+              <a:t> by following programmed rules, logic, or machine learning models, typically operating within a constrained environment</a:t>
+            </a:r>
+            <a:endParaRPr sz="1200">
+              <a:solidFill>
+                <a:schemeClr val="dk1"/>
+              </a:solidFill>
+              <a:latin typeface="Calibri"/>
+              <a:ea typeface="Calibri"/>
+              <a:cs typeface="Calibri"/>
+              <a:sym typeface="Calibri"/>
+            </a:endParaRPr>
+          </a:p>
+          <a:p>
+            <a:pPr marL="171450" marR="0" lvl="0" indent="-114300" algn="l" rtl="0">
+              <a:lnSpc>
+                <a:spcPct val="100000"/>
+              </a:lnSpc>
+              <a:spcBef>
+                <a:spcPts val="0"/>
+              </a:spcBef>
+              <a:spcAft>
+                <a:spcPts val="0"/>
+              </a:spcAft>
+              <a:buClr>
+                <a:schemeClr val="dk1"/>
+              </a:buClr>
+              <a:buSzPts val="900"/>
+              <a:buFont typeface="Calibri"/>
+              <a:buChar char="●"/>
+            </a:pPr>
+            <a:r>
+              <a:rPr lang="en" sz="1200">
+                <a:solidFill>
+                  <a:schemeClr val="dk1"/>
+                </a:solidFill>
+                <a:latin typeface="Calibri"/>
+                <a:ea typeface="Calibri"/>
+                <a:cs typeface="Calibri"/>
+                <a:sym typeface="Calibri"/>
+              </a:rPr>
+              <a:t>Agentic AI - complex systems where multiple agents collaborate autonomously, exhibiting </a:t>
+            </a:r>
+            <a:r>
+              <a:rPr lang="en" sz="1200" b="1">
+                <a:solidFill>
+                  <a:srgbClr val="3C78D8"/>
+                </a:solidFill>
+                <a:latin typeface="Calibri"/>
+                <a:ea typeface="Calibri"/>
+                <a:cs typeface="Calibri"/>
+                <a:sym typeface="Calibri"/>
+              </a:rPr>
+              <a:t>proactive, adaptive, and goal-driven behavior to solve dynamic, multi-step problems</a:t>
+            </a:r>
+            <a:r>
+              <a:rPr lang="en" sz="1200">
+                <a:solidFill>
+                  <a:schemeClr val="dk1"/>
+                </a:solidFill>
+                <a:latin typeface="Calibri"/>
+                <a:ea typeface="Calibri"/>
+                <a:cs typeface="Calibri"/>
+                <a:sym typeface="Calibri"/>
+              </a:rPr>
+              <a:t>—often with minimal human oversight</a:t>
+            </a:r>
+            <a:endParaRPr sz="900">
+              <a:solidFill>
+                <a:schemeClr val="dk1"/>
+              </a:solidFill>
+              <a:latin typeface="Calibri"/>
+              <a:ea typeface="Calibri"/>
+              <a:cs typeface="Calibri"/>
+              <a:sym typeface="Calibri"/>
+            </a:endParaRPr>
+          </a:p>
+        </p:txBody>
+      </p:sp>
+      <p:sp>
+        <p:nvSpPr>
+          <p:cNvPr id="226" name="Google Shape;226;p28"/>
+          <p:cNvSpPr txBox="1"/>
+          <p:nvPr/>
+        </p:nvSpPr>
+        <p:spPr>
+          <a:xfrm>
+            <a:off x="55075" y="1816375"/>
+            <a:ext cx="4451400" cy="664800"/>
+          </a:xfrm>
+          <a:prstGeom prst="rect">
+            <a:avLst/>
+          </a:prstGeom>
+          <a:solidFill>
+            <a:srgbClr val="FFF2CC"/>
+          </a:solidFill>
+          <a:ln w="9525" cap="flat" cmpd="sng">
+            <a:solidFill>
+              <a:srgbClr val="FF0000"/>
+            </a:solidFill>
+            <a:prstDash val="solid"/>
+            <a:round/>
+            <a:headEnd type="none" w="sm" len="sm"/>
+            <a:tailEnd type="none" w="sm" len="sm"/>
+          </a:ln>
+        </p:spPr>
+        <p:txBody>
+          <a:bodyPr spcFirstLastPara="1" wrap="square" lIns="9125" tIns="9125" rIns="9125" bIns="9125" anchor="t" anchorCtr="0">
+            <a:spAutoFit/>
+          </a:bodyPr>
+          <a:lstStyle/>
+          <a:p>
+            <a:pPr marL="171450" marR="0" lvl="0" indent="-114300" algn="l" rtl="0">
+              <a:lnSpc>
+                <a:spcPct val="100000"/>
+              </a:lnSpc>
+              <a:spcBef>
+                <a:spcPts val="0"/>
+              </a:spcBef>
+              <a:spcAft>
+                <a:spcPts val="0"/>
+              </a:spcAft>
+              <a:buClr>
+                <a:srgbClr val="FF0000"/>
+              </a:buClr>
+              <a:buSzPts val="900"/>
+              <a:buFont typeface="Calibri"/>
+              <a:buChar char="●"/>
+            </a:pPr>
+            <a:r>
+              <a:rPr lang="en" sz="1200" b="1">
+                <a:solidFill>
+                  <a:srgbClr val="FF0000"/>
+                </a:solidFill>
+                <a:latin typeface="Calibri"/>
+                <a:ea typeface="Calibri"/>
+                <a:cs typeface="Calibri"/>
+                <a:sym typeface="Calibri"/>
+              </a:rPr>
+              <a:t>Kimi vs Claude Coding</a:t>
+            </a:r>
+            <a:endParaRPr sz="1200" b="1">
+              <a:solidFill>
+                <a:srgbClr val="FF0000"/>
+              </a:solidFill>
+              <a:latin typeface="Calibri"/>
+              <a:ea typeface="Calibri"/>
+              <a:cs typeface="Calibri"/>
+              <a:sym typeface="Calibri"/>
+            </a:endParaRPr>
+          </a:p>
+          <a:p>
+            <a:pPr marL="171450" marR="0" lvl="0" indent="-133350" algn="l" rtl="0">
+              <a:lnSpc>
+                <a:spcPct val="100000"/>
+              </a:lnSpc>
+              <a:spcBef>
+                <a:spcPts val="0"/>
+              </a:spcBef>
+              <a:spcAft>
+                <a:spcPts val="0"/>
+              </a:spcAft>
+              <a:buClr>
+                <a:schemeClr val="dk1"/>
+              </a:buClr>
+              <a:buSzPts val="1200"/>
+              <a:buFont typeface="Calibri"/>
+              <a:buChar char="●"/>
+            </a:pPr>
+            <a:r>
+              <a:rPr lang="en" sz="1200">
+                <a:solidFill>
+                  <a:schemeClr val="dk1"/>
+                </a:solidFill>
+                <a:latin typeface="Calibri"/>
+                <a:ea typeface="Calibri"/>
+                <a:cs typeface="Calibri"/>
+                <a:sym typeface="Calibri"/>
+              </a:rPr>
+              <a:t>Result - equal, but Kimi is x2 slower</a:t>
+            </a:r>
+            <a:endParaRPr sz="1200">
+              <a:solidFill>
+                <a:schemeClr val="dk1"/>
+              </a:solidFill>
+              <a:latin typeface="Calibri"/>
+              <a:ea typeface="Calibri"/>
+              <a:cs typeface="Calibri"/>
+              <a:sym typeface="Calibri"/>
+            </a:endParaRPr>
+          </a:p>
+          <a:p>
+            <a:pPr marL="171450" marR="0" lvl="0" indent="-95250" algn="l" rtl="0">
+              <a:lnSpc>
+                <a:spcPct val="100000"/>
+              </a:lnSpc>
+              <a:spcBef>
+                <a:spcPts val="0"/>
+              </a:spcBef>
+              <a:spcAft>
+                <a:spcPts val="0"/>
+              </a:spcAft>
+              <a:buClr>
+                <a:schemeClr val="dk1"/>
+              </a:buClr>
+              <a:buSzPts val="600"/>
+              <a:buFont typeface="Calibri"/>
+              <a:buChar char="●"/>
+            </a:pPr>
+            <a:r>
+              <a:rPr lang="en" sz="900" u="sng">
+                <a:solidFill>
+                  <a:schemeClr val="hlink"/>
+                </a:solidFill>
+                <a:latin typeface="Calibri"/>
+                <a:ea typeface="Calibri"/>
+                <a:cs typeface="Calibri"/>
+                <a:sym typeface="Calibri"/>
+                <a:hlinkClick r:id="rId3"/>
+              </a:rPr>
+              <a:t>https://generativeai.pub/i-tested-kimi-vs-claude-coding-and-discovered-why-the-hype-8bd7e3071f36</a:t>
+            </a:r>
+            <a:r>
+              <a:rPr lang="en" sz="900">
+                <a:solidFill>
+                  <a:schemeClr val="dk1"/>
+                </a:solidFill>
+                <a:latin typeface="Calibri"/>
+                <a:ea typeface="Calibri"/>
+                <a:cs typeface="Calibri"/>
+                <a:sym typeface="Calibri"/>
+              </a:rPr>
+              <a:t> </a:t>
+            </a:r>
+            <a:endParaRPr sz="600">
+              <a:solidFill>
+                <a:schemeClr val="dk1"/>
+              </a:solidFill>
+              <a:latin typeface="Calibri"/>
+              <a:ea typeface="Calibri"/>
+              <a:cs typeface="Calibri"/>
+              <a:sym typeface="Calibri"/>
+            </a:endParaRPr>
+          </a:p>
+        </p:txBody>
+      </p:sp>
+      <p:sp>
+        <p:nvSpPr>
+          <p:cNvPr id="227" name="Google Shape;227;p28"/>
+          <p:cNvSpPr txBox="1"/>
+          <p:nvPr/>
+        </p:nvSpPr>
+        <p:spPr>
+          <a:xfrm>
+            <a:off x="55075" y="2609700"/>
+            <a:ext cx="4451400" cy="664800"/>
+          </a:xfrm>
+          <a:prstGeom prst="rect">
+            <a:avLst/>
+          </a:prstGeom>
+          <a:solidFill>
+            <a:srgbClr val="FFF2CC"/>
+          </a:solidFill>
+          <a:ln w="9525" cap="flat" cmpd="sng">
+            <a:solidFill>
+              <a:srgbClr val="FF0000"/>
+            </a:solidFill>
+            <a:prstDash val="solid"/>
+            <a:round/>
+            <a:headEnd type="none" w="sm" len="sm"/>
+            <a:tailEnd type="none" w="sm" len="sm"/>
+          </a:ln>
+        </p:spPr>
+        <p:txBody>
+          <a:bodyPr spcFirstLastPara="1" wrap="square" lIns="9125" tIns="9125" rIns="9125" bIns="9125" anchor="t" anchorCtr="0">
+            <a:spAutoFit/>
+          </a:bodyPr>
+          <a:lstStyle/>
+          <a:p>
+            <a:pPr marL="171450" marR="0" lvl="0" indent="-133350" algn="l" rtl="0">
+              <a:lnSpc>
+                <a:spcPct val="100000"/>
+              </a:lnSpc>
+              <a:spcBef>
+                <a:spcPts val="0"/>
+              </a:spcBef>
+              <a:spcAft>
+                <a:spcPts val="0"/>
+              </a:spcAft>
+              <a:buClr>
+                <a:srgbClr val="FF0000"/>
+              </a:buClr>
+              <a:buSzPts val="1200"/>
+              <a:buFont typeface="Calibri"/>
+              <a:buChar char="●"/>
+            </a:pPr>
+            <a:r>
+              <a:rPr lang="en" sz="1200" b="1">
+                <a:solidFill>
+                  <a:srgbClr val="FF0000"/>
+                </a:solidFill>
+                <a:latin typeface="Calibri"/>
+                <a:ea typeface="Calibri"/>
+                <a:cs typeface="Calibri"/>
+                <a:sym typeface="Calibri"/>
+              </a:rPr>
+              <a:t>Google Mixture-of-Recursions Architecture</a:t>
+            </a:r>
+            <a:endParaRPr sz="1200" b="1">
+              <a:solidFill>
+                <a:srgbClr val="FF0000"/>
+              </a:solidFill>
+              <a:latin typeface="Calibri"/>
+              <a:ea typeface="Calibri"/>
+              <a:cs typeface="Calibri"/>
+              <a:sym typeface="Calibri"/>
+            </a:endParaRPr>
+          </a:p>
+          <a:p>
+            <a:pPr marL="171450" marR="0" lvl="0" indent="-133350" algn="l" rtl="0">
+              <a:lnSpc>
+                <a:spcPct val="100000"/>
+              </a:lnSpc>
+              <a:spcBef>
+                <a:spcPts val="0"/>
+              </a:spcBef>
+              <a:spcAft>
+                <a:spcPts val="0"/>
+              </a:spcAft>
+              <a:buClr>
+                <a:schemeClr val="dk1"/>
+              </a:buClr>
+              <a:buSzPts val="1200"/>
+              <a:buFont typeface="Calibri"/>
+              <a:buChar char="●"/>
+            </a:pPr>
+            <a:r>
+              <a:rPr lang="en" sz="1200">
+                <a:solidFill>
+                  <a:schemeClr val="dk1"/>
+                </a:solidFill>
+                <a:latin typeface="Calibri"/>
+                <a:ea typeface="Calibri"/>
+                <a:cs typeface="Calibri"/>
+                <a:sym typeface="Calibri"/>
+              </a:rPr>
+              <a:t>xxx</a:t>
+            </a:r>
+            <a:endParaRPr sz="1200">
+              <a:solidFill>
+                <a:schemeClr val="dk1"/>
+              </a:solidFill>
+              <a:latin typeface="Calibri"/>
+              <a:ea typeface="Calibri"/>
+              <a:cs typeface="Calibri"/>
+              <a:sym typeface="Calibri"/>
+            </a:endParaRPr>
+          </a:p>
+          <a:p>
+            <a:pPr marL="171450" marR="0" lvl="0" indent="-114300" algn="l" rtl="0">
+              <a:lnSpc>
+                <a:spcPct val="100000"/>
+              </a:lnSpc>
+              <a:spcBef>
+                <a:spcPts val="0"/>
+              </a:spcBef>
+              <a:spcAft>
+                <a:spcPts val="0"/>
+              </a:spcAft>
+              <a:buClr>
+                <a:schemeClr val="dk1"/>
+              </a:buClr>
+              <a:buSzPts val="900"/>
+              <a:buFont typeface="Calibri"/>
+              <a:buChar char="●"/>
+            </a:pPr>
+            <a:r>
+              <a:rPr lang="en" sz="900" u="sng">
+                <a:solidFill>
+                  <a:schemeClr val="hlink"/>
+                </a:solidFill>
+                <a:latin typeface="Calibri"/>
+                <a:ea typeface="Calibri"/>
+                <a:cs typeface="Calibri"/>
+                <a:sym typeface="Calibri"/>
+                <a:hlinkClick r:id="rId4"/>
+              </a:rPr>
+              <a:t>https://ninza7.medium.com/google-deepmind-just-dropped-a-transformers-killer-architecture-c6c1d9288922</a:t>
+            </a:r>
+            <a:endParaRPr sz="300">
+              <a:solidFill>
+                <a:schemeClr val="dk1"/>
+              </a:solidFill>
+              <a:latin typeface="Calibri"/>
+              <a:ea typeface="Calibri"/>
+              <a:cs typeface="Calibri"/>
+              <a:sym typeface="Calibri"/>
+            </a:endParaRPr>
+          </a:p>
+        </p:txBody>
+      </p:sp>
+    </p:spTree>
+  </p:cSld>
+  <p:clrMapOvr>
+    <a:masterClrMapping/>
+  </p:clrMapOvr>
+</p:sld>
+</file>
+
+<file path=ppt/slides/slide15.xml><?xml version="1.0" encoding="utf-8"?>
+<p:sld xmlns:a="http://schemas.openxmlformats.org/drawingml/2006/main" xmlns:r="http://schemas.openxmlformats.org/officeDocument/2006/relationships" xmlns:p="http://schemas.openxmlformats.org/presentationml/2006/main">
+  <p:cSld>
+    <p:spTree>
+      <p:nvGrpSpPr>
+        <p:cNvPr id="1" name="Shape 231"/>
+        <p:cNvGrpSpPr/>
+        <p:nvPr/>
+      </p:nvGrpSpPr>
+      <p:grpSpPr>
+        <a:xfrm>
+          <a:off x="0" y="0"/>
+          <a:ext cx="0" cy="0"/>
+          <a:chOff x="0" y="0"/>
+          <a:chExt cx="0" cy="0"/>
+        </a:xfrm>
+      </p:grpSpPr>
+      <p:sp>
+        <p:nvSpPr>
+          <p:cNvPr id="232" name="Google Shape;232;p29"/>
+          <p:cNvSpPr txBox="1"/>
+          <p:nvPr/>
+        </p:nvSpPr>
+        <p:spPr>
+          <a:xfrm>
+            <a:off x="55075" y="-9225"/>
+            <a:ext cx="4451400" cy="326400"/>
+          </a:xfrm>
+          <a:prstGeom prst="rect">
+            <a:avLst/>
+          </a:prstGeom>
+          <a:noFill/>
+          <a:ln>
+            <a:noFill/>
+          </a:ln>
+        </p:spPr>
+        <p:txBody>
+          <a:bodyPr spcFirstLastPara="1" wrap="square" lIns="9125" tIns="9125" rIns="9125" bIns="9125" anchor="t" anchorCtr="0">
+            <a:spAutoFit/>
+          </a:bodyPr>
+          <a:lstStyle/>
+          <a:p>
+            <a:pPr marL="0" marR="0" lvl="0" indent="0" algn="l" rtl="0">
+              <a:lnSpc>
+                <a:spcPct val="100000"/>
+              </a:lnSpc>
+              <a:spcBef>
+                <a:spcPts val="0"/>
+              </a:spcBef>
+              <a:spcAft>
+                <a:spcPts val="0"/>
+              </a:spcAft>
+              <a:buClr>
+                <a:schemeClr val="dk1"/>
+              </a:buClr>
+              <a:buSzPts val="1100"/>
+              <a:buFont typeface="Arial"/>
+              <a:buNone/>
+            </a:pPr>
+            <a:r>
+              <a:rPr lang="en" sz="2000" b="1">
+                <a:solidFill>
+                  <a:schemeClr val="dk1"/>
+                </a:solidFill>
+                <a:latin typeface="Calibri"/>
+                <a:ea typeface="Calibri"/>
+                <a:cs typeface="Calibri"/>
+                <a:sym typeface="Calibri"/>
+              </a:rPr>
               <a:t>Linkedin Northguard replaces Kafka</a:t>
             </a:r>
             <a:endParaRPr sz="2000" b="1" i="0" u="none" strike="noStrike" cap="none">
@@ -17479,7 +18777,7 @@
       </p:sp>
       <p:sp>
         <p:nvSpPr>
-          <p:cNvPr id="223" name="Google Shape;223;p28"/>
+          <p:cNvPr id="233" name="Google Shape;233;p29"/>
           <p:cNvSpPr txBox="1"/>
           <p:nvPr/>
         </p:nvSpPr>
@@ -17722,7 +19020,7 @@
       </p:sp>
       <p:graphicFrame>
         <p:nvGraphicFramePr>
-          <p:cNvPr id="224" name="Google Shape;224;p28"/>
+          <p:cNvPr id="234" name="Google Shape;234;p29"/>
           <p:cNvGraphicFramePr/>
           <p:nvPr/>
         </p:nvGraphicFramePr>
@@ -17735,7 +19033,7 @@
             <a:tbl>
               <a:tblPr>
                 <a:noFill/>
-                <a:tableStyleId>{89F6DF50-41A2-4E5E-B0EF-A77B621CC6F2}</a:tableStyleId>
+                <a:tableStyleId>{21AA07E1-D746-4185-A9FE-914EF44093E5}</a:tableStyleId>
               </a:tblPr>
               <a:tblGrid>
                 <a:gridCol w="1325850">
@@ -19936,7 +21234,7 @@
       </p:graphicFrame>
       <p:pic>
         <p:nvPicPr>
-          <p:cNvPr id="225" name="Google Shape;225;p28"/>
+          <p:cNvPr id="235" name="Google Shape;235;p29"/>
           <p:cNvPicPr preferRelativeResize="0"/>
           <p:nvPr/>
         </p:nvPicPr>
@@ -19969,7 +21267,7 @@
       </p:pic>
       <p:pic>
         <p:nvPicPr>
-          <p:cNvPr id="226" name="Google Shape;226;p28"/>
+          <p:cNvPr id="236" name="Google Shape;236;p29"/>
           <p:cNvPicPr preferRelativeResize="0"/>
           <p:nvPr/>
         </p:nvPicPr>
@@ -20002,7 +21300,7 @@
       </p:pic>
       <p:pic>
         <p:nvPicPr>
-          <p:cNvPr id="227" name="Google Shape;227;p28"/>
+          <p:cNvPr id="237" name="Google Shape;237;p29"/>
           <p:cNvPicPr preferRelativeResize="0"/>
           <p:nvPr/>
         </p:nvPicPr>
@@ -20040,12 +21338,12 @@
 </p:sld>
 </file>
 
-<file path=ppt/slides/slide15.xml><?xml version="1.0" encoding="utf-8"?>
+<file path=ppt/slides/slide16.xml><?xml version="1.0" encoding="utf-8"?>
 <p:sld xmlns:a="http://schemas.openxmlformats.org/drawingml/2006/main" xmlns:r="http://schemas.openxmlformats.org/officeDocument/2006/relationships" xmlns:p="http://schemas.openxmlformats.org/presentationml/2006/main">
   <p:cSld>
     <p:spTree>
       <p:nvGrpSpPr>
-        <p:cNvPr id="1" name="Shape 231"/>
+        <p:cNvPr id="1" name="Shape 241"/>
         <p:cNvGrpSpPr/>
         <p:nvPr/>
       </p:nvGrpSpPr>
@@ -20059,7 +21357,7 @@
       </p:grpSpPr>
       <p:sp>
         <p:nvSpPr>
-          <p:cNvPr id="232" name="Google Shape;232;p29"/>
+          <p:cNvPr id="242" name="Google Shape;242;p30"/>
           <p:cNvSpPr txBox="1"/>
           <p:nvPr/>
         </p:nvSpPr>
@@ -20125,7 +21423,7 @@
       </p:sp>
       <p:sp>
         <p:nvSpPr>
-          <p:cNvPr id="233" name="Google Shape;233;p29"/>
+          <p:cNvPr id="243" name="Google Shape;243;p30"/>
           <p:cNvSpPr txBox="1"/>
           <p:nvPr/>
         </p:nvSpPr>
@@ -20687,12 +21985,12 @@
 </p:sld>
 </file>
 
-<file path=ppt/slides/slide16.xml><?xml version="1.0" encoding="utf-8"?>
+<file path=ppt/slides/slide17.xml><?xml version="1.0" encoding="utf-8"?>
 <p:sld xmlns:a="http://schemas.openxmlformats.org/drawingml/2006/main" xmlns:r="http://schemas.openxmlformats.org/officeDocument/2006/relationships" xmlns:p="http://schemas.openxmlformats.org/presentationml/2006/main">
   <p:cSld>
     <p:spTree>
       <p:nvGrpSpPr>
-        <p:cNvPr id="1" name="Shape 237"/>
+        <p:cNvPr id="1" name="Shape 247"/>
         <p:cNvGrpSpPr/>
         <p:nvPr/>
       </p:nvGrpSpPr>
@@ -20706,7 +22004,7 @@
       </p:grpSpPr>
       <p:sp>
         <p:nvSpPr>
-          <p:cNvPr id="238" name="Google Shape;238;p30"/>
+          <p:cNvPr id="248" name="Google Shape;248;p31"/>
           <p:cNvSpPr txBox="1"/>
           <p:nvPr/>
         </p:nvSpPr>
@@ -20772,7 +22070,7 @@
       </p:sp>
       <p:sp>
         <p:nvSpPr>
-          <p:cNvPr id="239" name="Google Shape;239;p30"/>
+          <p:cNvPr id="249" name="Google Shape;249;p31"/>
           <p:cNvSpPr txBox="1"/>
           <p:nvPr/>
         </p:nvSpPr>
@@ -21338,12 +22636,12 @@
 </p:sld>
 </file>
 
-<file path=ppt/slides/slide17.xml><?xml version="1.0" encoding="utf-8"?>
+<file path=ppt/slides/slide18.xml><?xml version="1.0" encoding="utf-8"?>
 <p:sld xmlns:a="http://schemas.openxmlformats.org/drawingml/2006/main" xmlns:r="http://schemas.openxmlformats.org/officeDocument/2006/relationships" xmlns:p="http://schemas.openxmlformats.org/presentationml/2006/main">
   <p:cSld>
     <p:spTree>
       <p:nvGrpSpPr>
-        <p:cNvPr id="1" name="Shape 243"/>
+        <p:cNvPr id="1" name="Shape 253"/>
         <p:cNvGrpSpPr/>
         <p:nvPr/>
       </p:nvGrpSpPr>
@@ -21357,7 +22655,7 @@
       </p:grpSpPr>
       <p:sp>
         <p:nvSpPr>
-          <p:cNvPr id="244" name="Google Shape;244;p31"/>
+          <p:cNvPr id="254" name="Google Shape;254;p32"/>
           <p:cNvSpPr txBox="1"/>
           <p:nvPr/>
         </p:nvSpPr>
@@ -21423,7 +22721,7 @@
       </p:sp>
       <p:sp>
         <p:nvSpPr>
-          <p:cNvPr id="245" name="Google Shape;245;p31"/>
+          <p:cNvPr id="255" name="Google Shape;255;p32"/>
           <p:cNvSpPr txBox="1"/>
           <p:nvPr/>
         </p:nvSpPr>
@@ -21551,7 +22849,7 @@
       </p:sp>
       <p:sp>
         <p:nvSpPr>
-          <p:cNvPr id="246" name="Google Shape;246;p31"/>
+          <p:cNvPr id="256" name="Google Shape;256;p32"/>
           <p:cNvSpPr txBox="1"/>
           <p:nvPr/>
         </p:nvSpPr>
@@ -21714,7 +23012,7 @@
       </p:sp>
       <p:pic>
         <p:nvPicPr>
-          <p:cNvPr id="247" name="Google Shape;247;p31"/>
+          <p:cNvPr id="257" name="Google Shape;257;p32"/>
           <p:cNvPicPr preferRelativeResize="0"/>
           <p:nvPr/>
         </p:nvPicPr>
@@ -21753,7 +23051,7 @@
       </p:pic>
       <p:pic>
         <p:nvPicPr>
-          <p:cNvPr id="248" name="Google Shape;248;p31"/>
+          <p:cNvPr id="258" name="Google Shape;258;p32"/>
           <p:cNvPicPr preferRelativeResize="0"/>
           <p:nvPr/>
         </p:nvPicPr>
@@ -21792,7 +23090,7 @@
       </p:pic>
       <p:sp>
         <p:nvSpPr>
-          <p:cNvPr id="249" name="Google Shape;249;p31"/>
+          <p:cNvPr id="259" name="Google Shape;259;p32"/>
           <p:cNvSpPr txBox="1"/>
           <p:nvPr/>
         </p:nvSpPr>
@@ -22122,736 +23420,6 @@
               <a:t>Expect Short-term Pain Before Long-term Abundance</a:t>
             </a:r>
             <a:endParaRPr sz="1200">
-              <a:latin typeface="Calibri"/>
-              <a:ea typeface="Calibri"/>
-              <a:cs typeface="Calibri"/>
-              <a:sym typeface="Calibri"/>
-            </a:endParaRPr>
-          </a:p>
-        </p:txBody>
-      </p:sp>
-    </p:spTree>
-  </p:cSld>
-  <p:clrMapOvr>
-    <a:masterClrMapping/>
-  </p:clrMapOvr>
-</p:sld>
-</file>
-
-<file path=ppt/slides/slide18.xml><?xml version="1.0" encoding="utf-8"?>
-<p:sld xmlns:a="http://schemas.openxmlformats.org/drawingml/2006/main" xmlns:r="http://schemas.openxmlformats.org/officeDocument/2006/relationships" xmlns:p="http://schemas.openxmlformats.org/presentationml/2006/main">
-  <p:cSld>
-    <p:spTree>
-      <p:nvGrpSpPr>
-        <p:cNvPr id="1" name="Shape 253"/>
-        <p:cNvGrpSpPr/>
-        <p:nvPr/>
-      </p:nvGrpSpPr>
-      <p:grpSpPr>
-        <a:xfrm>
-          <a:off x="0" y="0"/>
-          <a:ext cx="0" cy="0"/>
-          <a:chOff x="0" y="0"/>
-          <a:chExt cx="0" cy="0"/>
-        </a:xfrm>
-      </p:grpSpPr>
-      <p:pic>
-        <p:nvPicPr>
-          <p:cNvPr id="254" name="Google Shape;254;p32"/>
-          <p:cNvPicPr preferRelativeResize="0"/>
-          <p:nvPr/>
-        </p:nvPicPr>
-        <p:blipFill rotWithShape="1">
-          <a:blip r:embed="rId3" cstate="email">
-            <a:alphaModFix/>
-            <a:extLst>
-              <a:ext uri="{28A0092B-C50C-407E-A947-70E740481C1C}">
-                <a14:useLocalDpi xmlns:a14="http://schemas.microsoft.com/office/drawing/2010/main"/>
-              </a:ext>
-            </a:extLst>
-          </a:blip>
-          <a:srcRect/>
-          <a:stretch/>
-        </p:blipFill>
-        <p:spPr>
-          <a:xfrm>
-            <a:off x="605238" y="1203525"/>
-            <a:ext cx="1570556" cy="1570556"/>
-          </a:xfrm>
-          <a:prstGeom prst="rect">
-            <a:avLst/>
-          </a:prstGeom>
-          <a:noFill/>
-          <a:ln>
-            <a:noFill/>
-          </a:ln>
-        </p:spPr>
-      </p:pic>
-      <p:sp>
-        <p:nvSpPr>
-          <p:cNvPr id="255" name="Google Shape;255;p32"/>
-          <p:cNvSpPr txBox="1"/>
-          <p:nvPr/>
-        </p:nvSpPr>
-        <p:spPr>
-          <a:xfrm>
-            <a:off x="-25625" y="-14775"/>
-            <a:ext cx="3355800" cy="569400"/>
-          </a:xfrm>
-          <a:prstGeom prst="rect">
-            <a:avLst/>
-          </a:prstGeom>
-          <a:noFill/>
-          <a:ln>
-            <a:noFill/>
-          </a:ln>
-        </p:spPr>
-        <p:txBody>
-          <a:bodyPr spcFirstLastPara="1" wrap="square" lIns="91425" tIns="91425" rIns="91425" bIns="91425" anchor="t" anchorCtr="0">
-            <a:spAutoFit/>
-          </a:bodyPr>
-          <a:lstStyle/>
-          <a:p>
-            <a:pPr marL="0" marR="0" lvl="0" indent="0" algn="l" rtl="0">
-              <a:lnSpc>
-                <a:spcPct val="100000"/>
-              </a:lnSpc>
-              <a:spcBef>
-                <a:spcPts val="0"/>
-              </a:spcBef>
-              <a:spcAft>
-                <a:spcPts val="0"/>
-              </a:spcAft>
-              <a:buClr>
-                <a:srgbClr val="000000"/>
-              </a:buClr>
-              <a:buSzPts val="2500"/>
-              <a:buFont typeface="Arial"/>
-              <a:buNone/>
-            </a:pPr>
-            <a:r>
-              <a:rPr lang="en" sz="2500" b="1" i="0" u="none" strike="noStrike" cap="none">
-                <a:solidFill>
-                  <a:srgbClr val="000000"/>
-                </a:solidFill>
-                <a:latin typeface="Calibri"/>
-                <a:ea typeface="Calibri"/>
-                <a:cs typeface="Calibri"/>
-                <a:sym typeface="Calibri"/>
-              </a:rPr>
-              <a:t>About the Speaker</a:t>
-            </a:r>
-            <a:endParaRPr sz="2500" b="1" i="0" u="none" strike="noStrike" cap="none">
-              <a:solidFill>
-                <a:srgbClr val="000000"/>
-              </a:solidFill>
-              <a:latin typeface="Calibri"/>
-              <a:ea typeface="Calibri"/>
-              <a:cs typeface="Calibri"/>
-              <a:sym typeface="Calibri"/>
-            </a:endParaRPr>
-          </a:p>
-        </p:txBody>
-      </p:sp>
-      <p:sp>
-        <p:nvSpPr>
-          <p:cNvPr id="256" name="Google Shape;256;p32"/>
-          <p:cNvSpPr txBox="1"/>
-          <p:nvPr/>
-        </p:nvSpPr>
-        <p:spPr>
-          <a:xfrm>
-            <a:off x="3330175" y="878750"/>
-            <a:ext cx="5621700" cy="3309300"/>
-          </a:xfrm>
-          <a:prstGeom prst="rect">
-            <a:avLst/>
-          </a:prstGeom>
-          <a:noFill/>
-          <a:ln>
-            <a:noFill/>
-          </a:ln>
-        </p:spPr>
-        <p:txBody>
-          <a:bodyPr spcFirstLastPara="1" wrap="square" lIns="91425" tIns="91425" rIns="91425" bIns="91425" anchor="t" anchorCtr="0">
-            <a:spAutoFit/>
-          </a:bodyPr>
-          <a:lstStyle/>
-          <a:p>
-            <a:pPr marL="0" marR="0" lvl="0" indent="0" algn="l" rtl="0">
-              <a:lnSpc>
-                <a:spcPct val="100000"/>
-              </a:lnSpc>
-              <a:spcBef>
-                <a:spcPts val="0"/>
-              </a:spcBef>
-              <a:spcAft>
-                <a:spcPts val="0"/>
-              </a:spcAft>
-              <a:buClr>
-                <a:schemeClr val="dk1"/>
-              </a:buClr>
-              <a:buSzPts val="1100"/>
-              <a:buFont typeface="Arial"/>
-              <a:buNone/>
-            </a:pPr>
-            <a:r>
-              <a:rPr lang="en" sz="2500" b="1" i="0" u="none" strike="noStrike" cap="none">
-                <a:solidFill>
-                  <a:srgbClr val="000000"/>
-                </a:solidFill>
-                <a:latin typeface="Calibri"/>
-                <a:ea typeface="Calibri"/>
-                <a:cs typeface="Calibri"/>
-                <a:sym typeface="Calibri"/>
-              </a:rPr>
-              <a:t>Lev Selector, Ph.D.</a:t>
-            </a:r>
-            <a:endParaRPr sz="2500" b="1" i="0" u="none" strike="noStrike" cap="none">
-              <a:solidFill>
-                <a:srgbClr val="000000"/>
-              </a:solidFill>
-              <a:latin typeface="Calibri"/>
-              <a:ea typeface="Calibri"/>
-              <a:cs typeface="Calibri"/>
-              <a:sym typeface="Calibri"/>
-            </a:endParaRPr>
-          </a:p>
-          <a:p>
-            <a:pPr marL="0" marR="0" lvl="0" indent="0" algn="l" rtl="0">
-              <a:lnSpc>
-                <a:spcPct val="100000"/>
-              </a:lnSpc>
-              <a:spcBef>
-                <a:spcPts val="0"/>
-              </a:spcBef>
-              <a:spcAft>
-                <a:spcPts val="0"/>
-              </a:spcAft>
-              <a:buClr>
-                <a:schemeClr val="dk1"/>
-              </a:buClr>
-              <a:buSzPts val="1100"/>
-              <a:buFont typeface="Arial"/>
-              <a:buNone/>
-            </a:pPr>
-            <a:endParaRPr sz="1800" b="0" i="0" u="none" strike="noStrike" cap="none">
-              <a:solidFill>
-                <a:srgbClr val="000000"/>
-              </a:solidFill>
-              <a:latin typeface="Calibri"/>
-              <a:ea typeface="Calibri"/>
-              <a:cs typeface="Calibri"/>
-              <a:sym typeface="Calibri"/>
-            </a:endParaRPr>
-          </a:p>
-          <a:p>
-            <a:pPr marL="457200" marR="0" lvl="0" indent="-330200" algn="l" rtl="0">
-              <a:lnSpc>
-                <a:spcPct val="100000"/>
-              </a:lnSpc>
-              <a:spcBef>
-                <a:spcPts val="0"/>
-              </a:spcBef>
-              <a:spcAft>
-                <a:spcPts val="0"/>
-              </a:spcAft>
-              <a:buClr>
-                <a:srgbClr val="000000"/>
-              </a:buClr>
-              <a:buSzPts val="1600"/>
-              <a:buFont typeface="Calibri"/>
-              <a:buChar char="●"/>
-            </a:pPr>
-            <a:r>
-              <a:rPr lang="en" sz="1600" b="0" i="0" u="none" strike="noStrike" cap="none">
-                <a:solidFill>
-                  <a:schemeClr val="dk1"/>
-                </a:solidFill>
-                <a:latin typeface="Calibri"/>
-                <a:ea typeface="Calibri"/>
-                <a:cs typeface="Calibri"/>
-                <a:sym typeface="Calibri"/>
-              </a:rPr>
-              <a:t>40+ years of software engineering, data science, and building teams (hiring, training, and managing)</a:t>
-            </a:r>
-            <a:endParaRPr sz="1600" b="0" i="0" u="none" strike="noStrike" cap="none">
-              <a:solidFill>
-                <a:schemeClr val="dk1"/>
-              </a:solidFill>
-              <a:latin typeface="Calibri"/>
-              <a:ea typeface="Calibri"/>
-              <a:cs typeface="Calibri"/>
-              <a:sym typeface="Calibri"/>
-            </a:endParaRPr>
-          </a:p>
-          <a:p>
-            <a:pPr marL="457200" marR="0" lvl="0" indent="-330200" algn="l" rtl="0">
-              <a:lnSpc>
-                <a:spcPct val="100000"/>
-              </a:lnSpc>
-              <a:spcBef>
-                <a:spcPts val="0"/>
-              </a:spcBef>
-              <a:spcAft>
-                <a:spcPts val="0"/>
-              </a:spcAft>
-              <a:buClr>
-                <a:srgbClr val="000000"/>
-              </a:buClr>
-              <a:buSzPts val="1600"/>
-              <a:buFont typeface="Calibri"/>
-              <a:buChar char="●"/>
-            </a:pPr>
-            <a:r>
-              <a:rPr lang="en" sz="1600" b="0" i="0" u="none" strike="noStrike" cap="none">
-                <a:solidFill>
-                  <a:schemeClr val="dk1"/>
-                </a:solidFill>
-                <a:latin typeface="Calibri"/>
-                <a:ea typeface="Calibri"/>
-                <a:cs typeface="Calibri"/>
-                <a:sym typeface="Calibri"/>
-              </a:rPr>
-              <a:t>Ph.D. in mathematical modeling and computer simulations</a:t>
-            </a:r>
-            <a:endParaRPr sz="1600" b="0" i="0" u="none" strike="noStrike" cap="none">
-              <a:solidFill>
-                <a:srgbClr val="000000"/>
-              </a:solidFill>
-              <a:latin typeface="Calibri"/>
-              <a:ea typeface="Calibri"/>
-              <a:cs typeface="Calibri"/>
-              <a:sym typeface="Calibri"/>
-            </a:endParaRPr>
-          </a:p>
-          <a:p>
-            <a:pPr marL="0" marR="0" lvl="0" indent="0" algn="l" rtl="0">
-              <a:lnSpc>
-                <a:spcPct val="100000"/>
-              </a:lnSpc>
-              <a:spcBef>
-                <a:spcPts val="0"/>
-              </a:spcBef>
-              <a:spcAft>
-                <a:spcPts val="0"/>
-              </a:spcAft>
-              <a:buClr>
-                <a:schemeClr val="dk1"/>
-              </a:buClr>
-              <a:buSzPts val="1100"/>
-              <a:buFont typeface="Arial"/>
-              <a:buNone/>
-            </a:pPr>
-            <a:endParaRPr sz="1600" b="0" i="0" u="none" strike="noStrike" cap="none">
-              <a:solidFill>
-                <a:srgbClr val="000000"/>
-              </a:solidFill>
-              <a:latin typeface="Calibri"/>
-              <a:ea typeface="Calibri"/>
-              <a:cs typeface="Calibri"/>
-              <a:sym typeface="Calibri"/>
-            </a:endParaRPr>
-          </a:p>
-          <a:p>
-            <a:pPr marL="0" marR="0" lvl="0" indent="0" algn="l" rtl="0">
-              <a:lnSpc>
-                <a:spcPct val="100000"/>
-              </a:lnSpc>
-              <a:spcBef>
-                <a:spcPts val="0"/>
-              </a:spcBef>
-              <a:spcAft>
-                <a:spcPts val="0"/>
-              </a:spcAft>
-              <a:buClr>
-                <a:srgbClr val="000000"/>
-              </a:buClr>
-              <a:buSzPts val="1600"/>
-              <a:buFont typeface="Arial"/>
-              <a:buNone/>
-            </a:pPr>
-            <a:r>
-              <a:rPr lang="en" sz="1600" b="0" i="0" u="none" strike="noStrike" cap="none">
-                <a:solidFill>
-                  <a:srgbClr val="000000"/>
-                </a:solidFill>
-                <a:latin typeface="Calibri"/>
-                <a:ea typeface="Calibri"/>
-                <a:cs typeface="Calibri"/>
-                <a:sym typeface="Calibri"/>
-              </a:rPr>
-              <a:t>Interests: </a:t>
-            </a:r>
-            <a:endParaRPr sz="1600" b="0" i="0" u="none" strike="noStrike" cap="none">
-              <a:solidFill>
-                <a:srgbClr val="000000"/>
-              </a:solidFill>
-              <a:latin typeface="Calibri"/>
-              <a:ea typeface="Calibri"/>
-              <a:cs typeface="Calibri"/>
-              <a:sym typeface="Calibri"/>
-            </a:endParaRPr>
-          </a:p>
-          <a:p>
-            <a:pPr marL="457200" marR="0" lvl="0" indent="-330200" algn="l" rtl="0">
-              <a:lnSpc>
-                <a:spcPct val="100000"/>
-              </a:lnSpc>
-              <a:spcBef>
-                <a:spcPts val="0"/>
-              </a:spcBef>
-              <a:spcAft>
-                <a:spcPts val="0"/>
-              </a:spcAft>
-              <a:buClr>
-                <a:srgbClr val="000000"/>
-              </a:buClr>
-              <a:buSzPts val="1600"/>
-              <a:buFont typeface="Calibri"/>
-              <a:buChar char="●"/>
-            </a:pPr>
-            <a:r>
-              <a:rPr lang="en" sz="1600" b="0" i="0" u="none" strike="noStrike" cap="none">
-                <a:solidFill>
-                  <a:schemeClr val="dk1"/>
-                </a:solidFill>
-                <a:latin typeface="Calibri"/>
-                <a:ea typeface="Calibri"/>
-                <a:cs typeface="Calibri"/>
-                <a:sym typeface="Calibri"/>
-              </a:rPr>
-              <a:t>Generative AI, Using LLM with your data</a:t>
-            </a:r>
-            <a:endParaRPr sz="1600" b="0" i="0" u="none" strike="noStrike" cap="none">
-              <a:solidFill>
-                <a:schemeClr val="dk1"/>
-              </a:solidFill>
-              <a:latin typeface="Calibri"/>
-              <a:ea typeface="Calibri"/>
-              <a:cs typeface="Calibri"/>
-              <a:sym typeface="Calibri"/>
-            </a:endParaRPr>
-          </a:p>
-          <a:p>
-            <a:pPr marL="457200" marR="0" lvl="0" indent="-330200" algn="l" rtl="0">
-              <a:lnSpc>
-                <a:spcPct val="100000"/>
-              </a:lnSpc>
-              <a:spcBef>
-                <a:spcPts val="0"/>
-              </a:spcBef>
-              <a:spcAft>
-                <a:spcPts val="0"/>
-              </a:spcAft>
-              <a:buClr>
-                <a:schemeClr val="dk1"/>
-              </a:buClr>
-              <a:buSzPts val="1600"/>
-              <a:buFont typeface="Calibri"/>
-              <a:buChar char="●"/>
-            </a:pPr>
-            <a:r>
-              <a:rPr lang="en" sz="1600" b="0" i="0" u="none" strike="noStrike" cap="none">
-                <a:solidFill>
-                  <a:schemeClr val="dk1"/>
-                </a:solidFill>
-                <a:latin typeface="Calibri"/>
-                <a:ea typeface="Calibri"/>
-                <a:cs typeface="Calibri"/>
-                <a:sym typeface="Calibri"/>
-              </a:rPr>
-              <a:t>Local AI for Local Private Data</a:t>
-            </a:r>
-            <a:endParaRPr sz="1600" b="0" i="0" u="none" strike="noStrike" cap="none">
-              <a:solidFill>
-                <a:schemeClr val="dk1"/>
-              </a:solidFill>
-              <a:latin typeface="Calibri"/>
-              <a:ea typeface="Calibri"/>
-              <a:cs typeface="Calibri"/>
-              <a:sym typeface="Calibri"/>
-            </a:endParaRPr>
-          </a:p>
-          <a:p>
-            <a:pPr marL="457200" marR="0" lvl="0" indent="-330200" algn="l" rtl="0">
-              <a:lnSpc>
-                <a:spcPct val="100000"/>
-              </a:lnSpc>
-              <a:spcBef>
-                <a:spcPts val="0"/>
-              </a:spcBef>
-              <a:spcAft>
-                <a:spcPts val="0"/>
-              </a:spcAft>
-              <a:buClr>
-                <a:srgbClr val="000000"/>
-              </a:buClr>
-              <a:buSzPts val="1600"/>
-              <a:buFont typeface="Calibri"/>
-              <a:buChar char="●"/>
-            </a:pPr>
-            <a:r>
-              <a:rPr lang="en" sz="1600" b="0" i="0" u="none" strike="noStrike" cap="none">
-                <a:solidFill>
-                  <a:srgbClr val="000000"/>
-                </a:solidFill>
-                <a:latin typeface="Calibri"/>
-                <a:ea typeface="Calibri"/>
-                <a:cs typeface="Calibri"/>
-                <a:sym typeface="Calibri"/>
-              </a:rPr>
-              <a:t>Cloud architecture, fin-tech, application security</a:t>
-            </a:r>
-            <a:endParaRPr sz="1600" b="0" i="0" u="none" strike="noStrike" cap="none">
-              <a:solidFill>
-                <a:srgbClr val="000000"/>
-              </a:solidFill>
-              <a:latin typeface="Calibri"/>
-              <a:ea typeface="Calibri"/>
-              <a:cs typeface="Calibri"/>
-              <a:sym typeface="Calibri"/>
-            </a:endParaRPr>
-          </a:p>
-          <a:p>
-            <a:pPr marL="0" marR="0" lvl="0" indent="0" algn="l" rtl="0">
-              <a:lnSpc>
-                <a:spcPct val="100000"/>
-              </a:lnSpc>
-              <a:spcBef>
-                <a:spcPts val="0"/>
-              </a:spcBef>
-              <a:spcAft>
-                <a:spcPts val="0"/>
-              </a:spcAft>
-              <a:buClr>
-                <a:srgbClr val="000000"/>
-              </a:buClr>
-              <a:buSzPts val="1600"/>
-              <a:buFont typeface="Arial"/>
-              <a:buNone/>
-            </a:pPr>
-            <a:endParaRPr sz="1600" b="0" i="0" u="none" strike="noStrike" cap="none">
-              <a:solidFill>
-                <a:srgbClr val="000000"/>
-              </a:solidFill>
-              <a:latin typeface="Calibri"/>
-              <a:ea typeface="Calibri"/>
-              <a:cs typeface="Calibri"/>
-              <a:sym typeface="Calibri"/>
-            </a:endParaRPr>
-          </a:p>
-          <a:p>
-            <a:pPr marL="0" marR="0" lvl="0" indent="0" algn="l" rtl="0">
-              <a:lnSpc>
-                <a:spcPct val="100000"/>
-              </a:lnSpc>
-              <a:spcBef>
-                <a:spcPts val="0"/>
-              </a:spcBef>
-              <a:spcAft>
-                <a:spcPts val="0"/>
-              </a:spcAft>
-              <a:buClr>
-                <a:srgbClr val="000000"/>
-              </a:buClr>
-              <a:buSzPts val="1600"/>
-              <a:buFont typeface="Arial"/>
-              <a:buNone/>
-            </a:pPr>
-            <a:r>
-              <a:rPr lang="en" sz="1600" b="0" i="0" u="none" strike="noStrike" cap="none">
-                <a:solidFill>
-                  <a:srgbClr val="000000"/>
-                </a:solidFill>
-                <a:latin typeface="Calibri"/>
-                <a:ea typeface="Calibri"/>
-                <a:cs typeface="Calibri"/>
-                <a:sym typeface="Calibri"/>
-              </a:rPr>
-              <a:t>Find/connect: Linkedin, GitHub, YouTube, Google</a:t>
-            </a:r>
-            <a:endParaRPr sz="1600" b="0" i="0" u="none" strike="noStrike" cap="none">
-              <a:solidFill>
-                <a:srgbClr val="000000"/>
-              </a:solidFill>
-              <a:latin typeface="Calibri"/>
-              <a:ea typeface="Calibri"/>
-              <a:cs typeface="Calibri"/>
-              <a:sym typeface="Calibri"/>
-            </a:endParaRPr>
-          </a:p>
-        </p:txBody>
-      </p:sp>
-      <p:pic>
-        <p:nvPicPr>
-          <p:cNvPr id="257" name="Google Shape;257;p32"/>
-          <p:cNvPicPr preferRelativeResize="0"/>
-          <p:nvPr/>
-        </p:nvPicPr>
-        <p:blipFill rotWithShape="1">
-          <a:blip r:embed="rId4" cstate="email">
-            <a:alphaModFix/>
-            <a:extLst>
-              <a:ext uri="{28A0092B-C50C-407E-A947-70E740481C1C}">
-                <a14:useLocalDpi xmlns:a14="http://schemas.microsoft.com/office/drawing/2010/main"/>
-              </a:ext>
-            </a:extLst>
-          </a:blip>
-          <a:srcRect/>
-          <a:stretch/>
-        </p:blipFill>
-        <p:spPr>
-          <a:xfrm>
-            <a:off x="782341" y="3664175"/>
-            <a:ext cx="858450" cy="311906"/>
-          </a:xfrm>
-          <a:prstGeom prst="rect">
-            <a:avLst/>
-          </a:prstGeom>
-          <a:noFill/>
-          <a:ln>
-            <a:noFill/>
-          </a:ln>
-        </p:spPr>
-      </p:pic>
-      <p:sp>
-        <p:nvSpPr>
-          <p:cNvPr id="258" name="Google Shape;258;p32"/>
-          <p:cNvSpPr txBox="1"/>
-          <p:nvPr/>
-        </p:nvSpPr>
-        <p:spPr>
-          <a:xfrm>
-            <a:off x="683777" y="4005903"/>
-            <a:ext cx="1391400" cy="431100"/>
-          </a:xfrm>
-          <a:prstGeom prst="rect">
-            <a:avLst/>
-          </a:prstGeom>
-          <a:noFill/>
-          <a:ln>
-            <a:noFill/>
-          </a:ln>
-        </p:spPr>
-        <p:txBody>
-          <a:bodyPr spcFirstLastPara="1" wrap="square" lIns="91425" tIns="91425" rIns="91425" bIns="91425" anchor="t" anchorCtr="0">
-            <a:spAutoFit/>
-          </a:bodyPr>
-          <a:lstStyle/>
-          <a:p>
-            <a:pPr marL="0" marR="0" lvl="0" indent="0" algn="l" rtl="0">
-              <a:lnSpc>
-                <a:spcPct val="100000"/>
-              </a:lnSpc>
-              <a:spcBef>
-                <a:spcPts val="0"/>
-              </a:spcBef>
-              <a:spcAft>
-                <a:spcPts val="0"/>
-              </a:spcAft>
-              <a:buClr>
-                <a:srgbClr val="000000"/>
-              </a:buClr>
-              <a:buSzPts val="1600"/>
-              <a:buFont typeface="Arial"/>
-              <a:buNone/>
-            </a:pPr>
-            <a:r>
-              <a:rPr lang="en" sz="1600" b="0" i="0" u="sng" strike="noStrike" cap="none">
-                <a:solidFill>
-                  <a:schemeClr val="hlink"/>
-                </a:solidFill>
-                <a:latin typeface="Calibri"/>
-                <a:ea typeface="Calibri"/>
-                <a:cs typeface="Calibri"/>
-                <a:sym typeface="Calibri"/>
-                <a:hlinkClick r:id="rId5"/>
-              </a:rPr>
-              <a:t>https://eais.ai</a:t>
-            </a:r>
-            <a:r>
-              <a:rPr lang="en" sz="1600" b="0" i="0" u="none" strike="noStrike" cap="none">
-                <a:solidFill>
-                  <a:srgbClr val="000000"/>
-                </a:solidFill>
-                <a:latin typeface="Calibri"/>
-                <a:ea typeface="Calibri"/>
-                <a:cs typeface="Calibri"/>
-                <a:sym typeface="Calibri"/>
-              </a:rPr>
-              <a:t> </a:t>
-            </a:r>
-            <a:endParaRPr sz="1600" b="0" i="0" u="none" strike="noStrike" cap="none">
-              <a:solidFill>
-                <a:srgbClr val="000000"/>
-              </a:solidFill>
-              <a:latin typeface="Calibri"/>
-              <a:ea typeface="Calibri"/>
-              <a:cs typeface="Calibri"/>
-              <a:sym typeface="Calibri"/>
-            </a:endParaRPr>
-          </a:p>
-        </p:txBody>
-      </p:sp>
-      <p:sp>
-        <p:nvSpPr>
-          <p:cNvPr id="259" name="Google Shape;259;p32"/>
-          <p:cNvSpPr txBox="1"/>
-          <p:nvPr/>
-        </p:nvSpPr>
-        <p:spPr>
-          <a:xfrm>
-            <a:off x="307603" y="4360974"/>
-            <a:ext cx="2094000" cy="431100"/>
-          </a:xfrm>
-          <a:prstGeom prst="rect">
-            <a:avLst/>
-          </a:prstGeom>
-          <a:noFill/>
-          <a:ln>
-            <a:noFill/>
-          </a:ln>
-        </p:spPr>
-        <p:txBody>
-          <a:bodyPr spcFirstLastPara="1" wrap="square" lIns="91425" tIns="91425" rIns="91425" bIns="91425" anchor="t" anchorCtr="0">
-            <a:spAutoFit/>
-          </a:bodyPr>
-          <a:lstStyle/>
-          <a:p>
-            <a:pPr marL="0" marR="0" lvl="0" indent="0" algn="ctr" rtl="0">
-              <a:lnSpc>
-                <a:spcPct val="100000"/>
-              </a:lnSpc>
-              <a:spcBef>
-                <a:spcPts val="0"/>
-              </a:spcBef>
-              <a:spcAft>
-                <a:spcPts val="0"/>
-              </a:spcAft>
-              <a:buClr>
-                <a:schemeClr val="dk1"/>
-              </a:buClr>
-              <a:buSzPts val="1100"/>
-              <a:buFont typeface="Arial"/>
-              <a:buNone/>
-            </a:pPr>
-            <a:r>
-              <a:rPr lang="en" sz="1600" b="0" i="0" u="none" strike="noStrike" cap="none">
-                <a:solidFill>
-                  <a:srgbClr val="000000"/>
-                </a:solidFill>
-                <a:latin typeface="Calibri"/>
-                <a:ea typeface="Calibri"/>
-                <a:cs typeface="Calibri"/>
-                <a:sym typeface="Calibri"/>
-              </a:rPr>
-              <a:t>Enterprise AI Systems</a:t>
-            </a:r>
-            <a:endParaRPr sz="1600" b="0" i="0" u="none" strike="noStrike" cap="none">
-              <a:solidFill>
-                <a:srgbClr val="000000"/>
-              </a:solidFill>
               <a:latin typeface="Calibri"/>
               <a:ea typeface="Calibri"/>
               <a:cs typeface="Calibri"/>
@@ -22885,16 +23453,655 @@
           <a:chExt cx="0" cy="0"/>
         </a:xfrm>
       </p:grpSpPr>
+      <p:pic>
+        <p:nvPicPr>
+          <p:cNvPr id="264" name="Google Shape;264;p33"/>
+          <p:cNvPicPr preferRelativeResize="0"/>
+          <p:nvPr/>
+        </p:nvPicPr>
+        <p:blipFill rotWithShape="1">
+          <a:blip r:embed="rId3" cstate="email">
+            <a:alphaModFix/>
+            <a:extLst>
+              <a:ext uri="{28A0092B-C50C-407E-A947-70E740481C1C}">
+                <a14:useLocalDpi xmlns:a14="http://schemas.microsoft.com/office/drawing/2010/main"/>
+              </a:ext>
+            </a:extLst>
+          </a:blip>
+          <a:srcRect/>
+          <a:stretch/>
+        </p:blipFill>
+        <p:spPr>
+          <a:xfrm>
+            <a:off x="605238" y="1203525"/>
+            <a:ext cx="1570556" cy="1570556"/>
+          </a:xfrm>
+          <a:prstGeom prst="rect">
+            <a:avLst/>
+          </a:prstGeom>
+          <a:noFill/>
+          <a:ln>
+            <a:noFill/>
+          </a:ln>
+        </p:spPr>
+      </p:pic>
       <p:sp>
         <p:nvSpPr>
-          <p:cNvPr id="264" name="Google Shape;264;p33"/>
+          <p:cNvPr id="265" name="Google Shape;265;p33"/>
           <p:cNvSpPr txBox="1"/>
           <p:nvPr/>
         </p:nvSpPr>
         <p:spPr>
           <a:xfrm>
-            <a:off x="2151375" y="1533150"/>
-            <a:ext cx="4632600" cy="1262100"/>
+            <a:off x="-25625" y="-14775"/>
+            <a:ext cx="3355800" cy="569400"/>
+          </a:xfrm>
+          <a:prstGeom prst="rect">
+            <a:avLst/>
+          </a:prstGeom>
+          <a:noFill/>
+          <a:ln>
+            <a:noFill/>
+          </a:ln>
+        </p:spPr>
+        <p:txBody>
+          <a:bodyPr spcFirstLastPara="1" wrap="square" lIns="91425" tIns="91425" rIns="91425" bIns="91425" anchor="t" anchorCtr="0">
+            <a:spAutoFit/>
+          </a:bodyPr>
+          <a:lstStyle/>
+          <a:p>
+            <a:pPr marL="0" marR="0" lvl="0" indent="0" algn="l" rtl="0">
+              <a:lnSpc>
+                <a:spcPct val="100000"/>
+              </a:lnSpc>
+              <a:spcBef>
+                <a:spcPts val="0"/>
+              </a:spcBef>
+              <a:spcAft>
+                <a:spcPts val="0"/>
+              </a:spcAft>
+              <a:buClr>
+                <a:srgbClr val="000000"/>
+              </a:buClr>
+              <a:buSzPts val="2500"/>
+              <a:buFont typeface="Arial"/>
+              <a:buNone/>
+            </a:pPr>
+            <a:r>
+              <a:rPr lang="en" sz="2500" b="1" i="0" u="none" strike="noStrike" cap="none">
+                <a:solidFill>
+                  <a:srgbClr val="000000"/>
+                </a:solidFill>
+                <a:latin typeface="Calibri"/>
+                <a:ea typeface="Calibri"/>
+                <a:cs typeface="Calibri"/>
+                <a:sym typeface="Calibri"/>
+              </a:rPr>
+              <a:t>About the Speaker</a:t>
+            </a:r>
+            <a:endParaRPr sz="2500" b="1" i="0" u="none" strike="noStrike" cap="none">
+              <a:solidFill>
+                <a:srgbClr val="000000"/>
+              </a:solidFill>
+              <a:latin typeface="Calibri"/>
+              <a:ea typeface="Calibri"/>
+              <a:cs typeface="Calibri"/>
+              <a:sym typeface="Calibri"/>
+            </a:endParaRPr>
+          </a:p>
+        </p:txBody>
+      </p:sp>
+      <p:sp>
+        <p:nvSpPr>
+          <p:cNvPr id="266" name="Google Shape;266;p33"/>
+          <p:cNvSpPr txBox="1"/>
+          <p:nvPr/>
+        </p:nvSpPr>
+        <p:spPr>
+          <a:xfrm>
+            <a:off x="3330175" y="878750"/>
+            <a:ext cx="5621700" cy="3309300"/>
+          </a:xfrm>
+          <a:prstGeom prst="rect">
+            <a:avLst/>
+          </a:prstGeom>
+          <a:noFill/>
+          <a:ln>
+            <a:noFill/>
+          </a:ln>
+        </p:spPr>
+        <p:txBody>
+          <a:bodyPr spcFirstLastPara="1" wrap="square" lIns="91425" tIns="91425" rIns="91425" bIns="91425" anchor="t" anchorCtr="0">
+            <a:spAutoFit/>
+          </a:bodyPr>
+          <a:lstStyle/>
+          <a:p>
+            <a:pPr marL="0" marR="0" lvl="0" indent="0" algn="l" rtl="0">
+              <a:lnSpc>
+                <a:spcPct val="100000"/>
+              </a:lnSpc>
+              <a:spcBef>
+                <a:spcPts val="0"/>
+              </a:spcBef>
+              <a:spcAft>
+                <a:spcPts val="0"/>
+              </a:spcAft>
+              <a:buClr>
+                <a:schemeClr val="dk1"/>
+              </a:buClr>
+              <a:buSzPts val="1100"/>
+              <a:buFont typeface="Arial"/>
+              <a:buNone/>
+            </a:pPr>
+            <a:r>
+              <a:rPr lang="en" sz="2500" b="1" i="0" u="none" strike="noStrike" cap="none">
+                <a:solidFill>
+                  <a:srgbClr val="000000"/>
+                </a:solidFill>
+                <a:latin typeface="Calibri"/>
+                <a:ea typeface="Calibri"/>
+                <a:cs typeface="Calibri"/>
+                <a:sym typeface="Calibri"/>
+              </a:rPr>
+              <a:t>Lev Selector, Ph.D.</a:t>
+            </a:r>
+            <a:endParaRPr sz="2500" b="1" i="0" u="none" strike="noStrike" cap="none">
+              <a:solidFill>
+                <a:srgbClr val="000000"/>
+              </a:solidFill>
+              <a:latin typeface="Calibri"/>
+              <a:ea typeface="Calibri"/>
+              <a:cs typeface="Calibri"/>
+              <a:sym typeface="Calibri"/>
+            </a:endParaRPr>
+          </a:p>
+          <a:p>
+            <a:pPr marL="0" marR="0" lvl="0" indent="0" algn="l" rtl="0">
+              <a:lnSpc>
+                <a:spcPct val="100000"/>
+              </a:lnSpc>
+              <a:spcBef>
+                <a:spcPts val="0"/>
+              </a:spcBef>
+              <a:spcAft>
+                <a:spcPts val="0"/>
+              </a:spcAft>
+              <a:buClr>
+                <a:schemeClr val="dk1"/>
+              </a:buClr>
+              <a:buSzPts val="1100"/>
+              <a:buFont typeface="Arial"/>
+              <a:buNone/>
+            </a:pPr>
+            <a:endParaRPr sz="1800" b="0" i="0" u="none" strike="noStrike" cap="none">
+              <a:solidFill>
+                <a:srgbClr val="000000"/>
+              </a:solidFill>
+              <a:latin typeface="Calibri"/>
+              <a:ea typeface="Calibri"/>
+              <a:cs typeface="Calibri"/>
+              <a:sym typeface="Calibri"/>
+            </a:endParaRPr>
+          </a:p>
+          <a:p>
+            <a:pPr marL="457200" marR="0" lvl="0" indent="-330200" algn="l" rtl="0">
+              <a:lnSpc>
+                <a:spcPct val="100000"/>
+              </a:lnSpc>
+              <a:spcBef>
+                <a:spcPts val="0"/>
+              </a:spcBef>
+              <a:spcAft>
+                <a:spcPts val="0"/>
+              </a:spcAft>
+              <a:buClr>
+                <a:srgbClr val="000000"/>
+              </a:buClr>
+              <a:buSzPts val="1600"/>
+              <a:buFont typeface="Calibri"/>
+              <a:buChar char="●"/>
+            </a:pPr>
+            <a:r>
+              <a:rPr lang="en" sz="1600" b="0" i="0" u="none" strike="noStrike" cap="none">
+                <a:solidFill>
+                  <a:schemeClr val="dk1"/>
+                </a:solidFill>
+                <a:latin typeface="Calibri"/>
+                <a:ea typeface="Calibri"/>
+                <a:cs typeface="Calibri"/>
+                <a:sym typeface="Calibri"/>
+              </a:rPr>
+              <a:t>40+ years of software engineering, data science, and building teams (hiring, training, and managing)</a:t>
+            </a:r>
+            <a:endParaRPr sz="1600" b="0" i="0" u="none" strike="noStrike" cap="none">
+              <a:solidFill>
+                <a:schemeClr val="dk1"/>
+              </a:solidFill>
+              <a:latin typeface="Calibri"/>
+              <a:ea typeface="Calibri"/>
+              <a:cs typeface="Calibri"/>
+              <a:sym typeface="Calibri"/>
+            </a:endParaRPr>
+          </a:p>
+          <a:p>
+            <a:pPr marL="457200" marR="0" lvl="0" indent="-330200" algn="l" rtl="0">
+              <a:lnSpc>
+                <a:spcPct val="100000"/>
+              </a:lnSpc>
+              <a:spcBef>
+                <a:spcPts val="0"/>
+              </a:spcBef>
+              <a:spcAft>
+                <a:spcPts val="0"/>
+              </a:spcAft>
+              <a:buClr>
+                <a:srgbClr val="000000"/>
+              </a:buClr>
+              <a:buSzPts val="1600"/>
+              <a:buFont typeface="Calibri"/>
+              <a:buChar char="●"/>
+            </a:pPr>
+            <a:r>
+              <a:rPr lang="en" sz="1600" b="0" i="0" u="none" strike="noStrike" cap="none">
+                <a:solidFill>
+                  <a:schemeClr val="dk1"/>
+                </a:solidFill>
+                <a:latin typeface="Calibri"/>
+                <a:ea typeface="Calibri"/>
+                <a:cs typeface="Calibri"/>
+                <a:sym typeface="Calibri"/>
+              </a:rPr>
+              <a:t>Ph.D. in mathematical modeling and computer simulations</a:t>
+            </a:r>
+            <a:endParaRPr sz="1600" b="0" i="0" u="none" strike="noStrike" cap="none">
+              <a:solidFill>
+                <a:srgbClr val="000000"/>
+              </a:solidFill>
+              <a:latin typeface="Calibri"/>
+              <a:ea typeface="Calibri"/>
+              <a:cs typeface="Calibri"/>
+              <a:sym typeface="Calibri"/>
+            </a:endParaRPr>
+          </a:p>
+          <a:p>
+            <a:pPr marL="0" marR="0" lvl="0" indent="0" algn="l" rtl="0">
+              <a:lnSpc>
+                <a:spcPct val="100000"/>
+              </a:lnSpc>
+              <a:spcBef>
+                <a:spcPts val="0"/>
+              </a:spcBef>
+              <a:spcAft>
+                <a:spcPts val="0"/>
+              </a:spcAft>
+              <a:buClr>
+                <a:schemeClr val="dk1"/>
+              </a:buClr>
+              <a:buSzPts val="1100"/>
+              <a:buFont typeface="Arial"/>
+              <a:buNone/>
+            </a:pPr>
+            <a:endParaRPr sz="1600" b="0" i="0" u="none" strike="noStrike" cap="none">
+              <a:solidFill>
+                <a:srgbClr val="000000"/>
+              </a:solidFill>
+              <a:latin typeface="Calibri"/>
+              <a:ea typeface="Calibri"/>
+              <a:cs typeface="Calibri"/>
+              <a:sym typeface="Calibri"/>
+            </a:endParaRPr>
+          </a:p>
+          <a:p>
+            <a:pPr marL="0" marR="0" lvl="0" indent="0" algn="l" rtl="0">
+              <a:lnSpc>
+                <a:spcPct val="100000"/>
+              </a:lnSpc>
+              <a:spcBef>
+                <a:spcPts val="0"/>
+              </a:spcBef>
+              <a:spcAft>
+                <a:spcPts val="0"/>
+              </a:spcAft>
+              <a:buClr>
+                <a:srgbClr val="000000"/>
+              </a:buClr>
+              <a:buSzPts val="1600"/>
+              <a:buFont typeface="Arial"/>
+              <a:buNone/>
+            </a:pPr>
+            <a:r>
+              <a:rPr lang="en" sz="1600" b="0" i="0" u="none" strike="noStrike" cap="none">
+                <a:solidFill>
+                  <a:srgbClr val="000000"/>
+                </a:solidFill>
+                <a:latin typeface="Calibri"/>
+                <a:ea typeface="Calibri"/>
+                <a:cs typeface="Calibri"/>
+                <a:sym typeface="Calibri"/>
+              </a:rPr>
+              <a:t>Interests: </a:t>
+            </a:r>
+            <a:endParaRPr sz="1600" b="0" i="0" u="none" strike="noStrike" cap="none">
+              <a:solidFill>
+                <a:srgbClr val="000000"/>
+              </a:solidFill>
+              <a:latin typeface="Calibri"/>
+              <a:ea typeface="Calibri"/>
+              <a:cs typeface="Calibri"/>
+              <a:sym typeface="Calibri"/>
+            </a:endParaRPr>
+          </a:p>
+          <a:p>
+            <a:pPr marL="457200" marR="0" lvl="0" indent="-330200" algn="l" rtl="0">
+              <a:lnSpc>
+                <a:spcPct val="100000"/>
+              </a:lnSpc>
+              <a:spcBef>
+                <a:spcPts val="0"/>
+              </a:spcBef>
+              <a:spcAft>
+                <a:spcPts val="0"/>
+              </a:spcAft>
+              <a:buClr>
+                <a:srgbClr val="000000"/>
+              </a:buClr>
+              <a:buSzPts val="1600"/>
+              <a:buFont typeface="Calibri"/>
+              <a:buChar char="●"/>
+            </a:pPr>
+            <a:r>
+              <a:rPr lang="en" sz="1600" b="0" i="0" u="none" strike="noStrike" cap="none">
+                <a:solidFill>
+                  <a:schemeClr val="dk1"/>
+                </a:solidFill>
+                <a:latin typeface="Calibri"/>
+                <a:ea typeface="Calibri"/>
+                <a:cs typeface="Calibri"/>
+                <a:sym typeface="Calibri"/>
+              </a:rPr>
+              <a:t>Generative AI, Using LLM with your data</a:t>
+            </a:r>
+            <a:endParaRPr sz="1600" b="0" i="0" u="none" strike="noStrike" cap="none">
+              <a:solidFill>
+                <a:schemeClr val="dk1"/>
+              </a:solidFill>
+              <a:latin typeface="Calibri"/>
+              <a:ea typeface="Calibri"/>
+              <a:cs typeface="Calibri"/>
+              <a:sym typeface="Calibri"/>
+            </a:endParaRPr>
+          </a:p>
+          <a:p>
+            <a:pPr marL="457200" marR="0" lvl="0" indent="-330200" algn="l" rtl="0">
+              <a:lnSpc>
+                <a:spcPct val="100000"/>
+              </a:lnSpc>
+              <a:spcBef>
+                <a:spcPts val="0"/>
+              </a:spcBef>
+              <a:spcAft>
+                <a:spcPts val="0"/>
+              </a:spcAft>
+              <a:buClr>
+                <a:schemeClr val="dk1"/>
+              </a:buClr>
+              <a:buSzPts val="1600"/>
+              <a:buFont typeface="Calibri"/>
+              <a:buChar char="●"/>
+            </a:pPr>
+            <a:r>
+              <a:rPr lang="en" sz="1600" b="0" i="0" u="none" strike="noStrike" cap="none">
+                <a:solidFill>
+                  <a:schemeClr val="dk1"/>
+                </a:solidFill>
+                <a:latin typeface="Calibri"/>
+                <a:ea typeface="Calibri"/>
+                <a:cs typeface="Calibri"/>
+                <a:sym typeface="Calibri"/>
+              </a:rPr>
+              <a:t>Local AI for Local Private Data</a:t>
+            </a:r>
+            <a:endParaRPr sz="1600" b="0" i="0" u="none" strike="noStrike" cap="none">
+              <a:solidFill>
+                <a:schemeClr val="dk1"/>
+              </a:solidFill>
+              <a:latin typeface="Calibri"/>
+              <a:ea typeface="Calibri"/>
+              <a:cs typeface="Calibri"/>
+              <a:sym typeface="Calibri"/>
+            </a:endParaRPr>
+          </a:p>
+          <a:p>
+            <a:pPr marL="457200" marR="0" lvl="0" indent="-330200" algn="l" rtl="0">
+              <a:lnSpc>
+                <a:spcPct val="100000"/>
+              </a:lnSpc>
+              <a:spcBef>
+                <a:spcPts val="0"/>
+              </a:spcBef>
+              <a:spcAft>
+                <a:spcPts val="0"/>
+              </a:spcAft>
+              <a:buClr>
+                <a:srgbClr val="000000"/>
+              </a:buClr>
+              <a:buSzPts val="1600"/>
+              <a:buFont typeface="Calibri"/>
+              <a:buChar char="●"/>
+            </a:pPr>
+            <a:r>
+              <a:rPr lang="en" sz="1600" b="0" i="0" u="none" strike="noStrike" cap="none">
+                <a:solidFill>
+                  <a:srgbClr val="000000"/>
+                </a:solidFill>
+                <a:latin typeface="Calibri"/>
+                <a:ea typeface="Calibri"/>
+                <a:cs typeface="Calibri"/>
+                <a:sym typeface="Calibri"/>
+              </a:rPr>
+              <a:t>Cloud architecture, fin-tech, application security</a:t>
+            </a:r>
+            <a:endParaRPr sz="1600" b="0" i="0" u="none" strike="noStrike" cap="none">
+              <a:solidFill>
+                <a:srgbClr val="000000"/>
+              </a:solidFill>
+              <a:latin typeface="Calibri"/>
+              <a:ea typeface="Calibri"/>
+              <a:cs typeface="Calibri"/>
+              <a:sym typeface="Calibri"/>
+            </a:endParaRPr>
+          </a:p>
+          <a:p>
+            <a:pPr marL="0" marR="0" lvl="0" indent="0" algn="l" rtl="0">
+              <a:lnSpc>
+                <a:spcPct val="100000"/>
+              </a:lnSpc>
+              <a:spcBef>
+                <a:spcPts val="0"/>
+              </a:spcBef>
+              <a:spcAft>
+                <a:spcPts val="0"/>
+              </a:spcAft>
+              <a:buClr>
+                <a:srgbClr val="000000"/>
+              </a:buClr>
+              <a:buSzPts val="1600"/>
+              <a:buFont typeface="Arial"/>
+              <a:buNone/>
+            </a:pPr>
+            <a:endParaRPr sz="1600" b="0" i="0" u="none" strike="noStrike" cap="none">
+              <a:solidFill>
+                <a:srgbClr val="000000"/>
+              </a:solidFill>
+              <a:latin typeface="Calibri"/>
+              <a:ea typeface="Calibri"/>
+              <a:cs typeface="Calibri"/>
+              <a:sym typeface="Calibri"/>
+            </a:endParaRPr>
+          </a:p>
+          <a:p>
+            <a:pPr marL="0" marR="0" lvl="0" indent="0" algn="l" rtl="0">
+              <a:lnSpc>
+                <a:spcPct val="100000"/>
+              </a:lnSpc>
+              <a:spcBef>
+                <a:spcPts val="0"/>
+              </a:spcBef>
+              <a:spcAft>
+                <a:spcPts val="0"/>
+              </a:spcAft>
+              <a:buClr>
+                <a:srgbClr val="000000"/>
+              </a:buClr>
+              <a:buSzPts val="1600"/>
+              <a:buFont typeface="Arial"/>
+              <a:buNone/>
+            </a:pPr>
+            <a:r>
+              <a:rPr lang="en" sz="1600" b="0" i="0" u="none" strike="noStrike" cap="none">
+                <a:solidFill>
+                  <a:srgbClr val="000000"/>
+                </a:solidFill>
+                <a:latin typeface="Calibri"/>
+                <a:ea typeface="Calibri"/>
+                <a:cs typeface="Calibri"/>
+                <a:sym typeface="Calibri"/>
+              </a:rPr>
+              <a:t>Find/connect: Linkedin, GitHub, YouTube, Google</a:t>
+            </a:r>
+            <a:endParaRPr sz="1600" b="0" i="0" u="none" strike="noStrike" cap="none">
+              <a:solidFill>
+                <a:srgbClr val="000000"/>
+              </a:solidFill>
+              <a:latin typeface="Calibri"/>
+              <a:ea typeface="Calibri"/>
+              <a:cs typeface="Calibri"/>
+              <a:sym typeface="Calibri"/>
+            </a:endParaRPr>
+          </a:p>
+        </p:txBody>
+      </p:sp>
+      <p:pic>
+        <p:nvPicPr>
+          <p:cNvPr id="267" name="Google Shape;267;p33"/>
+          <p:cNvPicPr preferRelativeResize="0"/>
+          <p:nvPr/>
+        </p:nvPicPr>
+        <p:blipFill rotWithShape="1">
+          <a:blip r:embed="rId4" cstate="email">
+            <a:alphaModFix/>
+            <a:extLst>
+              <a:ext uri="{28A0092B-C50C-407E-A947-70E740481C1C}">
+                <a14:useLocalDpi xmlns:a14="http://schemas.microsoft.com/office/drawing/2010/main"/>
+              </a:ext>
+            </a:extLst>
+          </a:blip>
+          <a:srcRect/>
+          <a:stretch/>
+        </p:blipFill>
+        <p:spPr>
+          <a:xfrm>
+            <a:off x="782341" y="3664175"/>
+            <a:ext cx="858450" cy="311906"/>
+          </a:xfrm>
+          <a:prstGeom prst="rect">
+            <a:avLst/>
+          </a:prstGeom>
+          <a:noFill/>
+          <a:ln>
+            <a:noFill/>
+          </a:ln>
+        </p:spPr>
+      </p:pic>
+      <p:sp>
+        <p:nvSpPr>
+          <p:cNvPr id="268" name="Google Shape;268;p33"/>
+          <p:cNvSpPr txBox="1"/>
+          <p:nvPr/>
+        </p:nvSpPr>
+        <p:spPr>
+          <a:xfrm>
+            <a:off x="683777" y="4005903"/>
+            <a:ext cx="1391400" cy="431100"/>
+          </a:xfrm>
+          <a:prstGeom prst="rect">
+            <a:avLst/>
+          </a:prstGeom>
+          <a:noFill/>
+          <a:ln>
+            <a:noFill/>
+          </a:ln>
+        </p:spPr>
+        <p:txBody>
+          <a:bodyPr spcFirstLastPara="1" wrap="square" lIns="91425" tIns="91425" rIns="91425" bIns="91425" anchor="t" anchorCtr="0">
+            <a:spAutoFit/>
+          </a:bodyPr>
+          <a:lstStyle/>
+          <a:p>
+            <a:pPr marL="0" marR="0" lvl="0" indent="0" algn="l" rtl="0">
+              <a:lnSpc>
+                <a:spcPct val="100000"/>
+              </a:lnSpc>
+              <a:spcBef>
+                <a:spcPts val="0"/>
+              </a:spcBef>
+              <a:spcAft>
+                <a:spcPts val="0"/>
+              </a:spcAft>
+              <a:buClr>
+                <a:srgbClr val="000000"/>
+              </a:buClr>
+              <a:buSzPts val="1600"/>
+              <a:buFont typeface="Arial"/>
+              <a:buNone/>
+            </a:pPr>
+            <a:r>
+              <a:rPr lang="en" sz="1600" b="0" i="0" u="sng" strike="noStrike" cap="none">
+                <a:solidFill>
+                  <a:schemeClr val="hlink"/>
+                </a:solidFill>
+                <a:latin typeface="Calibri"/>
+                <a:ea typeface="Calibri"/>
+                <a:cs typeface="Calibri"/>
+                <a:sym typeface="Calibri"/>
+                <a:hlinkClick r:id="rId5"/>
+              </a:rPr>
+              <a:t>https://eais.ai</a:t>
+            </a:r>
+            <a:r>
+              <a:rPr lang="en" sz="1600" b="0" i="0" u="none" strike="noStrike" cap="none">
+                <a:solidFill>
+                  <a:srgbClr val="000000"/>
+                </a:solidFill>
+                <a:latin typeface="Calibri"/>
+                <a:ea typeface="Calibri"/>
+                <a:cs typeface="Calibri"/>
+                <a:sym typeface="Calibri"/>
+              </a:rPr>
+              <a:t> </a:t>
+            </a:r>
+            <a:endParaRPr sz="1600" b="0" i="0" u="none" strike="noStrike" cap="none">
+              <a:solidFill>
+                <a:srgbClr val="000000"/>
+              </a:solidFill>
+              <a:latin typeface="Calibri"/>
+              <a:ea typeface="Calibri"/>
+              <a:cs typeface="Calibri"/>
+              <a:sym typeface="Calibri"/>
+            </a:endParaRPr>
+          </a:p>
+        </p:txBody>
+      </p:sp>
+      <p:sp>
+        <p:nvSpPr>
+          <p:cNvPr id="269" name="Google Shape;269;p33"/>
+          <p:cNvSpPr txBox="1"/>
+          <p:nvPr/>
+        </p:nvSpPr>
+        <p:spPr>
+          <a:xfrm>
+            <a:off x="307603" y="4360974"/>
+            <a:ext cx="2094000" cy="431100"/>
           </a:xfrm>
           <a:prstGeom prst="rect">
             <a:avLst/>
@@ -22921,27 +24128,27 @@
                 <a:spcPts val="0"/>
               </a:spcAft>
               <a:buClr>
-                <a:srgbClr val="000000"/>
-              </a:buClr>
-              <a:buSzPts val="7000"/>
+                <a:schemeClr val="dk1"/>
+              </a:buClr>
+              <a:buSzPts val="1100"/>
               <a:buFont typeface="Arial"/>
               <a:buNone/>
             </a:pPr>
             <a:r>
-              <a:rPr lang="en" sz="7000" b="1" i="0" u="none" strike="noStrike" cap="none">
-                <a:solidFill>
-                  <a:srgbClr val="3C78D8"/>
+              <a:rPr lang="en" sz="1600" b="0" i="0" u="none" strike="noStrike" cap="none">
+                <a:solidFill>
+                  <a:srgbClr val="000000"/>
                 </a:solidFill>
                 <a:latin typeface="Calibri"/>
                 <a:ea typeface="Calibri"/>
                 <a:cs typeface="Calibri"/>
                 <a:sym typeface="Calibri"/>
               </a:rPr>
-              <a:t>Thank You!</a:t>
+              <a:t>Enterprise AI Systems</a:t>
             </a:r>
-            <a:endParaRPr sz="7000" b="1" i="0" u="none" strike="noStrike" cap="none">
+            <a:endParaRPr sz="1600" b="0" i="0" u="none" strike="noStrike" cap="none">
               <a:solidFill>
-                <a:srgbClr val="3C78D8"/>
+                <a:srgbClr val="000000"/>
               </a:solidFill>
               <a:latin typeface="Calibri"/>
               <a:ea typeface="Calibri"/>
@@ -23421,48 +24628,9 @@
           </a:ln>
         </p:spPr>
       </p:pic>
-      <p:pic>
-        <p:nvPicPr>
-          <p:cNvPr id="76" name="Google Shape;76;p16"/>
-          <p:cNvPicPr preferRelativeResize="0"/>
-          <p:nvPr/>
-        </p:nvPicPr>
-        <p:blipFill>
-          <a:blip r:embed="rId7" cstate="email">
-            <a:alphaModFix/>
-            <a:extLst>
-              <a:ext uri="{28A0092B-C50C-407E-A947-70E740481C1C}">
-                <a14:useLocalDpi xmlns:a14="http://schemas.microsoft.com/office/drawing/2010/main"/>
-              </a:ext>
-            </a:extLst>
-          </a:blip>
-          <a:stretch>
-            <a:fillRect/>
-          </a:stretch>
-        </p:blipFill>
-        <p:spPr>
-          <a:xfrm>
-            <a:off x="55075" y="3601326"/>
-            <a:ext cx="2716824" cy="1467075"/>
-          </a:xfrm>
-          <a:prstGeom prst="rect">
-            <a:avLst/>
-          </a:prstGeom>
-          <a:noFill/>
-          <a:ln w="9525" cap="flat" cmpd="sng">
-            <a:solidFill>
-              <a:srgbClr val="FF0000"/>
-            </a:solidFill>
-            <a:prstDash val="solid"/>
-            <a:round/>
-            <a:headEnd type="none" w="sm" len="sm"/>
-            <a:tailEnd type="none" w="sm" len="sm"/>
-          </a:ln>
-        </p:spPr>
-      </p:pic>
       <p:sp>
         <p:nvSpPr>
-          <p:cNvPr id="77" name="Google Shape;77;p16"/>
+          <p:cNvPr id="76" name="Google Shape;76;p16"/>
           <p:cNvSpPr txBox="1"/>
           <p:nvPr/>
         </p:nvSpPr>
@@ -23719,7 +24887,7 @@
                 <a:ea typeface="Calibri"/>
                 <a:cs typeface="Calibri"/>
                 <a:sym typeface="Calibri"/>
-                <a:hlinkClick r:id="rId8"/>
+                <a:hlinkClick r:id="rId7"/>
               </a:rPr>
               <a:t>https://qwenlm.github.io/blog/qwen3-coder/</a:t>
             </a:r>
@@ -23772,7 +24940,7 @@
                 <a:ea typeface="Calibri"/>
                 <a:cs typeface="Calibri"/>
                 <a:sym typeface="Calibri"/>
-                <a:hlinkClick r:id="rId9"/>
+                <a:hlinkClick r:id="rId8"/>
               </a:rPr>
               <a:t>https://www.youtube.com/watch?v=feAc83Qlx4Q</a:t>
             </a:r>
@@ -23802,7 +24970,7 @@
       </p:sp>
       <p:sp>
         <p:nvSpPr>
-          <p:cNvPr id="78" name="Google Shape;78;p16"/>
+          <p:cNvPr id="77" name="Google Shape;77;p16"/>
           <p:cNvSpPr txBox="1"/>
           <p:nvPr/>
         </p:nvSpPr>
@@ -23868,12 +25036,12 @@
       </p:sp>
       <p:pic>
         <p:nvPicPr>
-          <p:cNvPr id="79" name="Google Shape;79;p16"/>
+          <p:cNvPr id="78" name="Google Shape;78;p16"/>
           <p:cNvPicPr preferRelativeResize="0"/>
           <p:nvPr/>
         </p:nvPicPr>
         <p:blipFill>
-          <a:blip r:embed="rId10" cstate="email">
+          <a:blip r:embed="rId9" cstate="email">
             <a:alphaModFix/>
             <a:extLst>
               <a:ext uri="{28A0092B-C50C-407E-A947-70E740481C1C}">
@@ -23887,8 +25055,8 @@
         </p:blipFill>
         <p:spPr>
           <a:xfrm>
-            <a:off x="3532827" y="2185423"/>
-            <a:ext cx="5564498" cy="2885475"/>
+            <a:off x="4645925" y="2185425"/>
+            <a:ext cx="4451400" cy="2308276"/>
           </a:xfrm>
           <a:prstGeom prst="rect">
             <a:avLst/>
@@ -23907,12 +25075,12 @@
       </p:pic>
       <p:pic>
         <p:nvPicPr>
-          <p:cNvPr id="80" name="Google Shape;80;p16"/>
+          <p:cNvPr id="79" name="Google Shape;79;p16"/>
           <p:cNvPicPr preferRelativeResize="0"/>
           <p:nvPr/>
         </p:nvPicPr>
         <p:blipFill rotWithShape="1">
-          <a:blip r:embed="rId11" cstate="email">
+          <a:blip r:embed="rId10" cstate="email">
             <a:alphaModFix/>
             <a:extLst>
               <a:ext uri="{28A0092B-C50C-407E-A947-70E740481C1C}">
@@ -23937,6 +25105,291 @@
           </a:ln>
         </p:spPr>
       </p:pic>
+      <p:sp>
+        <p:nvSpPr>
+          <p:cNvPr id="80" name="Google Shape;80;p16"/>
+          <p:cNvSpPr txBox="1"/>
+          <p:nvPr/>
+        </p:nvSpPr>
+        <p:spPr>
+          <a:xfrm>
+            <a:off x="55075" y="3578900"/>
+            <a:ext cx="2716800" cy="757200"/>
+          </a:xfrm>
+          <a:prstGeom prst="rect">
+            <a:avLst/>
+          </a:prstGeom>
+          <a:solidFill>
+            <a:srgbClr val="FFF2CC"/>
+          </a:solidFill>
+          <a:ln w="9525" cap="flat" cmpd="sng">
+            <a:solidFill>
+              <a:srgbClr val="FF0000"/>
+            </a:solidFill>
+            <a:prstDash val="solid"/>
+            <a:round/>
+            <a:headEnd type="none" w="sm" len="sm"/>
+            <a:tailEnd type="none" w="sm" len="sm"/>
+          </a:ln>
+        </p:spPr>
+        <p:txBody>
+          <a:bodyPr spcFirstLastPara="1" wrap="square" lIns="9125" tIns="9125" rIns="9125" bIns="9125" anchor="t" anchorCtr="0">
+            <a:spAutoFit/>
+          </a:bodyPr>
+          <a:lstStyle/>
+          <a:p>
+            <a:pPr marL="171450" marR="0" lvl="0" indent="-114300" algn="l" rtl="0">
+              <a:lnSpc>
+                <a:spcPct val="100000"/>
+              </a:lnSpc>
+              <a:spcBef>
+                <a:spcPts val="0"/>
+              </a:spcBef>
+              <a:spcAft>
+                <a:spcPts val="0"/>
+              </a:spcAft>
+              <a:buClr>
+                <a:srgbClr val="FF0000"/>
+              </a:buClr>
+              <a:buSzPts val="900"/>
+              <a:buFont typeface="Calibri"/>
+              <a:buChar char="●"/>
+            </a:pPr>
+            <a:r>
+              <a:rPr lang="en" sz="1200" b="1">
+                <a:solidFill>
+                  <a:srgbClr val="FF0000"/>
+                </a:solidFill>
+                <a:latin typeface="Calibri"/>
+                <a:ea typeface="Calibri"/>
+                <a:cs typeface="Calibri"/>
+                <a:sym typeface="Calibri"/>
+              </a:rPr>
+              <a:t>Alibaba Qwen Code CLI</a:t>
+            </a:r>
+            <a:endParaRPr sz="1200" b="1">
+              <a:solidFill>
+                <a:srgbClr val="FF0000"/>
+              </a:solidFill>
+              <a:latin typeface="Calibri"/>
+              <a:ea typeface="Calibri"/>
+              <a:cs typeface="Calibri"/>
+              <a:sym typeface="Calibri"/>
+            </a:endParaRPr>
+          </a:p>
+          <a:p>
+            <a:pPr marL="171450" marR="0" lvl="0" indent="-114300" algn="l" rtl="0">
+              <a:lnSpc>
+                <a:spcPct val="100000"/>
+              </a:lnSpc>
+              <a:spcBef>
+                <a:spcPts val="0"/>
+              </a:spcBef>
+              <a:spcAft>
+                <a:spcPts val="0"/>
+              </a:spcAft>
+              <a:buClr>
+                <a:schemeClr val="dk1"/>
+              </a:buClr>
+              <a:buSzPts val="900"/>
+              <a:buFont typeface="Calibri"/>
+              <a:buChar char="●"/>
+            </a:pPr>
+            <a:r>
+              <a:rPr lang="en" sz="1200">
+                <a:solidFill>
+                  <a:schemeClr val="dk1"/>
+                </a:solidFill>
+                <a:latin typeface="Calibri"/>
+                <a:ea typeface="Calibri"/>
+                <a:cs typeface="Calibri"/>
+                <a:sym typeface="Calibri"/>
+              </a:rPr>
+              <a:t>open-source CLI tool </a:t>
+            </a:r>
+            <a:endParaRPr sz="1200">
+              <a:solidFill>
+                <a:schemeClr val="dk1"/>
+              </a:solidFill>
+              <a:latin typeface="Calibri"/>
+              <a:ea typeface="Calibri"/>
+              <a:cs typeface="Calibri"/>
+              <a:sym typeface="Calibri"/>
+            </a:endParaRPr>
+          </a:p>
+          <a:p>
+            <a:pPr marL="171450" marR="0" lvl="0" indent="-114300" algn="l" rtl="0">
+              <a:lnSpc>
+                <a:spcPct val="100000"/>
+              </a:lnSpc>
+              <a:spcBef>
+                <a:spcPts val="0"/>
+              </a:spcBef>
+              <a:spcAft>
+                <a:spcPts val="0"/>
+              </a:spcAft>
+              <a:buClr>
+                <a:schemeClr val="dk1"/>
+              </a:buClr>
+              <a:buSzPts val="900"/>
+              <a:buFont typeface="Calibri"/>
+              <a:buChar char="●"/>
+            </a:pPr>
+            <a:r>
+              <a:rPr lang="en" sz="1200">
+                <a:solidFill>
+                  <a:schemeClr val="dk1"/>
+                </a:solidFill>
+                <a:latin typeface="Calibri"/>
+                <a:ea typeface="Calibri"/>
+                <a:cs typeface="Calibri"/>
+                <a:sym typeface="Calibri"/>
+              </a:rPr>
+              <a:t>adapted from Google's Gemini Code</a:t>
+            </a:r>
+            <a:endParaRPr sz="1200">
+              <a:solidFill>
+                <a:schemeClr val="dk1"/>
+              </a:solidFill>
+              <a:latin typeface="Calibri"/>
+              <a:ea typeface="Calibri"/>
+              <a:cs typeface="Calibri"/>
+              <a:sym typeface="Calibri"/>
+            </a:endParaRPr>
+          </a:p>
+          <a:p>
+            <a:pPr marL="171450" marR="0" lvl="0" indent="-114300" algn="l" rtl="0">
+              <a:lnSpc>
+                <a:spcPct val="100000"/>
+              </a:lnSpc>
+              <a:spcBef>
+                <a:spcPts val="0"/>
+              </a:spcBef>
+              <a:spcAft>
+                <a:spcPts val="0"/>
+              </a:spcAft>
+              <a:buClr>
+                <a:schemeClr val="dk1"/>
+              </a:buClr>
+              <a:buSzPts val="900"/>
+              <a:buFont typeface="Calibri"/>
+              <a:buChar char="●"/>
+            </a:pPr>
+            <a:r>
+              <a:rPr lang="en" sz="1200">
+                <a:solidFill>
+                  <a:schemeClr val="dk1"/>
+                </a:solidFill>
+                <a:latin typeface="Calibri"/>
+                <a:ea typeface="Calibri"/>
+                <a:cs typeface="Calibri"/>
+                <a:sym typeface="Calibri"/>
+              </a:rPr>
+              <a:t>compatible with Claude Code</a:t>
+            </a:r>
+            <a:endParaRPr sz="1200">
+              <a:solidFill>
+                <a:schemeClr val="dk1"/>
+              </a:solidFill>
+              <a:latin typeface="Calibri"/>
+              <a:ea typeface="Calibri"/>
+              <a:cs typeface="Calibri"/>
+              <a:sym typeface="Calibri"/>
+            </a:endParaRPr>
+          </a:p>
+        </p:txBody>
+      </p:sp>
+    </p:spTree>
+  </p:cSld>
+  <p:clrMapOvr>
+    <a:masterClrMapping/>
+  </p:clrMapOvr>
+</p:sld>
+</file>
+
+<file path=ppt/slides/slide20.xml><?xml version="1.0" encoding="utf-8"?>
+<p:sld xmlns:a="http://schemas.openxmlformats.org/drawingml/2006/main" xmlns:r="http://schemas.openxmlformats.org/officeDocument/2006/relationships" xmlns:p="http://schemas.openxmlformats.org/presentationml/2006/main">
+  <p:cSld>
+    <p:spTree>
+      <p:nvGrpSpPr>
+        <p:cNvPr id="1" name="Shape 273"/>
+        <p:cNvGrpSpPr/>
+        <p:nvPr/>
+      </p:nvGrpSpPr>
+      <p:grpSpPr>
+        <a:xfrm>
+          <a:off x="0" y="0"/>
+          <a:ext cx="0" cy="0"/>
+          <a:chOff x="0" y="0"/>
+          <a:chExt cx="0" cy="0"/>
+        </a:xfrm>
+      </p:grpSpPr>
+      <p:sp>
+        <p:nvSpPr>
+          <p:cNvPr id="274" name="Google Shape;274;p34"/>
+          <p:cNvSpPr txBox="1"/>
+          <p:nvPr/>
+        </p:nvSpPr>
+        <p:spPr>
+          <a:xfrm>
+            <a:off x="2151375" y="1533150"/>
+            <a:ext cx="4632600" cy="1262100"/>
+          </a:xfrm>
+          <a:prstGeom prst="rect">
+            <a:avLst/>
+          </a:prstGeom>
+          <a:noFill/>
+          <a:ln>
+            <a:noFill/>
+          </a:ln>
+        </p:spPr>
+        <p:txBody>
+          <a:bodyPr spcFirstLastPara="1" wrap="square" lIns="91425" tIns="91425" rIns="91425" bIns="91425" anchor="t" anchorCtr="0">
+            <a:spAutoFit/>
+          </a:bodyPr>
+          <a:lstStyle/>
+          <a:p>
+            <a:pPr marL="0" marR="0" lvl="0" indent="0" algn="ctr" rtl="0">
+              <a:lnSpc>
+                <a:spcPct val="100000"/>
+              </a:lnSpc>
+              <a:spcBef>
+                <a:spcPts val="0"/>
+              </a:spcBef>
+              <a:spcAft>
+                <a:spcPts val="0"/>
+              </a:spcAft>
+              <a:buClr>
+                <a:srgbClr val="000000"/>
+              </a:buClr>
+              <a:buSzPts val="7000"/>
+              <a:buFont typeface="Arial"/>
+              <a:buNone/>
+            </a:pPr>
+            <a:r>
+              <a:rPr lang="en" sz="7000" b="1" i="0" u="none" strike="noStrike" cap="none">
+                <a:solidFill>
+                  <a:srgbClr val="3C78D8"/>
+                </a:solidFill>
+                <a:latin typeface="Calibri"/>
+                <a:ea typeface="Calibri"/>
+                <a:cs typeface="Calibri"/>
+                <a:sym typeface="Calibri"/>
+              </a:rPr>
+              <a:t>Thank You!</a:t>
+            </a:r>
+            <a:endParaRPr sz="7000" b="1" i="0" u="none" strike="noStrike" cap="none">
+              <a:solidFill>
+                <a:srgbClr val="3C78D8"/>
+              </a:solidFill>
+              <a:latin typeface="Calibri"/>
+              <a:ea typeface="Calibri"/>
+              <a:cs typeface="Calibri"/>
+              <a:sym typeface="Calibri"/>
+            </a:endParaRPr>
+          </a:p>
+        </p:txBody>
+      </p:sp>
     </p:spTree>
   </p:cSld>
   <p:clrMapOvr>
@@ -28228,7 +29681,7 @@
             <a:tbl>
               <a:tblPr>
                 <a:noFill/>
-                <a:tableStyleId>{89F6DF50-41A2-4E5E-B0EF-A77B621CC6F2}</a:tableStyleId>
+                <a:tableStyleId>{21AA07E1-D746-4185-A9FE-914EF44093E5}</a:tableStyleId>
               </a:tblPr>
               <a:tblGrid>
                 <a:gridCol w="1933575">
@@ -31984,7 +33437,7 @@
             <a:tbl>
               <a:tblPr>
                 <a:noFill/>
-                <a:tableStyleId>{89F6DF50-41A2-4E5E-B0EF-A77B621CC6F2}</a:tableStyleId>
+                <a:tableStyleId>{21AA07E1-D746-4185-A9FE-914EF44093E5}</a:tableStyleId>
               </a:tblPr>
               <a:tblGrid>
                 <a:gridCol w="2149075">
